--- a/Presentation.pptx
+++ b/Presentation.pptx
@@ -46,40 +46,50 @@
       </p:grpSpPr>
       <p:sp>
         <p:nvSpPr>
-          <p:cNvPr id="108" name="Rectangle 1"/>
-          <p:cNvSpPr/>
-          <p:nvPr/>
+          <p:cNvPr id="109" name="PlaceHolder 1"/>
+          <p:cNvSpPr>
+            <a:spLocks noGrp="1"/>
+          </p:cNvSpPr>
+          <p:nvPr>
+            <p:ph type="body"/>
+          </p:nvPr>
+        </p:nvSpPr>
+        <p:spPr>
+          <a:xfrm>
+            <a:off x="777240" y="4777560"/>
+            <a:ext cx="6217560" cy="4525920"/>
+          </a:xfrm>
+          <a:prstGeom prst="rect">
+            <a:avLst/>
+          </a:prstGeom>
+        </p:spPr>
+        <p:txBody>
+          <a:bodyPr lIns="0" rIns="0" tIns="0" bIns="0"/>
+          <a:p>
+            <a:r>
+              <a:rPr lang="en-US" sz="2000" spc="-1">
+                <a:latin typeface="arial"/>
+              </a:rPr>
+              <a:t>Click to edit the notes format</a:t>
+            </a:r>
+            <a:endParaRPr/>
+          </a:p>
+        </p:txBody>
+      </p:sp>
+      <p:sp>
+        <p:nvSpPr>
+          <p:cNvPr id="110" name="PlaceHolder 2"/>
+          <p:cNvSpPr>
+            <a:spLocks noGrp="1"/>
+          </p:cNvSpPr>
+          <p:nvPr>
+            <p:ph type="hdr"/>
+          </p:nvPr>
         </p:nvSpPr>
         <p:spPr>
           <a:xfrm>
             <a:off x="0" y="0"/>
-            <a:ext cx="7772400" cy="10058400"/>
-          </a:xfrm>
-          <a:prstGeom prst="rect">
-            <a:avLst/>
-          </a:prstGeom>
-          <a:solidFill>
-            <a:srgbClr val="ffffff"/>
-          </a:solidFill>
-          <a:ln w="9360">
-            <a:noFill/>
-          </a:ln>
-        </p:spPr>
-      </p:sp>
-      <p:sp>
-        <p:nvSpPr>
-          <p:cNvPr id="109" name="PlaceHolder 2"/>
-          <p:cNvSpPr>
-            <a:spLocks noGrp="1"/>
-          </p:cNvSpPr>
-          <p:nvPr>
-            <p:ph type="body"/>
-          </p:nvPr>
-        </p:nvSpPr>
-        <p:spPr>
-          <a:xfrm>
-            <a:off x="777960" y="4776840"/>
-            <a:ext cx="6216480" cy="4524480"/>
+            <a:ext cx="3372840" cy="502560"/>
           </a:xfrm>
           <a:prstGeom prst="rect">
             <a:avLst/>
@@ -89,29 +99,29 @@
           <a:bodyPr lIns="0" rIns="0" tIns="0" bIns="0"/>
           <a:p>
             <a:r>
-              <a:rPr lang="en-US" sz="1200">
-                <a:latin typeface="Times New Roman"/>
-              </a:rPr>
-              <a:t>Click to edit the notes format</a:t>
-            </a:r>
-            <a:endParaRPr/>
-          </a:p>
-        </p:txBody>
-      </p:sp>
-      <p:sp>
-        <p:nvSpPr>
-          <p:cNvPr id="110" name="PlaceHolder 3"/>
-          <p:cNvSpPr>
-            <a:spLocks noGrp="1"/>
-          </p:cNvSpPr>
-          <p:nvPr>
-            <p:ph type="hdr"/>
-          </p:nvPr>
-        </p:nvSpPr>
-        <p:spPr>
-          <a:xfrm>
-            <a:off x="0" y="-360"/>
-            <a:ext cx="3371760" cy="501480"/>
+              <a:rPr lang="en-US" sz="1400" spc="-1">
+                <a:latin typeface="Tinos"/>
+              </a:rPr>
+              <a:t>&lt;header&gt;</a:t>
+            </a:r>
+            <a:endParaRPr/>
+          </a:p>
+        </p:txBody>
+      </p:sp>
+      <p:sp>
+        <p:nvSpPr>
+          <p:cNvPr id="111" name="PlaceHolder 3"/>
+          <p:cNvSpPr>
+            <a:spLocks noGrp="1"/>
+          </p:cNvSpPr>
+          <p:nvPr>
+            <p:ph type="dt"/>
+          </p:nvPr>
+        </p:nvSpPr>
+        <p:spPr>
+          <a:xfrm>
+            <a:off x="4399200" y="0"/>
+            <a:ext cx="3372840" cy="502560"/>
           </a:xfrm>
           <a:prstGeom prst="rect">
             <a:avLst/>
@@ -120,59 +130,10 @@
         <p:txBody>
           <a:bodyPr lIns="0" rIns="0" tIns="0" bIns="0"/>
           <a:p>
-            <a:pPr>
-              <a:lnSpc>
-                <a:spcPct val="95000"/>
-              </a:lnSpc>
-            </a:pPr>
-            <a:r>
-              <a:rPr lang="en-US" sz="1400">
-                <a:solidFill>
-                  <a:srgbClr val="000000"/>
-                </a:solidFill>
-                <a:latin typeface="Times New Roman"/>
-                <a:ea typeface="Lucida Sans Unicode"/>
-              </a:rPr>
-              <a:t>&lt;header&gt;</a:t>
-            </a:r>
-            <a:endParaRPr/>
-          </a:p>
-        </p:txBody>
-      </p:sp>
-      <p:sp>
-        <p:nvSpPr>
-          <p:cNvPr id="111" name="PlaceHolder 4"/>
-          <p:cNvSpPr>
-            <a:spLocks noGrp="1"/>
-          </p:cNvSpPr>
-          <p:nvPr>
-            <p:ph type="dt"/>
-          </p:nvPr>
-        </p:nvSpPr>
-        <p:spPr>
-          <a:xfrm>
-            <a:off x="4398480" y="-360"/>
-            <a:ext cx="3372120" cy="501480"/>
-          </a:xfrm>
-          <a:prstGeom prst="rect">
-            <a:avLst/>
-          </a:prstGeom>
-        </p:spPr>
-        <p:txBody>
-          <a:bodyPr lIns="0" rIns="0" tIns="0" bIns="0"/>
-          <a:p>
-            <a:pPr algn="r">
-              <a:lnSpc>
-                <a:spcPct val="95000"/>
-              </a:lnSpc>
-            </a:pPr>
-            <a:r>
-              <a:rPr lang="en-US" sz="1400">
-                <a:solidFill>
-                  <a:srgbClr val="000000"/>
-                </a:solidFill>
-                <a:latin typeface="Times New Roman"/>
-                <a:ea typeface="Lucida Sans Unicode"/>
+            <a:pPr algn="r"/>
+            <a:r>
+              <a:rPr lang="en-US" sz="1400" spc="-1">
+                <a:latin typeface="Tinos"/>
               </a:rPr>
               <a:t>&lt;date/time&gt;</a:t>
             </a:r>
@@ -182,7 +143,7 @@
       </p:sp>
       <p:sp>
         <p:nvSpPr>
-          <p:cNvPr id="112" name="PlaceHolder 5"/>
+          <p:cNvPr id="112" name="PlaceHolder 4"/>
           <p:cNvSpPr>
             <a:spLocks noGrp="1"/>
           </p:cNvSpPr>
@@ -192,8 +153,8 @@
         </p:nvSpPr>
         <p:spPr>
           <a:xfrm>
-            <a:off x="0" y="9555120"/>
-            <a:ext cx="3371760" cy="501840"/>
+            <a:off x="0" y="9555480"/>
+            <a:ext cx="3372840" cy="502560"/>
           </a:xfrm>
           <a:prstGeom prst="rect">
             <a:avLst/>
@@ -202,18 +163,9 @@
         <p:txBody>
           <a:bodyPr lIns="0" rIns="0" tIns="0" bIns="0" anchor="b"/>
           <a:p>
-            <a:pPr>
-              <a:lnSpc>
-                <a:spcPct val="95000"/>
-              </a:lnSpc>
-            </a:pPr>
-            <a:r>
-              <a:rPr lang="en-US" sz="1400">
-                <a:solidFill>
-                  <a:srgbClr val="000000"/>
-                </a:solidFill>
-                <a:latin typeface="Times New Roman"/>
-                <a:ea typeface="Lucida Sans Unicode"/>
+            <a:r>
+              <a:rPr lang="en-US" sz="1400" spc="-1">
+                <a:latin typeface="Tinos"/>
               </a:rPr>
               <a:t>&lt;footer&gt;</a:t>
             </a:r>
@@ -223,7 +175,7 @@
       </p:sp>
       <p:sp>
         <p:nvSpPr>
-          <p:cNvPr id="113" name="PlaceHolder 6"/>
+          <p:cNvPr id="113" name="PlaceHolder 5"/>
           <p:cNvSpPr>
             <a:spLocks noGrp="1"/>
           </p:cNvSpPr>
@@ -233,8 +185,8 @@
         </p:nvSpPr>
         <p:spPr>
           <a:xfrm>
-            <a:off x="4398480" y="9555120"/>
-            <a:ext cx="3372120" cy="501840"/>
+            <a:off x="4399200" y="9555480"/>
+            <a:ext cx="3372840" cy="502560"/>
           </a:xfrm>
           <a:prstGeom prst="rect">
             <a:avLst/>
@@ -243,18 +195,10 @@
         <p:txBody>
           <a:bodyPr lIns="0" rIns="0" tIns="0" bIns="0" anchor="b"/>
           <a:p>
-            <a:pPr algn="r">
-              <a:lnSpc>
-                <a:spcPct val="95000"/>
-              </a:lnSpc>
-            </a:pPr>
-            <a:fld id="{2FBFE8FE-3F61-4582-97B3-A4EFE64DF8BC}" type="slidenum">
-              <a:rPr lang="en-US" sz="1400">
-                <a:solidFill>
-                  <a:srgbClr val="000000"/>
-                </a:solidFill>
-                <a:latin typeface="Times New Roman"/>
-                <a:ea typeface="Lucida Sans Unicode"/>
+            <a:pPr algn="r"/>
+            <a:fld id="{82E88C6F-A4A1-4E18-B92D-510944463146}" type="slidenum">
+              <a:rPr lang="en-US" sz="1400" spc="-1">
+                <a:latin typeface="Tinos"/>
               </a:rPr>
               <a:t>&lt;number&gt;</a:t>
             </a:fld>
@@ -287,14 +231,14 @@
       </p:grpSpPr>
       <p:sp>
         <p:nvSpPr>
-          <p:cNvPr id="138" name="TextShape 1"/>
-          <p:cNvSpPr txBox="1"/>
+          <p:cNvPr id="138" name="CustomShape 1"/>
+          <p:cNvSpPr/>
           <p:nvPr/>
         </p:nvSpPr>
         <p:spPr>
           <a:xfrm>
             <a:off x="777600" y="4776840"/>
-            <a:ext cx="6218280" cy="4525920"/>
+            <a:ext cx="6217920" cy="4525560"/>
           </a:xfrm>
           <a:prstGeom prst="rect">
             <a:avLst/>
@@ -304,6 +248,12 @@
             <a:noFill/>
           </a:ln>
         </p:spPr>
+        <p:style>
+          <a:lnRef idx="0"/>
+          <a:fillRef idx="0"/>
+          <a:effectRef idx="0"/>
+          <a:fontRef idx="minor"/>
+        </p:style>
       </p:sp>
     </p:spTree>
   </p:cSld>
@@ -329,14 +279,14 @@
       </p:grpSpPr>
       <p:sp>
         <p:nvSpPr>
-          <p:cNvPr id="147" name="TextShape 1"/>
-          <p:cNvSpPr txBox="1"/>
+          <p:cNvPr id="147" name="CustomShape 1"/>
+          <p:cNvSpPr/>
           <p:nvPr/>
         </p:nvSpPr>
         <p:spPr>
           <a:xfrm>
             <a:off x="777600" y="4776840"/>
-            <a:ext cx="6218280" cy="4525920"/>
+            <a:ext cx="6217920" cy="4525560"/>
           </a:xfrm>
           <a:prstGeom prst="rect">
             <a:avLst/>
@@ -346,6 +296,12 @@
             <a:noFill/>
           </a:ln>
         </p:spPr>
+        <p:style>
+          <a:lnRef idx="0"/>
+          <a:fillRef idx="0"/>
+          <a:effectRef idx="0"/>
+          <a:fontRef idx="minor"/>
+        </p:style>
       </p:sp>
     </p:spTree>
   </p:cSld>
@@ -371,14 +327,14 @@
       </p:grpSpPr>
       <p:sp>
         <p:nvSpPr>
-          <p:cNvPr id="148" name="TextShape 1"/>
-          <p:cNvSpPr txBox="1"/>
+          <p:cNvPr id="148" name="CustomShape 1"/>
+          <p:cNvSpPr/>
           <p:nvPr/>
         </p:nvSpPr>
         <p:spPr>
           <a:xfrm>
             <a:off x="777600" y="4776840"/>
-            <a:ext cx="6218280" cy="4525920"/>
+            <a:ext cx="6217920" cy="4525560"/>
           </a:xfrm>
           <a:prstGeom prst="rect">
             <a:avLst/>
@@ -388,6 +344,12 @@
             <a:noFill/>
           </a:ln>
         </p:spPr>
+        <p:style>
+          <a:lnRef idx="0"/>
+          <a:fillRef idx="0"/>
+          <a:effectRef idx="0"/>
+          <a:fontRef idx="minor"/>
+        </p:style>
       </p:sp>
     </p:spTree>
   </p:cSld>
@@ -413,14 +375,14 @@
       </p:grpSpPr>
       <p:sp>
         <p:nvSpPr>
-          <p:cNvPr id="139" name="TextShape 1"/>
-          <p:cNvSpPr txBox="1"/>
+          <p:cNvPr id="139" name="CustomShape 1"/>
+          <p:cNvSpPr/>
           <p:nvPr/>
         </p:nvSpPr>
         <p:spPr>
           <a:xfrm>
             <a:off x="777600" y="4776840"/>
-            <a:ext cx="6218280" cy="4525920"/>
+            <a:ext cx="6217920" cy="4525560"/>
           </a:xfrm>
           <a:prstGeom prst="rect">
             <a:avLst/>
@@ -430,6 +392,12 @@
             <a:noFill/>
           </a:ln>
         </p:spPr>
+        <p:style>
+          <a:lnRef idx="0"/>
+          <a:fillRef idx="0"/>
+          <a:effectRef idx="0"/>
+          <a:fontRef idx="minor"/>
+        </p:style>
       </p:sp>
     </p:spTree>
   </p:cSld>
@@ -455,14 +423,14 @@
       </p:grpSpPr>
       <p:sp>
         <p:nvSpPr>
-          <p:cNvPr id="140" name="TextShape 1"/>
-          <p:cNvSpPr txBox="1"/>
+          <p:cNvPr id="140" name="CustomShape 1"/>
+          <p:cNvSpPr/>
           <p:nvPr/>
         </p:nvSpPr>
         <p:spPr>
           <a:xfrm>
             <a:off x="777600" y="4776840"/>
-            <a:ext cx="6218280" cy="4525920"/>
+            <a:ext cx="6217920" cy="4525560"/>
           </a:xfrm>
           <a:prstGeom prst="rect">
             <a:avLst/>
@@ -472,6 +440,12 @@
             <a:noFill/>
           </a:ln>
         </p:spPr>
+        <p:style>
+          <a:lnRef idx="0"/>
+          <a:fillRef idx="0"/>
+          <a:effectRef idx="0"/>
+          <a:fontRef idx="minor"/>
+        </p:style>
       </p:sp>
     </p:spTree>
   </p:cSld>
@@ -497,14 +471,14 @@
       </p:grpSpPr>
       <p:sp>
         <p:nvSpPr>
-          <p:cNvPr id="141" name="TextShape 1"/>
-          <p:cNvSpPr txBox="1"/>
+          <p:cNvPr id="141" name="CustomShape 1"/>
+          <p:cNvSpPr/>
           <p:nvPr/>
         </p:nvSpPr>
         <p:spPr>
           <a:xfrm>
             <a:off x="777600" y="4776840"/>
-            <a:ext cx="6218280" cy="4525920"/>
+            <a:ext cx="6217920" cy="4525560"/>
           </a:xfrm>
           <a:prstGeom prst="rect">
             <a:avLst/>
@@ -514,6 +488,12 @@
             <a:noFill/>
           </a:ln>
         </p:spPr>
+        <p:style>
+          <a:lnRef idx="0"/>
+          <a:fillRef idx="0"/>
+          <a:effectRef idx="0"/>
+          <a:fontRef idx="minor"/>
+        </p:style>
       </p:sp>
     </p:spTree>
   </p:cSld>
@@ -539,14 +519,14 @@
       </p:grpSpPr>
       <p:sp>
         <p:nvSpPr>
-          <p:cNvPr id="142" name="TextShape 1"/>
-          <p:cNvSpPr txBox="1"/>
+          <p:cNvPr id="142" name="CustomShape 1"/>
+          <p:cNvSpPr/>
           <p:nvPr/>
         </p:nvSpPr>
         <p:spPr>
           <a:xfrm>
             <a:off x="777600" y="4776840"/>
-            <a:ext cx="6218280" cy="4525920"/>
+            <a:ext cx="6217920" cy="4525560"/>
           </a:xfrm>
           <a:prstGeom prst="rect">
             <a:avLst/>
@@ -556,6 +536,12 @@
             <a:noFill/>
           </a:ln>
         </p:spPr>
+        <p:style>
+          <a:lnRef idx="0"/>
+          <a:fillRef idx="0"/>
+          <a:effectRef idx="0"/>
+          <a:fontRef idx="minor"/>
+        </p:style>
       </p:sp>
     </p:spTree>
   </p:cSld>
@@ -581,14 +567,14 @@
       </p:grpSpPr>
       <p:sp>
         <p:nvSpPr>
-          <p:cNvPr id="143" name="TextShape 1"/>
-          <p:cNvSpPr txBox="1"/>
+          <p:cNvPr id="143" name="CustomShape 1"/>
+          <p:cNvSpPr/>
           <p:nvPr/>
         </p:nvSpPr>
         <p:spPr>
           <a:xfrm>
             <a:off x="777600" y="4776840"/>
-            <a:ext cx="6218280" cy="4525920"/>
+            <a:ext cx="6217920" cy="4525560"/>
           </a:xfrm>
           <a:prstGeom prst="rect">
             <a:avLst/>
@@ -598,6 +584,12 @@
             <a:noFill/>
           </a:ln>
         </p:spPr>
+        <p:style>
+          <a:lnRef idx="0"/>
+          <a:fillRef idx="0"/>
+          <a:effectRef idx="0"/>
+          <a:fontRef idx="minor"/>
+        </p:style>
       </p:sp>
     </p:spTree>
   </p:cSld>
@@ -623,14 +615,14 @@
       </p:grpSpPr>
       <p:sp>
         <p:nvSpPr>
-          <p:cNvPr id="144" name="TextShape 1"/>
-          <p:cNvSpPr txBox="1"/>
+          <p:cNvPr id="144" name="CustomShape 1"/>
+          <p:cNvSpPr/>
           <p:nvPr/>
         </p:nvSpPr>
         <p:spPr>
           <a:xfrm>
             <a:off x="777600" y="4776840"/>
-            <a:ext cx="6218280" cy="4525920"/>
+            <a:ext cx="6217920" cy="4525560"/>
           </a:xfrm>
           <a:prstGeom prst="rect">
             <a:avLst/>
@@ -640,6 +632,12 @@
             <a:noFill/>
           </a:ln>
         </p:spPr>
+        <p:style>
+          <a:lnRef idx="0"/>
+          <a:fillRef idx="0"/>
+          <a:effectRef idx="0"/>
+          <a:fontRef idx="minor"/>
+        </p:style>
       </p:sp>
     </p:spTree>
   </p:cSld>
@@ -665,14 +663,14 @@
       </p:grpSpPr>
       <p:sp>
         <p:nvSpPr>
-          <p:cNvPr id="145" name="TextShape 1"/>
-          <p:cNvSpPr txBox="1"/>
+          <p:cNvPr id="145" name="CustomShape 1"/>
+          <p:cNvSpPr/>
           <p:nvPr/>
         </p:nvSpPr>
         <p:spPr>
           <a:xfrm>
             <a:off x="777600" y="4776840"/>
-            <a:ext cx="6218280" cy="4525920"/>
+            <a:ext cx="6217920" cy="4525560"/>
           </a:xfrm>
           <a:prstGeom prst="rect">
             <a:avLst/>
@@ -682,6 +680,12 @@
             <a:noFill/>
           </a:ln>
         </p:spPr>
+        <p:style>
+          <a:lnRef idx="0"/>
+          <a:fillRef idx="0"/>
+          <a:effectRef idx="0"/>
+          <a:fontRef idx="minor"/>
+        </p:style>
       </p:sp>
     </p:spTree>
   </p:cSld>
@@ -707,14 +711,14 @@
       </p:grpSpPr>
       <p:sp>
         <p:nvSpPr>
-          <p:cNvPr id="146" name="TextShape 1"/>
-          <p:cNvSpPr txBox="1"/>
+          <p:cNvPr id="146" name="CustomShape 1"/>
+          <p:cNvSpPr/>
           <p:nvPr/>
         </p:nvSpPr>
         <p:spPr>
           <a:xfrm>
             <a:off x="777600" y="4776840"/>
-            <a:ext cx="6218280" cy="4525920"/>
+            <a:ext cx="6217920" cy="4525560"/>
           </a:xfrm>
           <a:prstGeom prst="rect">
             <a:avLst/>
@@ -724,6 +728,12 @@
             <a:noFill/>
           </a:ln>
         </p:spPr>
+        <p:style>
+          <a:lnRef idx="0"/>
+          <a:fillRef idx="0"/>
+          <a:effectRef idx="0"/>
+          <a:fontRef idx="minor"/>
+        </p:style>
       </p:sp>
     </p:spTree>
   </p:cSld>
@@ -781,8 +791,8 @@
         </p:nvSpPr>
         <p:spPr>
           <a:xfrm>
-            <a:off x="502920" y="301320"/>
-            <a:ext cx="9070920" cy="1260360"/>
+            <a:off x="504000" y="301320"/>
+            <a:ext cx="9072000" cy="1261800"/>
           </a:xfrm>
           <a:prstGeom prst="rect">
             <a:avLst/>
@@ -808,15 +818,15 @@
         </p:nvSpPr>
         <p:spPr>
           <a:xfrm>
-            <a:off x="502920" y="1768320"/>
-            <a:ext cx="9070920" cy="2379240"/>
-          </a:xfrm>
-          <a:prstGeom prst="rect">
-            <a:avLst/>
-          </a:prstGeom>
-        </p:spPr>
-        <p:txBody>
-          <a:bodyPr lIns="0" rIns="0" tIns="28080" bIns="0"/>
+            <a:off x="504000" y="1768680"/>
+            <a:ext cx="9072000" cy="2090880"/>
+          </a:xfrm>
+          <a:prstGeom prst="rect">
+            <a:avLst/>
+          </a:prstGeom>
+        </p:spPr>
+        <p:txBody>
+          <a:bodyPr lIns="0" rIns="0" tIns="0" bIns="0"/>
           <a:p>
             <a:endParaRPr/>
           </a:p>
@@ -834,15 +844,15 @@
         </p:nvSpPr>
         <p:spPr>
           <a:xfrm>
-            <a:off x="502920" y="4374000"/>
-            <a:ext cx="9070920" cy="2379240"/>
-          </a:xfrm>
-          <a:prstGeom prst="rect">
-            <a:avLst/>
-          </a:prstGeom>
-        </p:spPr>
-        <p:txBody>
-          <a:bodyPr lIns="0" rIns="0" tIns="28080" bIns="0"/>
+            <a:off x="504000" y="4058640"/>
+            <a:ext cx="9072000" cy="2090880"/>
+          </a:xfrm>
+          <a:prstGeom prst="rect">
+            <a:avLst/>
+          </a:prstGeom>
+        </p:spPr>
+        <p:txBody>
+          <a:bodyPr lIns="0" rIns="0" tIns="0" bIns="0"/>
           <a:p>
             <a:endParaRPr/>
           </a:p>
@@ -882,8 +892,8 @@
         </p:nvSpPr>
         <p:spPr>
           <a:xfrm>
-            <a:off x="502920" y="301320"/>
-            <a:ext cx="9070920" cy="1260360"/>
+            <a:off x="504000" y="301320"/>
+            <a:ext cx="9072000" cy="1261800"/>
           </a:xfrm>
           <a:prstGeom prst="rect">
             <a:avLst/>
@@ -909,15 +919,15 @@
         </p:nvSpPr>
         <p:spPr>
           <a:xfrm>
-            <a:off x="502920" y="1768320"/>
-            <a:ext cx="4426560" cy="2379240"/>
-          </a:xfrm>
-          <a:prstGeom prst="rect">
-            <a:avLst/>
-          </a:prstGeom>
-        </p:spPr>
-        <p:txBody>
-          <a:bodyPr lIns="0" rIns="0" tIns="28080" bIns="0"/>
+            <a:off x="504000" y="1768680"/>
+            <a:ext cx="4426920" cy="2090880"/>
+          </a:xfrm>
+          <a:prstGeom prst="rect">
+            <a:avLst/>
+          </a:prstGeom>
+        </p:spPr>
+        <p:txBody>
+          <a:bodyPr lIns="0" rIns="0" tIns="0" bIns="0"/>
           <a:p>
             <a:endParaRPr/>
           </a:p>
@@ -935,15 +945,15 @@
         </p:nvSpPr>
         <p:spPr>
           <a:xfrm>
-            <a:off x="5151240" y="1768320"/>
-            <a:ext cx="4426560" cy="2379240"/>
-          </a:xfrm>
-          <a:prstGeom prst="rect">
-            <a:avLst/>
-          </a:prstGeom>
-        </p:spPr>
-        <p:txBody>
-          <a:bodyPr lIns="0" rIns="0" tIns="28080" bIns="0"/>
+            <a:off x="5152680" y="1768680"/>
+            <a:ext cx="4426920" cy="2090880"/>
+          </a:xfrm>
+          <a:prstGeom prst="rect">
+            <a:avLst/>
+          </a:prstGeom>
+        </p:spPr>
+        <p:txBody>
+          <a:bodyPr lIns="0" rIns="0" tIns="0" bIns="0"/>
           <a:p>
             <a:endParaRPr/>
           </a:p>
@@ -961,15 +971,15 @@
         </p:nvSpPr>
         <p:spPr>
           <a:xfrm>
-            <a:off x="5151240" y="4374000"/>
-            <a:ext cx="4426560" cy="2379240"/>
-          </a:xfrm>
-          <a:prstGeom prst="rect">
-            <a:avLst/>
-          </a:prstGeom>
-        </p:spPr>
-        <p:txBody>
-          <a:bodyPr lIns="0" rIns="0" tIns="28080" bIns="0"/>
+            <a:off x="5152680" y="4058640"/>
+            <a:ext cx="4426920" cy="2090880"/>
+          </a:xfrm>
+          <a:prstGeom prst="rect">
+            <a:avLst/>
+          </a:prstGeom>
+        </p:spPr>
+        <p:txBody>
+          <a:bodyPr lIns="0" rIns="0" tIns="0" bIns="0"/>
           <a:p>
             <a:endParaRPr/>
           </a:p>
@@ -987,15 +997,15 @@
         </p:nvSpPr>
         <p:spPr>
           <a:xfrm>
-            <a:off x="502920" y="4374000"/>
-            <a:ext cx="4426560" cy="2379240"/>
-          </a:xfrm>
-          <a:prstGeom prst="rect">
-            <a:avLst/>
-          </a:prstGeom>
-        </p:spPr>
-        <p:txBody>
-          <a:bodyPr lIns="0" rIns="0" tIns="28080" bIns="0"/>
+            <a:off x="504000" y="4058640"/>
+            <a:ext cx="4426920" cy="2090880"/>
+          </a:xfrm>
+          <a:prstGeom prst="rect">
+            <a:avLst/>
+          </a:prstGeom>
+        </p:spPr>
+        <p:txBody>
+          <a:bodyPr lIns="0" rIns="0" tIns="0" bIns="0"/>
           <a:p>
             <a:endParaRPr/>
           </a:p>
@@ -1035,8 +1045,8 @@
         </p:nvSpPr>
         <p:spPr>
           <a:xfrm>
-            <a:off x="502920" y="301320"/>
-            <a:ext cx="9070920" cy="1260360"/>
+            <a:off x="504000" y="301320"/>
+            <a:ext cx="9072000" cy="1261800"/>
           </a:xfrm>
           <a:prstGeom prst="rect">
             <a:avLst/>
@@ -1062,15 +1072,15 @@
         </p:nvSpPr>
         <p:spPr>
           <a:xfrm>
-            <a:off x="502920" y="1768320"/>
-            <a:ext cx="9070920" cy="4988160"/>
-          </a:xfrm>
-          <a:prstGeom prst="rect">
-            <a:avLst/>
-          </a:prstGeom>
-        </p:spPr>
-        <p:txBody>
-          <a:bodyPr lIns="0" rIns="0" tIns="28080" bIns="0"/>
+            <a:off x="504000" y="1768680"/>
+            <a:ext cx="9072000" cy="4384080"/>
+          </a:xfrm>
+          <a:prstGeom prst="rect">
+            <a:avLst/>
+          </a:prstGeom>
+        </p:spPr>
+        <p:txBody>
+          <a:bodyPr lIns="0" rIns="0" tIns="0" bIns="0"/>
           <a:p>
             <a:endParaRPr/>
           </a:p>
@@ -1088,15 +1098,15 @@
         </p:nvSpPr>
         <p:spPr>
           <a:xfrm>
-            <a:off x="502920" y="1768320"/>
-            <a:ext cx="9070920" cy="4988160"/>
-          </a:xfrm>
-          <a:prstGeom prst="rect">
-            <a:avLst/>
-          </a:prstGeom>
-        </p:spPr>
-        <p:txBody>
-          <a:bodyPr lIns="0" rIns="0" tIns="28080" bIns="0"/>
+            <a:off x="504000" y="1768680"/>
+            <a:ext cx="9072000" cy="4384080"/>
+          </a:xfrm>
+          <a:prstGeom prst="rect">
+            <a:avLst/>
+          </a:prstGeom>
+        </p:spPr>
+        <p:txBody>
+          <a:bodyPr lIns="0" rIns="0" tIns="0" bIns="0"/>
           <a:p>
             <a:endParaRPr/>
           </a:p>
@@ -1114,8 +1124,8 @@
         </p:blipFill>
         <p:spPr>
           <a:xfrm>
-            <a:off x="1912320" y="1768320"/>
-            <a:ext cx="6251760" cy="4988160"/>
+            <a:off x="2292480" y="1768680"/>
+            <a:ext cx="5494680" cy="4384080"/>
           </a:xfrm>
           <a:prstGeom prst="rect">
             <a:avLst/>
@@ -1137,8 +1147,8 @@
         </p:blipFill>
         <p:spPr>
           <a:xfrm>
-            <a:off x="1912320" y="1768320"/>
-            <a:ext cx="6251760" cy="4988160"/>
+            <a:off x="2292480" y="1768680"/>
+            <a:ext cx="5494680" cy="4384080"/>
           </a:xfrm>
           <a:prstGeom prst="rect">
             <a:avLst/>
@@ -1204,8 +1214,8 @@
         </p:nvSpPr>
         <p:spPr>
           <a:xfrm>
-            <a:off x="502920" y="301320"/>
-            <a:ext cx="9070920" cy="1260360"/>
+            <a:off x="504000" y="301320"/>
+            <a:ext cx="9072000" cy="1261800"/>
           </a:xfrm>
           <a:prstGeom prst="rect">
             <a:avLst/>
@@ -1231,8 +1241,8 @@
         </p:nvSpPr>
         <p:spPr>
           <a:xfrm>
-            <a:off x="502920" y="1768320"/>
-            <a:ext cx="9070920" cy="4988160"/>
+            <a:off x="504000" y="1768680"/>
+            <a:ext cx="9072000" cy="4384080"/>
           </a:xfrm>
           <a:prstGeom prst="rect">
             <a:avLst/>
@@ -1280,8 +1290,8 @@
         </p:nvSpPr>
         <p:spPr>
           <a:xfrm>
-            <a:off x="502920" y="301320"/>
-            <a:ext cx="9070920" cy="1260360"/>
+            <a:off x="504000" y="301320"/>
+            <a:ext cx="9072000" cy="1261800"/>
           </a:xfrm>
           <a:prstGeom prst="rect">
             <a:avLst/>
@@ -1307,15 +1317,15 @@
         </p:nvSpPr>
         <p:spPr>
           <a:xfrm>
-            <a:off x="502920" y="1768320"/>
-            <a:ext cx="9070920" cy="4988160"/>
-          </a:xfrm>
-          <a:prstGeom prst="rect">
-            <a:avLst/>
-          </a:prstGeom>
-        </p:spPr>
-        <p:txBody>
-          <a:bodyPr lIns="0" rIns="0" tIns="28080" bIns="0"/>
+            <a:off x="504000" y="1768680"/>
+            <a:ext cx="9072000" cy="4384080"/>
+          </a:xfrm>
+          <a:prstGeom prst="rect">
+            <a:avLst/>
+          </a:prstGeom>
+        </p:spPr>
+        <p:txBody>
+          <a:bodyPr lIns="0" rIns="0" tIns="0" bIns="0"/>
           <a:p>
             <a:endParaRPr/>
           </a:p>
@@ -1355,8 +1365,8 @@
         </p:nvSpPr>
         <p:spPr>
           <a:xfrm>
-            <a:off x="502920" y="301320"/>
-            <a:ext cx="9070920" cy="1260360"/>
+            <a:off x="504000" y="301320"/>
+            <a:ext cx="9072000" cy="1261800"/>
           </a:xfrm>
           <a:prstGeom prst="rect">
             <a:avLst/>
@@ -1382,15 +1392,15 @@
         </p:nvSpPr>
         <p:spPr>
           <a:xfrm>
-            <a:off x="502920" y="1768320"/>
-            <a:ext cx="4426560" cy="4988160"/>
-          </a:xfrm>
-          <a:prstGeom prst="rect">
-            <a:avLst/>
-          </a:prstGeom>
-        </p:spPr>
-        <p:txBody>
-          <a:bodyPr lIns="0" rIns="0" tIns="28080" bIns="0"/>
+            <a:off x="504000" y="1768680"/>
+            <a:ext cx="4426920" cy="4384080"/>
+          </a:xfrm>
+          <a:prstGeom prst="rect">
+            <a:avLst/>
+          </a:prstGeom>
+        </p:spPr>
+        <p:txBody>
+          <a:bodyPr lIns="0" rIns="0" tIns="0" bIns="0"/>
           <a:p>
             <a:endParaRPr/>
           </a:p>
@@ -1408,15 +1418,15 @@
         </p:nvSpPr>
         <p:spPr>
           <a:xfrm>
-            <a:off x="5151240" y="1768320"/>
-            <a:ext cx="4426560" cy="4988160"/>
-          </a:xfrm>
-          <a:prstGeom prst="rect">
-            <a:avLst/>
-          </a:prstGeom>
-        </p:spPr>
-        <p:txBody>
-          <a:bodyPr lIns="0" rIns="0" tIns="28080" bIns="0"/>
+            <a:off x="5152680" y="1768680"/>
+            <a:ext cx="4426920" cy="4384080"/>
+          </a:xfrm>
+          <a:prstGeom prst="rect">
+            <a:avLst/>
+          </a:prstGeom>
+        </p:spPr>
+        <p:txBody>
+          <a:bodyPr lIns="0" rIns="0" tIns="0" bIns="0"/>
           <a:p>
             <a:endParaRPr/>
           </a:p>
@@ -1456,8 +1466,8 @@
         </p:nvSpPr>
         <p:spPr>
           <a:xfrm>
-            <a:off x="502920" y="301320"/>
-            <a:ext cx="9070920" cy="1260360"/>
+            <a:off x="504000" y="301320"/>
+            <a:ext cx="9072000" cy="1261800"/>
           </a:xfrm>
           <a:prstGeom prst="rect">
             <a:avLst/>
@@ -1505,8 +1515,8 @@
         </p:nvSpPr>
         <p:spPr>
           <a:xfrm>
-            <a:off x="502920" y="301320"/>
-            <a:ext cx="9070920" cy="5843520"/>
+            <a:off x="504000" y="301320"/>
+            <a:ext cx="9072000" cy="5850360"/>
           </a:xfrm>
           <a:prstGeom prst="rect">
             <a:avLst/>
@@ -1554,8 +1564,8 @@
         </p:nvSpPr>
         <p:spPr>
           <a:xfrm>
-            <a:off x="502920" y="301320"/>
-            <a:ext cx="9070920" cy="1260360"/>
+            <a:off x="504000" y="301320"/>
+            <a:ext cx="9072000" cy="1261800"/>
           </a:xfrm>
           <a:prstGeom prst="rect">
             <a:avLst/>
@@ -1581,15 +1591,15 @@
         </p:nvSpPr>
         <p:spPr>
           <a:xfrm>
-            <a:off x="502920" y="1768320"/>
-            <a:ext cx="4426560" cy="2379240"/>
-          </a:xfrm>
-          <a:prstGeom prst="rect">
-            <a:avLst/>
-          </a:prstGeom>
-        </p:spPr>
-        <p:txBody>
-          <a:bodyPr lIns="0" rIns="0" tIns="28080" bIns="0"/>
+            <a:off x="504000" y="1768680"/>
+            <a:ext cx="4426920" cy="2090880"/>
+          </a:xfrm>
+          <a:prstGeom prst="rect">
+            <a:avLst/>
+          </a:prstGeom>
+        </p:spPr>
+        <p:txBody>
+          <a:bodyPr lIns="0" rIns="0" tIns="0" bIns="0"/>
           <a:p>
             <a:endParaRPr/>
           </a:p>
@@ -1607,15 +1617,15 @@
         </p:nvSpPr>
         <p:spPr>
           <a:xfrm>
-            <a:off x="502920" y="4374000"/>
-            <a:ext cx="4426560" cy="2379240"/>
-          </a:xfrm>
-          <a:prstGeom prst="rect">
-            <a:avLst/>
-          </a:prstGeom>
-        </p:spPr>
-        <p:txBody>
-          <a:bodyPr lIns="0" rIns="0" tIns="28080" bIns="0"/>
+            <a:off x="504000" y="4058640"/>
+            <a:ext cx="4426920" cy="2090880"/>
+          </a:xfrm>
+          <a:prstGeom prst="rect">
+            <a:avLst/>
+          </a:prstGeom>
+        </p:spPr>
+        <p:txBody>
+          <a:bodyPr lIns="0" rIns="0" tIns="0" bIns="0"/>
           <a:p>
             <a:endParaRPr/>
           </a:p>
@@ -1633,15 +1643,15 @@
         </p:nvSpPr>
         <p:spPr>
           <a:xfrm>
-            <a:off x="5151240" y="1768320"/>
-            <a:ext cx="4426560" cy="4988160"/>
-          </a:xfrm>
-          <a:prstGeom prst="rect">
-            <a:avLst/>
-          </a:prstGeom>
-        </p:spPr>
-        <p:txBody>
-          <a:bodyPr lIns="0" rIns="0" tIns="28080" bIns="0"/>
+            <a:off x="5152680" y="1768680"/>
+            <a:ext cx="4426920" cy="4384080"/>
+          </a:xfrm>
+          <a:prstGeom prst="rect">
+            <a:avLst/>
+          </a:prstGeom>
+        </p:spPr>
+        <p:txBody>
+          <a:bodyPr lIns="0" rIns="0" tIns="0" bIns="0"/>
           <a:p>
             <a:endParaRPr/>
           </a:p>
@@ -1681,8 +1691,8 @@
         </p:nvSpPr>
         <p:spPr>
           <a:xfrm>
-            <a:off x="502920" y="301320"/>
-            <a:ext cx="9070920" cy="1260360"/>
+            <a:off x="504000" y="301320"/>
+            <a:ext cx="9072000" cy="1261800"/>
           </a:xfrm>
           <a:prstGeom prst="rect">
             <a:avLst/>
@@ -1708,8 +1718,8 @@
         </p:nvSpPr>
         <p:spPr>
           <a:xfrm>
-            <a:off x="502920" y="1768320"/>
-            <a:ext cx="9070920" cy="4988160"/>
+            <a:off x="504000" y="1768680"/>
+            <a:ext cx="9072000" cy="4384080"/>
           </a:xfrm>
           <a:prstGeom prst="rect">
             <a:avLst/>
@@ -1757,8 +1767,8 @@
         </p:nvSpPr>
         <p:spPr>
           <a:xfrm>
-            <a:off x="502920" y="301320"/>
-            <a:ext cx="9070920" cy="1260360"/>
+            <a:off x="504000" y="301320"/>
+            <a:ext cx="9072000" cy="1261800"/>
           </a:xfrm>
           <a:prstGeom prst="rect">
             <a:avLst/>
@@ -1784,15 +1794,15 @@
         </p:nvSpPr>
         <p:spPr>
           <a:xfrm>
-            <a:off x="502920" y="1768320"/>
-            <a:ext cx="4426560" cy="4988160"/>
-          </a:xfrm>
-          <a:prstGeom prst="rect">
-            <a:avLst/>
-          </a:prstGeom>
-        </p:spPr>
-        <p:txBody>
-          <a:bodyPr lIns="0" rIns="0" tIns="28080" bIns="0"/>
+            <a:off x="504000" y="1768680"/>
+            <a:ext cx="4426920" cy="4384080"/>
+          </a:xfrm>
+          <a:prstGeom prst="rect">
+            <a:avLst/>
+          </a:prstGeom>
+        </p:spPr>
+        <p:txBody>
+          <a:bodyPr lIns="0" rIns="0" tIns="0" bIns="0"/>
           <a:p>
             <a:endParaRPr/>
           </a:p>
@@ -1810,15 +1820,15 @@
         </p:nvSpPr>
         <p:spPr>
           <a:xfrm>
-            <a:off x="5151240" y="1768320"/>
-            <a:ext cx="4426560" cy="2379240"/>
-          </a:xfrm>
-          <a:prstGeom prst="rect">
-            <a:avLst/>
-          </a:prstGeom>
-        </p:spPr>
-        <p:txBody>
-          <a:bodyPr lIns="0" rIns="0" tIns="28080" bIns="0"/>
+            <a:off x="5152680" y="1768680"/>
+            <a:ext cx="4426920" cy="2090880"/>
+          </a:xfrm>
+          <a:prstGeom prst="rect">
+            <a:avLst/>
+          </a:prstGeom>
+        </p:spPr>
+        <p:txBody>
+          <a:bodyPr lIns="0" rIns="0" tIns="0" bIns="0"/>
           <a:p>
             <a:endParaRPr/>
           </a:p>
@@ -1836,15 +1846,15 @@
         </p:nvSpPr>
         <p:spPr>
           <a:xfrm>
-            <a:off x="5151240" y="4374000"/>
-            <a:ext cx="4426560" cy="2379240"/>
-          </a:xfrm>
-          <a:prstGeom prst="rect">
-            <a:avLst/>
-          </a:prstGeom>
-        </p:spPr>
-        <p:txBody>
-          <a:bodyPr lIns="0" rIns="0" tIns="28080" bIns="0"/>
+            <a:off x="5152680" y="4058640"/>
+            <a:ext cx="4426920" cy="2090880"/>
+          </a:xfrm>
+          <a:prstGeom prst="rect">
+            <a:avLst/>
+          </a:prstGeom>
+        </p:spPr>
+        <p:txBody>
+          <a:bodyPr lIns="0" rIns="0" tIns="0" bIns="0"/>
           <a:p>
             <a:endParaRPr/>
           </a:p>
@@ -1884,8 +1894,8 @@
         </p:nvSpPr>
         <p:spPr>
           <a:xfrm>
-            <a:off x="502920" y="301320"/>
-            <a:ext cx="9070920" cy="1260360"/>
+            <a:off x="504000" y="301320"/>
+            <a:ext cx="9072000" cy="1261800"/>
           </a:xfrm>
           <a:prstGeom prst="rect">
             <a:avLst/>
@@ -1911,15 +1921,15 @@
         </p:nvSpPr>
         <p:spPr>
           <a:xfrm>
-            <a:off x="502920" y="1768320"/>
-            <a:ext cx="4426560" cy="2379240"/>
-          </a:xfrm>
-          <a:prstGeom prst="rect">
-            <a:avLst/>
-          </a:prstGeom>
-        </p:spPr>
-        <p:txBody>
-          <a:bodyPr lIns="0" rIns="0" tIns="28080" bIns="0"/>
+            <a:off x="504000" y="1768680"/>
+            <a:ext cx="4426920" cy="2090880"/>
+          </a:xfrm>
+          <a:prstGeom prst="rect">
+            <a:avLst/>
+          </a:prstGeom>
+        </p:spPr>
+        <p:txBody>
+          <a:bodyPr lIns="0" rIns="0" tIns="0" bIns="0"/>
           <a:p>
             <a:endParaRPr/>
           </a:p>
@@ -1937,15 +1947,15 @@
         </p:nvSpPr>
         <p:spPr>
           <a:xfrm>
-            <a:off x="5151240" y="1768320"/>
-            <a:ext cx="4426560" cy="2379240"/>
-          </a:xfrm>
-          <a:prstGeom prst="rect">
-            <a:avLst/>
-          </a:prstGeom>
-        </p:spPr>
-        <p:txBody>
-          <a:bodyPr lIns="0" rIns="0" tIns="28080" bIns="0"/>
+            <a:off x="5152680" y="1768680"/>
+            <a:ext cx="4426920" cy="2090880"/>
+          </a:xfrm>
+          <a:prstGeom prst="rect">
+            <a:avLst/>
+          </a:prstGeom>
+        </p:spPr>
+        <p:txBody>
+          <a:bodyPr lIns="0" rIns="0" tIns="0" bIns="0"/>
           <a:p>
             <a:endParaRPr/>
           </a:p>
@@ -1963,15 +1973,15 @@
         </p:nvSpPr>
         <p:spPr>
           <a:xfrm>
-            <a:off x="502920" y="4374000"/>
-            <a:ext cx="9070920" cy="2379240"/>
-          </a:xfrm>
-          <a:prstGeom prst="rect">
-            <a:avLst/>
-          </a:prstGeom>
-        </p:spPr>
-        <p:txBody>
-          <a:bodyPr lIns="0" rIns="0" tIns="28080" bIns="0"/>
+            <a:off x="504000" y="4058640"/>
+            <a:ext cx="9072000" cy="2090880"/>
+          </a:xfrm>
+          <a:prstGeom prst="rect">
+            <a:avLst/>
+          </a:prstGeom>
+        </p:spPr>
+        <p:txBody>
+          <a:bodyPr lIns="0" rIns="0" tIns="0" bIns="0"/>
           <a:p>
             <a:endParaRPr/>
           </a:p>
@@ -2011,8 +2021,8 @@
         </p:nvSpPr>
         <p:spPr>
           <a:xfrm>
-            <a:off x="502920" y="301320"/>
-            <a:ext cx="9070920" cy="1260360"/>
+            <a:off x="504000" y="301320"/>
+            <a:ext cx="9072000" cy="1261800"/>
           </a:xfrm>
           <a:prstGeom prst="rect">
             <a:avLst/>
@@ -2038,15 +2048,15 @@
         </p:nvSpPr>
         <p:spPr>
           <a:xfrm>
-            <a:off x="502920" y="1768320"/>
-            <a:ext cx="9070920" cy="2379240"/>
-          </a:xfrm>
-          <a:prstGeom prst="rect">
-            <a:avLst/>
-          </a:prstGeom>
-        </p:spPr>
-        <p:txBody>
-          <a:bodyPr lIns="0" rIns="0" tIns="28080" bIns="0"/>
+            <a:off x="504000" y="1768680"/>
+            <a:ext cx="9072000" cy="2090880"/>
+          </a:xfrm>
+          <a:prstGeom prst="rect">
+            <a:avLst/>
+          </a:prstGeom>
+        </p:spPr>
+        <p:txBody>
+          <a:bodyPr lIns="0" rIns="0" tIns="0" bIns="0"/>
           <a:p>
             <a:endParaRPr/>
           </a:p>
@@ -2064,15 +2074,15 @@
         </p:nvSpPr>
         <p:spPr>
           <a:xfrm>
-            <a:off x="502920" y="4374000"/>
-            <a:ext cx="9070920" cy="2379240"/>
-          </a:xfrm>
-          <a:prstGeom prst="rect">
-            <a:avLst/>
-          </a:prstGeom>
-        </p:spPr>
-        <p:txBody>
-          <a:bodyPr lIns="0" rIns="0" tIns="28080" bIns="0"/>
+            <a:off x="504000" y="4058640"/>
+            <a:ext cx="9072000" cy="2090880"/>
+          </a:xfrm>
+          <a:prstGeom prst="rect">
+            <a:avLst/>
+          </a:prstGeom>
+        </p:spPr>
+        <p:txBody>
+          <a:bodyPr lIns="0" rIns="0" tIns="0" bIns="0"/>
           <a:p>
             <a:endParaRPr/>
           </a:p>
@@ -2112,8 +2122,8 @@
         </p:nvSpPr>
         <p:spPr>
           <a:xfrm>
-            <a:off x="502920" y="301320"/>
-            <a:ext cx="9070920" cy="1260360"/>
+            <a:off x="504000" y="301320"/>
+            <a:ext cx="9072000" cy="1261800"/>
           </a:xfrm>
           <a:prstGeom prst="rect">
             <a:avLst/>
@@ -2139,15 +2149,15 @@
         </p:nvSpPr>
         <p:spPr>
           <a:xfrm>
-            <a:off x="502920" y="1768320"/>
-            <a:ext cx="4426560" cy="2379240"/>
-          </a:xfrm>
-          <a:prstGeom prst="rect">
-            <a:avLst/>
-          </a:prstGeom>
-        </p:spPr>
-        <p:txBody>
-          <a:bodyPr lIns="0" rIns="0" tIns="28080" bIns="0"/>
+            <a:off x="504000" y="1768680"/>
+            <a:ext cx="4426920" cy="2090880"/>
+          </a:xfrm>
+          <a:prstGeom prst="rect">
+            <a:avLst/>
+          </a:prstGeom>
+        </p:spPr>
+        <p:txBody>
+          <a:bodyPr lIns="0" rIns="0" tIns="0" bIns="0"/>
           <a:p>
             <a:endParaRPr/>
           </a:p>
@@ -2165,15 +2175,15 @@
         </p:nvSpPr>
         <p:spPr>
           <a:xfrm>
-            <a:off x="5151240" y="1768320"/>
-            <a:ext cx="4426560" cy="2379240"/>
-          </a:xfrm>
-          <a:prstGeom prst="rect">
-            <a:avLst/>
-          </a:prstGeom>
-        </p:spPr>
-        <p:txBody>
-          <a:bodyPr lIns="0" rIns="0" tIns="28080" bIns="0"/>
+            <a:off x="5152680" y="1768680"/>
+            <a:ext cx="4426920" cy="2090880"/>
+          </a:xfrm>
+          <a:prstGeom prst="rect">
+            <a:avLst/>
+          </a:prstGeom>
+        </p:spPr>
+        <p:txBody>
+          <a:bodyPr lIns="0" rIns="0" tIns="0" bIns="0"/>
           <a:p>
             <a:endParaRPr/>
           </a:p>
@@ -2191,15 +2201,15 @@
         </p:nvSpPr>
         <p:spPr>
           <a:xfrm>
-            <a:off x="5151240" y="4374000"/>
-            <a:ext cx="4426560" cy="2379240"/>
-          </a:xfrm>
-          <a:prstGeom prst="rect">
-            <a:avLst/>
-          </a:prstGeom>
-        </p:spPr>
-        <p:txBody>
-          <a:bodyPr lIns="0" rIns="0" tIns="28080" bIns="0"/>
+            <a:off x="5152680" y="4058640"/>
+            <a:ext cx="4426920" cy="2090880"/>
+          </a:xfrm>
+          <a:prstGeom prst="rect">
+            <a:avLst/>
+          </a:prstGeom>
+        </p:spPr>
+        <p:txBody>
+          <a:bodyPr lIns="0" rIns="0" tIns="0" bIns="0"/>
           <a:p>
             <a:endParaRPr/>
           </a:p>
@@ -2217,15 +2227,15 @@
         </p:nvSpPr>
         <p:spPr>
           <a:xfrm>
-            <a:off x="502920" y="4374000"/>
-            <a:ext cx="4426560" cy="2379240"/>
-          </a:xfrm>
-          <a:prstGeom prst="rect">
-            <a:avLst/>
-          </a:prstGeom>
-        </p:spPr>
-        <p:txBody>
-          <a:bodyPr lIns="0" rIns="0" tIns="28080" bIns="0"/>
+            <a:off x="504000" y="4058640"/>
+            <a:ext cx="4426920" cy="2090880"/>
+          </a:xfrm>
+          <a:prstGeom prst="rect">
+            <a:avLst/>
+          </a:prstGeom>
+        </p:spPr>
+        <p:txBody>
+          <a:bodyPr lIns="0" rIns="0" tIns="0" bIns="0"/>
           <a:p>
             <a:endParaRPr/>
           </a:p>
@@ -2265,8 +2275,8 @@
         </p:nvSpPr>
         <p:spPr>
           <a:xfrm>
-            <a:off x="502920" y="301320"/>
-            <a:ext cx="9070920" cy="1260360"/>
+            <a:off x="504000" y="301320"/>
+            <a:ext cx="9072000" cy="1261800"/>
           </a:xfrm>
           <a:prstGeom prst="rect">
             <a:avLst/>
@@ -2292,15 +2302,15 @@
         </p:nvSpPr>
         <p:spPr>
           <a:xfrm>
-            <a:off x="502920" y="1768320"/>
-            <a:ext cx="9070920" cy="4988160"/>
-          </a:xfrm>
-          <a:prstGeom prst="rect">
-            <a:avLst/>
-          </a:prstGeom>
-        </p:spPr>
-        <p:txBody>
-          <a:bodyPr lIns="0" rIns="0" tIns="28080" bIns="0"/>
+            <a:off x="504000" y="1768680"/>
+            <a:ext cx="9072000" cy="4384080"/>
+          </a:xfrm>
+          <a:prstGeom prst="rect">
+            <a:avLst/>
+          </a:prstGeom>
+        </p:spPr>
+        <p:txBody>
+          <a:bodyPr lIns="0" rIns="0" tIns="0" bIns="0"/>
           <a:p>
             <a:endParaRPr/>
           </a:p>
@@ -2318,15 +2328,15 @@
         </p:nvSpPr>
         <p:spPr>
           <a:xfrm>
-            <a:off x="502920" y="1768320"/>
-            <a:ext cx="9070920" cy="4988160"/>
-          </a:xfrm>
-          <a:prstGeom prst="rect">
-            <a:avLst/>
-          </a:prstGeom>
-        </p:spPr>
-        <p:txBody>
-          <a:bodyPr lIns="0" rIns="0" tIns="28080" bIns="0"/>
+            <a:off x="504000" y="1768680"/>
+            <a:ext cx="9072000" cy="4384080"/>
+          </a:xfrm>
+          <a:prstGeom prst="rect">
+            <a:avLst/>
+          </a:prstGeom>
+        </p:spPr>
+        <p:txBody>
+          <a:bodyPr lIns="0" rIns="0" tIns="0" bIns="0"/>
           <a:p>
             <a:endParaRPr/>
           </a:p>
@@ -2344,8 +2354,8 @@
         </p:blipFill>
         <p:spPr>
           <a:xfrm>
-            <a:off x="1912320" y="1768320"/>
-            <a:ext cx="6251760" cy="4988160"/>
+            <a:off x="2292480" y="1768680"/>
+            <a:ext cx="5494680" cy="4384080"/>
           </a:xfrm>
           <a:prstGeom prst="rect">
             <a:avLst/>
@@ -2367,8 +2377,8 @@
         </p:blipFill>
         <p:spPr>
           <a:xfrm>
-            <a:off x="1912320" y="1768320"/>
-            <a:ext cx="6251760" cy="4988160"/>
+            <a:off x="2292480" y="1768680"/>
+            <a:ext cx="5494680" cy="4384080"/>
           </a:xfrm>
           <a:prstGeom prst="rect">
             <a:avLst/>
@@ -2424,7 +2434,7 @@
       </p:grpSpPr>
       <p:sp>
         <p:nvSpPr>
-          <p:cNvPr id="74" name="PlaceHolder 1"/>
+          <p:cNvPr id="75" name="PlaceHolder 1"/>
           <p:cNvSpPr>
             <a:spLocks noGrp="1"/>
           </p:cNvSpPr>
@@ -2434,8 +2444,8 @@
         </p:nvSpPr>
         <p:spPr>
           <a:xfrm>
-            <a:off x="502920" y="301320"/>
-            <a:ext cx="9070920" cy="1260360"/>
+            <a:off x="504000" y="301320"/>
+            <a:ext cx="9072000" cy="1261800"/>
           </a:xfrm>
           <a:prstGeom prst="rect">
             <a:avLst/>
@@ -2451,7 +2461,7 @@
       </p:sp>
       <p:sp>
         <p:nvSpPr>
-          <p:cNvPr id="75" name="PlaceHolder 2"/>
+          <p:cNvPr id="76" name="PlaceHolder 2"/>
           <p:cNvSpPr>
             <a:spLocks noGrp="1"/>
           </p:cNvSpPr>
@@ -2461,8 +2471,8 @@
         </p:nvSpPr>
         <p:spPr>
           <a:xfrm>
-            <a:off x="502920" y="1768320"/>
-            <a:ext cx="9070920" cy="4988160"/>
+            <a:off x="504000" y="1768680"/>
+            <a:ext cx="9072000" cy="4384080"/>
           </a:xfrm>
           <a:prstGeom prst="rect">
             <a:avLst/>
@@ -2500,7 +2510,7 @@
       </p:grpSpPr>
       <p:sp>
         <p:nvSpPr>
-          <p:cNvPr id="76" name="PlaceHolder 1"/>
+          <p:cNvPr id="77" name="PlaceHolder 1"/>
           <p:cNvSpPr>
             <a:spLocks noGrp="1"/>
           </p:cNvSpPr>
@@ -2510,8 +2520,8 @@
         </p:nvSpPr>
         <p:spPr>
           <a:xfrm>
-            <a:off x="502920" y="301320"/>
-            <a:ext cx="9070920" cy="1260360"/>
+            <a:off x="504000" y="301320"/>
+            <a:ext cx="9072000" cy="1261800"/>
           </a:xfrm>
           <a:prstGeom prst="rect">
             <a:avLst/>
@@ -2527,7 +2537,7 @@
       </p:sp>
       <p:sp>
         <p:nvSpPr>
-          <p:cNvPr id="77" name="PlaceHolder 2"/>
+          <p:cNvPr id="78" name="PlaceHolder 2"/>
           <p:cNvSpPr>
             <a:spLocks noGrp="1"/>
           </p:cNvSpPr>
@@ -2537,15 +2547,15 @@
         </p:nvSpPr>
         <p:spPr>
           <a:xfrm>
-            <a:off x="502920" y="1768320"/>
-            <a:ext cx="9070920" cy="4988160"/>
-          </a:xfrm>
-          <a:prstGeom prst="rect">
-            <a:avLst/>
-          </a:prstGeom>
-        </p:spPr>
-        <p:txBody>
-          <a:bodyPr lIns="0" rIns="0" tIns="28080" bIns="0"/>
+            <a:off x="504000" y="1768680"/>
+            <a:ext cx="9072000" cy="4384080"/>
+          </a:xfrm>
+          <a:prstGeom prst="rect">
+            <a:avLst/>
+          </a:prstGeom>
+        </p:spPr>
+        <p:txBody>
+          <a:bodyPr lIns="0" rIns="0" tIns="0" bIns="0"/>
           <a:p>
             <a:endParaRPr/>
           </a:p>
@@ -2575,7 +2585,7 @@
       </p:grpSpPr>
       <p:sp>
         <p:nvSpPr>
-          <p:cNvPr id="78" name="PlaceHolder 1"/>
+          <p:cNvPr id="79" name="PlaceHolder 1"/>
           <p:cNvSpPr>
             <a:spLocks noGrp="1"/>
           </p:cNvSpPr>
@@ -2585,8 +2595,8 @@
         </p:nvSpPr>
         <p:spPr>
           <a:xfrm>
-            <a:off x="502920" y="301320"/>
-            <a:ext cx="9070920" cy="1260360"/>
+            <a:off x="504000" y="301320"/>
+            <a:ext cx="9072000" cy="1261800"/>
           </a:xfrm>
           <a:prstGeom prst="rect">
             <a:avLst/>
@@ -2602,7 +2612,7 @@
       </p:sp>
       <p:sp>
         <p:nvSpPr>
-          <p:cNvPr id="79" name="PlaceHolder 2"/>
+          <p:cNvPr id="80" name="PlaceHolder 2"/>
           <p:cNvSpPr>
             <a:spLocks noGrp="1"/>
           </p:cNvSpPr>
@@ -2612,23 +2622,23 @@
         </p:nvSpPr>
         <p:spPr>
           <a:xfrm>
-            <a:off x="502920" y="1768320"/>
-            <a:ext cx="4426560" cy="4988160"/>
-          </a:xfrm>
-          <a:prstGeom prst="rect">
-            <a:avLst/>
-          </a:prstGeom>
-        </p:spPr>
-        <p:txBody>
-          <a:bodyPr lIns="0" rIns="0" tIns="28080" bIns="0"/>
-          <a:p>
-            <a:endParaRPr/>
-          </a:p>
-        </p:txBody>
-      </p:sp>
-      <p:sp>
-        <p:nvSpPr>
-          <p:cNvPr id="80" name="PlaceHolder 3"/>
+            <a:off x="504000" y="1768680"/>
+            <a:ext cx="4426920" cy="4384080"/>
+          </a:xfrm>
+          <a:prstGeom prst="rect">
+            <a:avLst/>
+          </a:prstGeom>
+        </p:spPr>
+        <p:txBody>
+          <a:bodyPr lIns="0" rIns="0" tIns="0" bIns="0"/>
+          <a:p>
+            <a:endParaRPr/>
+          </a:p>
+        </p:txBody>
+      </p:sp>
+      <p:sp>
+        <p:nvSpPr>
+          <p:cNvPr id="81" name="PlaceHolder 3"/>
           <p:cNvSpPr>
             <a:spLocks noGrp="1"/>
           </p:cNvSpPr>
@@ -2638,15 +2648,15 @@
         </p:nvSpPr>
         <p:spPr>
           <a:xfrm>
-            <a:off x="5151240" y="1768320"/>
-            <a:ext cx="4426560" cy="4988160"/>
-          </a:xfrm>
-          <a:prstGeom prst="rect">
-            <a:avLst/>
-          </a:prstGeom>
-        </p:spPr>
-        <p:txBody>
-          <a:bodyPr lIns="0" rIns="0" tIns="28080" bIns="0"/>
+            <a:off x="5152680" y="1768680"/>
+            <a:ext cx="4426920" cy="4384080"/>
+          </a:xfrm>
+          <a:prstGeom prst="rect">
+            <a:avLst/>
+          </a:prstGeom>
+        </p:spPr>
+        <p:txBody>
+          <a:bodyPr lIns="0" rIns="0" tIns="0" bIns="0"/>
           <a:p>
             <a:endParaRPr/>
           </a:p>
@@ -2676,7 +2686,7 @@
       </p:grpSpPr>
       <p:sp>
         <p:nvSpPr>
-          <p:cNvPr id="81" name="PlaceHolder 1"/>
+          <p:cNvPr id="82" name="PlaceHolder 1"/>
           <p:cNvSpPr>
             <a:spLocks noGrp="1"/>
           </p:cNvSpPr>
@@ -2686,8 +2696,8 @@
         </p:nvSpPr>
         <p:spPr>
           <a:xfrm>
-            <a:off x="502920" y="301320"/>
-            <a:ext cx="9070920" cy="1260360"/>
+            <a:off x="504000" y="301320"/>
+            <a:ext cx="9072000" cy="1261800"/>
           </a:xfrm>
           <a:prstGeom prst="rect">
             <a:avLst/>
@@ -2735,8 +2745,8 @@
         </p:nvSpPr>
         <p:spPr>
           <a:xfrm>
-            <a:off x="502920" y="301320"/>
-            <a:ext cx="9070920" cy="1260360"/>
+            <a:off x="504000" y="301320"/>
+            <a:ext cx="9072000" cy="1261800"/>
           </a:xfrm>
           <a:prstGeom prst="rect">
             <a:avLst/>
@@ -2762,15 +2772,15 @@
         </p:nvSpPr>
         <p:spPr>
           <a:xfrm>
-            <a:off x="502920" y="1768320"/>
-            <a:ext cx="9070920" cy="4988160"/>
-          </a:xfrm>
-          <a:prstGeom prst="rect">
-            <a:avLst/>
-          </a:prstGeom>
-        </p:spPr>
-        <p:txBody>
-          <a:bodyPr lIns="0" rIns="0" tIns="28080" bIns="0"/>
+            <a:off x="504000" y="1768680"/>
+            <a:ext cx="9072000" cy="4384080"/>
+          </a:xfrm>
+          <a:prstGeom prst="rect">
+            <a:avLst/>
+          </a:prstGeom>
+        </p:spPr>
+        <p:txBody>
+          <a:bodyPr lIns="0" rIns="0" tIns="0" bIns="0"/>
           <a:p>
             <a:endParaRPr/>
           </a:p>
@@ -2800,7 +2810,7 @@
       </p:grpSpPr>
       <p:sp>
         <p:nvSpPr>
-          <p:cNvPr id="82" name="PlaceHolder 1"/>
+          <p:cNvPr id="83" name="PlaceHolder 1"/>
           <p:cNvSpPr>
             <a:spLocks noGrp="1"/>
           </p:cNvSpPr>
@@ -2810,8 +2820,8 @@
         </p:nvSpPr>
         <p:spPr>
           <a:xfrm>
-            <a:off x="502920" y="301320"/>
-            <a:ext cx="9070920" cy="5843520"/>
+            <a:off x="504000" y="301320"/>
+            <a:ext cx="9072000" cy="5850360"/>
           </a:xfrm>
           <a:prstGeom prst="rect">
             <a:avLst/>
@@ -2849,7 +2859,7 @@
       </p:grpSpPr>
       <p:sp>
         <p:nvSpPr>
-          <p:cNvPr id="83" name="PlaceHolder 1"/>
+          <p:cNvPr id="84" name="PlaceHolder 1"/>
           <p:cNvSpPr>
             <a:spLocks noGrp="1"/>
           </p:cNvSpPr>
@@ -2859,8 +2869,8 @@
         </p:nvSpPr>
         <p:spPr>
           <a:xfrm>
-            <a:off x="502920" y="301320"/>
-            <a:ext cx="9070920" cy="1260360"/>
+            <a:off x="504000" y="301320"/>
+            <a:ext cx="9072000" cy="1261800"/>
           </a:xfrm>
           <a:prstGeom prst="rect">
             <a:avLst/>
@@ -2876,7 +2886,7 @@
       </p:sp>
       <p:sp>
         <p:nvSpPr>
-          <p:cNvPr id="84" name="PlaceHolder 2"/>
+          <p:cNvPr id="85" name="PlaceHolder 2"/>
           <p:cNvSpPr>
             <a:spLocks noGrp="1"/>
           </p:cNvSpPr>
@@ -2886,23 +2896,23 @@
         </p:nvSpPr>
         <p:spPr>
           <a:xfrm>
-            <a:off x="502920" y="1768320"/>
-            <a:ext cx="4426560" cy="2379240"/>
-          </a:xfrm>
-          <a:prstGeom prst="rect">
-            <a:avLst/>
-          </a:prstGeom>
-        </p:spPr>
-        <p:txBody>
-          <a:bodyPr lIns="0" rIns="0" tIns="28080" bIns="0"/>
-          <a:p>
-            <a:endParaRPr/>
-          </a:p>
-        </p:txBody>
-      </p:sp>
-      <p:sp>
-        <p:nvSpPr>
-          <p:cNvPr id="85" name="PlaceHolder 3"/>
+            <a:off x="504000" y="1768680"/>
+            <a:ext cx="4426920" cy="2090880"/>
+          </a:xfrm>
+          <a:prstGeom prst="rect">
+            <a:avLst/>
+          </a:prstGeom>
+        </p:spPr>
+        <p:txBody>
+          <a:bodyPr lIns="0" rIns="0" tIns="0" bIns="0"/>
+          <a:p>
+            <a:endParaRPr/>
+          </a:p>
+        </p:txBody>
+      </p:sp>
+      <p:sp>
+        <p:nvSpPr>
+          <p:cNvPr id="86" name="PlaceHolder 3"/>
           <p:cNvSpPr>
             <a:spLocks noGrp="1"/>
           </p:cNvSpPr>
@@ -2912,23 +2922,23 @@
         </p:nvSpPr>
         <p:spPr>
           <a:xfrm>
-            <a:off x="502920" y="4374000"/>
-            <a:ext cx="4426560" cy="2379240"/>
-          </a:xfrm>
-          <a:prstGeom prst="rect">
-            <a:avLst/>
-          </a:prstGeom>
-        </p:spPr>
-        <p:txBody>
-          <a:bodyPr lIns="0" rIns="0" tIns="28080" bIns="0"/>
-          <a:p>
-            <a:endParaRPr/>
-          </a:p>
-        </p:txBody>
-      </p:sp>
-      <p:sp>
-        <p:nvSpPr>
-          <p:cNvPr id="86" name="PlaceHolder 4"/>
+            <a:off x="504000" y="4058640"/>
+            <a:ext cx="4426920" cy="2090880"/>
+          </a:xfrm>
+          <a:prstGeom prst="rect">
+            <a:avLst/>
+          </a:prstGeom>
+        </p:spPr>
+        <p:txBody>
+          <a:bodyPr lIns="0" rIns="0" tIns="0" bIns="0"/>
+          <a:p>
+            <a:endParaRPr/>
+          </a:p>
+        </p:txBody>
+      </p:sp>
+      <p:sp>
+        <p:nvSpPr>
+          <p:cNvPr id="87" name="PlaceHolder 4"/>
           <p:cNvSpPr>
             <a:spLocks noGrp="1"/>
           </p:cNvSpPr>
@@ -2938,15 +2948,15 @@
         </p:nvSpPr>
         <p:spPr>
           <a:xfrm>
-            <a:off x="5151240" y="1768320"/>
-            <a:ext cx="4426560" cy="4988160"/>
-          </a:xfrm>
-          <a:prstGeom prst="rect">
-            <a:avLst/>
-          </a:prstGeom>
-        </p:spPr>
-        <p:txBody>
-          <a:bodyPr lIns="0" rIns="0" tIns="28080" bIns="0"/>
+            <a:off x="5152680" y="1768680"/>
+            <a:ext cx="4426920" cy="4384080"/>
+          </a:xfrm>
+          <a:prstGeom prst="rect">
+            <a:avLst/>
+          </a:prstGeom>
+        </p:spPr>
+        <p:txBody>
+          <a:bodyPr lIns="0" rIns="0" tIns="0" bIns="0"/>
           <a:p>
             <a:endParaRPr/>
           </a:p>
@@ -2976,7 +2986,7 @@
       </p:grpSpPr>
       <p:sp>
         <p:nvSpPr>
-          <p:cNvPr id="87" name="PlaceHolder 1"/>
+          <p:cNvPr id="88" name="PlaceHolder 1"/>
           <p:cNvSpPr>
             <a:spLocks noGrp="1"/>
           </p:cNvSpPr>
@@ -2986,8 +2996,8 @@
         </p:nvSpPr>
         <p:spPr>
           <a:xfrm>
-            <a:off x="502920" y="301320"/>
-            <a:ext cx="9070920" cy="1260360"/>
+            <a:off x="504000" y="301320"/>
+            <a:ext cx="9072000" cy="1261800"/>
           </a:xfrm>
           <a:prstGeom prst="rect">
             <a:avLst/>
@@ -3003,7 +3013,7 @@
       </p:sp>
       <p:sp>
         <p:nvSpPr>
-          <p:cNvPr id="88" name="PlaceHolder 2"/>
+          <p:cNvPr id="89" name="PlaceHolder 2"/>
           <p:cNvSpPr>
             <a:spLocks noGrp="1"/>
           </p:cNvSpPr>
@@ -3013,23 +3023,23 @@
         </p:nvSpPr>
         <p:spPr>
           <a:xfrm>
-            <a:off x="502920" y="1768320"/>
-            <a:ext cx="4426560" cy="4988160"/>
-          </a:xfrm>
-          <a:prstGeom prst="rect">
-            <a:avLst/>
-          </a:prstGeom>
-        </p:spPr>
-        <p:txBody>
-          <a:bodyPr lIns="0" rIns="0" tIns="28080" bIns="0"/>
-          <a:p>
-            <a:endParaRPr/>
-          </a:p>
-        </p:txBody>
-      </p:sp>
-      <p:sp>
-        <p:nvSpPr>
-          <p:cNvPr id="89" name="PlaceHolder 3"/>
+            <a:off x="504000" y="1768680"/>
+            <a:ext cx="4426920" cy="4384080"/>
+          </a:xfrm>
+          <a:prstGeom prst="rect">
+            <a:avLst/>
+          </a:prstGeom>
+        </p:spPr>
+        <p:txBody>
+          <a:bodyPr lIns="0" rIns="0" tIns="0" bIns="0"/>
+          <a:p>
+            <a:endParaRPr/>
+          </a:p>
+        </p:txBody>
+      </p:sp>
+      <p:sp>
+        <p:nvSpPr>
+          <p:cNvPr id="90" name="PlaceHolder 3"/>
           <p:cNvSpPr>
             <a:spLocks noGrp="1"/>
           </p:cNvSpPr>
@@ -3039,23 +3049,23 @@
         </p:nvSpPr>
         <p:spPr>
           <a:xfrm>
-            <a:off x="5151240" y="1768320"/>
-            <a:ext cx="4426560" cy="2379240"/>
-          </a:xfrm>
-          <a:prstGeom prst="rect">
-            <a:avLst/>
-          </a:prstGeom>
-        </p:spPr>
-        <p:txBody>
-          <a:bodyPr lIns="0" rIns="0" tIns="28080" bIns="0"/>
-          <a:p>
-            <a:endParaRPr/>
-          </a:p>
-        </p:txBody>
-      </p:sp>
-      <p:sp>
-        <p:nvSpPr>
-          <p:cNvPr id="90" name="PlaceHolder 4"/>
+            <a:off x="5152680" y="1768680"/>
+            <a:ext cx="4426920" cy="2090880"/>
+          </a:xfrm>
+          <a:prstGeom prst="rect">
+            <a:avLst/>
+          </a:prstGeom>
+        </p:spPr>
+        <p:txBody>
+          <a:bodyPr lIns="0" rIns="0" tIns="0" bIns="0"/>
+          <a:p>
+            <a:endParaRPr/>
+          </a:p>
+        </p:txBody>
+      </p:sp>
+      <p:sp>
+        <p:nvSpPr>
+          <p:cNvPr id="91" name="PlaceHolder 4"/>
           <p:cNvSpPr>
             <a:spLocks noGrp="1"/>
           </p:cNvSpPr>
@@ -3065,15 +3075,15 @@
         </p:nvSpPr>
         <p:spPr>
           <a:xfrm>
-            <a:off x="5151240" y="4374000"/>
-            <a:ext cx="4426560" cy="2379240"/>
-          </a:xfrm>
-          <a:prstGeom prst="rect">
-            <a:avLst/>
-          </a:prstGeom>
-        </p:spPr>
-        <p:txBody>
-          <a:bodyPr lIns="0" rIns="0" tIns="28080" bIns="0"/>
+            <a:off x="5152680" y="4058640"/>
+            <a:ext cx="4426920" cy="2090880"/>
+          </a:xfrm>
+          <a:prstGeom prst="rect">
+            <a:avLst/>
+          </a:prstGeom>
+        </p:spPr>
+        <p:txBody>
+          <a:bodyPr lIns="0" rIns="0" tIns="0" bIns="0"/>
           <a:p>
             <a:endParaRPr/>
           </a:p>
@@ -3103,7 +3113,7 @@
       </p:grpSpPr>
       <p:sp>
         <p:nvSpPr>
-          <p:cNvPr id="91" name="PlaceHolder 1"/>
+          <p:cNvPr id="92" name="PlaceHolder 1"/>
           <p:cNvSpPr>
             <a:spLocks noGrp="1"/>
           </p:cNvSpPr>
@@ -3113,8 +3123,8 @@
         </p:nvSpPr>
         <p:spPr>
           <a:xfrm>
-            <a:off x="502920" y="301320"/>
-            <a:ext cx="9070920" cy="1260360"/>
+            <a:off x="504000" y="301320"/>
+            <a:ext cx="9072000" cy="1261800"/>
           </a:xfrm>
           <a:prstGeom prst="rect">
             <a:avLst/>
@@ -3130,7 +3140,7 @@
       </p:sp>
       <p:sp>
         <p:nvSpPr>
-          <p:cNvPr id="92" name="PlaceHolder 2"/>
+          <p:cNvPr id="93" name="PlaceHolder 2"/>
           <p:cNvSpPr>
             <a:spLocks noGrp="1"/>
           </p:cNvSpPr>
@@ -3140,23 +3150,23 @@
         </p:nvSpPr>
         <p:spPr>
           <a:xfrm>
-            <a:off x="502920" y="1768320"/>
-            <a:ext cx="4426560" cy="2379240"/>
-          </a:xfrm>
-          <a:prstGeom prst="rect">
-            <a:avLst/>
-          </a:prstGeom>
-        </p:spPr>
-        <p:txBody>
-          <a:bodyPr lIns="0" rIns="0" tIns="28080" bIns="0"/>
-          <a:p>
-            <a:endParaRPr/>
-          </a:p>
-        </p:txBody>
-      </p:sp>
-      <p:sp>
-        <p:nvSpPr>
-          <p:cNvPr id="93" name="PlaceHolder 3"/>
+            <a:off x="504000" y="1768680"/>
+            <a:ext cx="4426920" cy="2090880"/>
+          </a:xfrm>
+          <a:prstGeom prst="rect">
+            <a:avLst/>
+          </a:prstGeom>
+        </p:spPr>
+        <p:txBody>
+          <a:bodyPr lIns="0" rIns="0" tIns="0" bIns="0"/>
+          <a:p>
+            <a:endParaRPr/>
+          </a:p>
+        </p:txBody>
+      </p:sp>
+      <p:sp>
+        <p:nvSpPr>
+          <p:cNvPr id="94" name="PlaceHolder 3"/>
           <p:cNvSpPr>
             <a:spLocks noGrp="1"/>
           </p:cNvSpPr>
@@ -3166,23 +3176,23 @@
         </p:nvSpPr>
         <p:spPr>
           <a:xfrm>
-            <a:off x="5151240" y="1768320"/>
-            <a:ext cx="4426560" cy="2379240"/>
-          </a:xfrm>
-          <a:prstGeom prst="rect">
-            <a:avLst/>
-          </a:prstGeom>
-        </p:spPr>
-        <p:txBody>
-          <a:bodyPr lIns="0" rIns="0" tIns="28080" bIns="0"/>
-          <a:p>
-            <a:endParaRPr/>
-          </a:p>
-        </p:txBody>
-      </p:sp>
-      <p:sp>
-        <p:nvSpPr>
-          <p:cNvPr id="94" name="PlaceHolder 4"/>
+            <a:off x="5152680" y="1768680"/>
+            <a:ext cx="4426920" cy="2090880"/>
+          </a:xfrm>
+          <a:prstGeom prst="rect">
+            <a:avLst/>
+          </a:prstGeom>
+        </p:spPr>
+        <p:txBody>
+          <a:bodyPr lIns="0" rIns="0" tIns="0" bIns="0"/>
+          <a:p>
+            <a:endParaRPr/>
+          </a:p>
+        </p:txBody>
+      </p:sp>
+      <p:sp>
+        <p:nvSpPr>
+          <p:cNvPr id="95" name="PlaceHolder 4"/>
           <p:cNvSpPr>
             <a:spLocks noGrp="1"/>
           </p:cNvSpPr>
@@ -3192,15 +3202,15 @@
         </p:nvSpPr>
         <p:spPr>
           <a:xfrm>
-            <a:off x="502920" y="4374000"/>
-            <a:ext cx="9070920" cy="2379240"/>
-          </a:xfrm>
-          <a:prstGeom prst="rect">
-            <a:avLst/>
-          </a:prstGeom>
-        </p:spPr>
-        <p:txBody>
-          <a:bodyPr lIns="0" rIns="0" tIns="28080" bIns="0"/>
+            <a:off x="504000" y="4058640"/>
+            <a:ext cx="9072000" cy="2090880"/>
+          </a:xfrm>
+          <a:prstGeom prst="rect">
+            <a:avLst/>
+          </a:prstGeom>
+        </p:spPr>
+        <p:txBody>
+          <a:bodyPr lIns="0" rIns="0" tIns="0" bIns="0"/>
           <a:p>
             <a:endParaRPr/>
           </a:p>
@@ -3230,7 +3240,7 @@
       </p:grpSpPr>
       <p:sp>
         <p:nvSpPr>
-          <p:cNvPr id="95" name="PlaceHolder 1"/>
+          <p:cNvPr id="96" name="PlaceHolder 1"/>
           <p:cNvSpPr>
             <a:spLocks noGrp="1"/>
           </p:cNvSpPr>
@@ -3240,8 +3250,8 @@
         </p:nvSpPr>
         <p:spPr>
           <a:xfrm>
-            <a:off x="502920" y="301320"/>
-            <a:ext cx="9070920" cy="1260360"/>
+            <a:off x="504000" y="301320"/>
+            <a:ext cx="9072000" cy="1261800"/>
           </a:xfrm>
           <a:prstGeom prst="rect">
             <a:avLst/>
@@ -3257,7 +3267,7 @@
       </p:sp>
       <p:sp>
         <p:nvSpPr>
-          <p:cNvPr id="96" name="PlaceHolder 2"/>
+          <p:cNvPr id="97" name="PlaceHolder 2"/>
           <p:cNvSpPr>
             <a:spLocks noGrp="1"/>
           </p:cNvSpPr>
@@ -3267,23 +3277,23 @@
         </p:nvSpPr>
         <p:spPr>
           <a:xfrm>
-            <a:off x="502920" y="1768320"/>
-            <a:ext cx="9070920" cy="2379240"/>
-          </a:xfrm>
-          <a:prstGeom prst="rect">
-            <a:avLst/>
-          </a:prstGeom>
-        </p:spPr>
-        <p:txBody>
-          <a:bodyPr lIns="0" rIns="0" tIns="28080" bIns="0"/>
-          <a:p>
-            <a:endParaRPr/>
-          </a:p>
-        </p:txBody>
-      </p:sp>
-      <p:sp>
-        <p:nvSpPr>
-          <p:cNvPr id="97" name="PlaceHolder 3"/>
+            <a:off x="504000" y="1768680"/>
+            <a:ext cx="9072000" cy="2090880"/>
+          </a:xfrm>
+          <a:prstGeom prst="rect">
+            <a:avLst/>
+          </a:prstGeom>
+        </p:spPr>
+        <p:txBody>
+          <a:bodyPr lIns="0" rIns="0" tIns="0" bIns="0"/>
+          <a:p>
+            <a:endParaRPr/>
+          </a:p>
+        </p:txBody>
+      </p:sp>
+      <p:sp>
+        <p:nvSpPr>
+          <p:cNvPr id="98" name="PlaceHolder 3"/>
           <p:cNvSpPr>
             <a:spLocks noGrp="1"/>
           </p:cNvSpPr>
@@ -3293,15 +3303,15 @@
         </p:nvSpPr>
         <p:spPr>
           <a:xfrm>
-            <a:off x="502920" y="4374000"/>
-            <a:ext cx="9070920" cy="2379240"/>
-          </a:xfrm>
-          <a:prstGeom prst="rect">
-            <a:avLst/>
-          </a:prstGeom>
-        </p:spPr>
-        <p:txBody>
-          <a:bodyPr lIns="0" rIns="0" tIns="28080" bIns="0"/>
+            <a:off x="504000" y="4058640"/>
+            <a:ext cx="9072000" cy="2090880"/>
+          </a:xfrm>
+          <a:prstGeom prst="rect">
+            <a:avLst/>
+          </a:prstGeom>
+        </p:spPr>
+        <p:txBody>
+          <a:bodyPr lIns="0" rIns="0" tIns="0" bIns="0"/>
           <a:p>
             <a:endParaRPr/>
           </a:p>
@@ -3331,7 +3341,7 @@
       </p:grpSpPr>
       <p:sp>
         <p:nvSpPr>
-          <p:cNvPr id="98" name="PlaceHolder 1"/>
+          <p:cNvPr id="99" name="PlaceHolder 1"/>
           <p:cNvSpPr>
             <a:spLocks noGrp="1"/>
           </p:cNvSpPr>
@@ -3341,8 +3351,8 @@
         </p:nvSpPr>
         <p:spPr>
           <a:xfrm>
-            <a:off x="502920" y="301320"/>
-            <a:ext cx="9070920" cy="1260360"/>
+            <a:off x="504000" y="301320"/>
+            <a:ext cx="9072000" cy="1261800"/>
           </a:xfrm>
           <a:prstGeom prst="rect">
             <a:avLst/>
@@ -3358,7 +3368,7 @@
       </p:sp>
       <p:sp>
         <p:nvSpPr>
-          <p:cNvPr id="99" name="PlaceHolder 2"/>
+          <p:cNvPr id="100" name="PlaceHolder 2"/>
           <p:cNvSpPr>
             <a:spLocks noGrp="1"/>
           </p:cNvSpPr>
@@ -3368,23 +3378,23 @@
         </p:nvSpPr>
         <p:spPr>
           <a:xfrm>
-            <a:off x="502920" y="1768320"/>
-            <a:ext cx="4426560" cy="2379240"/>
-          </a:xfrm>
-          <a:prstGeom prst="rect">
-            <a:avLst/>
-          </a:prstGeom>
-        </p:spPr>
-        <p:txBody>
-          <a:bodyPr lIns="0" rIns="0" tIns="28080" bIns="0"/>
-          <a:p>
-            <a:endParaRPr/>
-          </a:p>
-        </p:txBody>
-      </p:sp>
-      <p:sp>
-        <p:nvSpPr>
-          <p:cNvPr id="100" name="PlaceHolder 3"/>
+            <a:off x="504000" y="1768680"/>
+            <a:ext cx="4426920" cy="2090880"/>
+          </a:xfrm>
+          <a:prstGeom prst="rect">
+            <a:avLst/>
+          </a:prstGeom>
+        </p:spPr>
+        <p:txBody>
+          <a:bodyPr lIns="0" rIns="0" tIns="0" bIns="0"/>
+          <a:p>
+            <a:endParaRPr/>
+          </a:p>
+        </p:txBody>
+      </p:sp>
+      <p:sp>
+        <p:nvSpPr>
+          <p:cNvPr id="101" name="PlaceHolder 3"/>
           <p:cNvSpPr>
             <a:spLocks noGrp="1"/>
           </p:cNvSpPr>
@@ -3394,23 +3404,23 @@
         </p:nvSpPr>
         <p:spPr>
           <a:xfrm>
-            <a:off x="5151240" y="1768320"/>
-            <a:ext cx="4426560" cy="2379240"/>
-          </a:xfrm>
-          <a:prstGeom prst="rect">
-            <a:avLst/>
-          </a:prstGeom>
-        </p:spPr>
-        <p:txBody>
-          <a:bodyPr lIns="0" rIns="0" tIns="28080" bIns="0"/>
-          <a:p>
-            <a:endParaRPr/>
-          </a:p>
-        </p:txBody>
-      </p:sp>
-      <p:sp>
-        <p:nvSpPr>
-          <p:cNvPr id="101" name="PlaceHolder 4"/>
+            <a:off x="5152680" y="1768680"/>
+            <a:ext cx="4426920" cy="2090880"/>
+          </a:xfrm>
+          <a:prstGeom prst="rect">
+            <a:avLst/>
+          </a:prstGeom>
+        </p:spPr>
+        <p:txBody>
+          <a:bodyPr lIns="0" rIns="0" tIns="0" bIns="0"/>
+          <a:p>
+            <a:endParaRPr/>
+          </a:p>
+        </p:txBody>
+      </p:sp>
+      <p:sp>
+        <p:nvSpPr>
+          <p:cNvPr id="102" name="PlaceHolder 4"/>
           <p:cNvSpPr>
             <a:spLocks noGrp="1"/>
           </p:cNvSpPr>
@@ -3420,23 +3430,23 @@
         </p:nvSpPr>
         <p:spPr>
           <a:xfrm>
-            <a:off x="5151240" y="4374000"/>
-            <a:ext cx="4426560" cy="2379240"/>
-          </a:xfrm>
-          <a:prstGeom prst="rect">
-            <a:avLst/>
-          </a:prstGeom>
-        </p:spPr>
-        <p:txBody>
-          <a:bodyPr lIns="0" rIns="0" tIns="28080" bIns="0"/>
-          <a:p>
-            <a:endParaRPr/>
-          </a:p>
-        </p:txBody>
-      </p:sp>
-      <p:sp>
-        <p:nvSpPr>
-          <p:cNvPr id="102" name="PlaceHolder 5"/>
+            <a:off x="5152680" y="4058640"/>
+            <a:ext cx="4426920" cy="2090880"/>
+          </a:xfrm>
+          <a:prstGeom prst="rect">
+            <a:avLst/>
+          </a:prstGeom>
+        </p:spPr>
+        <p:txBody>
+          <a:bodyPr lIns="0" rIns="0" tIns="0" bIns="0"/>
+          <a:p>
+            <a:endParaRPr/>
+          </a:p>
+        </p:txBody>
+      </p:sp>
+      <p:sp>
+        <p:nvSpPr>
+          <p:cNvPr id="103" name="PlaceHolder 5"/>
           <p:cNvSpPr>
             <a:spLocks noGrp="1"/>
           </p:cNvSpPr>
@@ -3446,15 +3456,15 @@
         </p:nvSpPr>
         <p:spPr>
           <a:xfrm>
-            <a:off x="502920" y="4374000"/>
-            <a:ext cx="4426560" cy="2379240"/>
-          </a:xfrm>
-          <a:prstGeom prst="rect">
-            <a:avLst/>
-          </a:prstGeom>
-        </p:spPr>
-        <p:txBody>
-          <a:bodyPr lIns="0" rIns="0" tIns="28080" bIns="0"/>
+            <a:off x="504000" y="4058640"/>
+            <a:ext cx="4426920" cy="2090880"/>
+          </a:xfrm>
+          <a:prstGeom prst="rect">
+            <a:avLst/>
+          </a:prstGeom>
+        </p:spPr>
+        <p:txBody>
+          <a:bodyPr lIns="0" rIns="0" tIns="0" bIns="0"/>
           <a:p>
             <a:endParaRPr/>
           </a:p>
@@ -3484,7 +3494,7 @@
       </p:grpSpPr>
       <p:sp>
         <p:nvSpPr>
-          <p:cNvPr id="103" name="PlaceHolder 1"/>
+          <p:cNvPr id="104" name="PlaceHolder 1"/>
           <p:cNvSpPr>
             <a:spLocks noGrp="1"/>
           </p:cNvSpPr>
@@ -3494,8 +3504,8 @@
         </p:nvSpPr>
         <p:spPr>
           <a:xfrm>
-            <a:off x="502920" y="301320"/>
-            <a:ext cx="9070920" cy="1260360"/>
+            <a:off x="504000" y="301320"/>
+            <a:ext cx="9072000" cy="1261800"/>
           </a:xfrm>
           <a:prstGeom prst="rect">
             <a:avLst/>
@@ -3511,7 +3521,7 @@
       </p:sp>
       <p:sp>
         <p:nvSpPr>
-          <p:cNvPr id="104" name="PlaceHolder 2"/>
+          <p:cNvPr id="105" name="PlaceHolder 2"/>
           <p:cNvSpPr>
             <a:spLocks noGrp="1"/>
           </p:cNvSpPr>
@@ -3521,23 +3531,23 @@
         </p:nvSpPr>
         <p:spPr>
           <a:xfrm>
-            <a:off x="502920" y="1768320"/>
-            <a:ext cx="9070920" cy="4988160"/>
-          </a:xfrm>
-          <a:prstGeom prst="rect">
-            <a:avLst/>
-          </a:prstGeom>
-        </p:spPr>
-        <p:txBody>
-          <a:bodyPr lIns="0" rIns="0" tIns="28080" bIns="0"/>
-          <a:p>
-            <a:endParaRPr/>
-          </a:p>
-        </p:txBody>
-      </p:sp>
-      <p:sp>
-        <p:nvSpPr>
-          <p:cNvPr id="105" name="PlaceHolder 3"/>
+            <a:off x="504000" y="1768680"/>
+            <a:ext cx="9072000" cy="4384080"/>
+          </a:xfrm>
+          <a:prstGeom prst="rect">
+            <a:avLst/>
+          </a:prstGeom>
+        </p:spPr>
+        <p:txBody>
+          <a:bodyPr lIns="0" rIns="0" tIns="0" bIns="0"/>
+          <a:p>
+            <a:endParaRPr/>
+          </a:p>
+        </p:txBody>
+      </p:sp>
+      <p:sp>
+        <p:nvSpPr>
+          <p:cNvPr id="106" name="PlaceHolder 3"/>
           <p:cNvSpPr>
             <a:spLocks noGrp="1"/>
           </p:cNvSpPr>
@@ -3547,15 +3557,15 @@
         </p:nvSpPr>
         <p:spPr>
           <a:xfrm>
-            <a:off x="502920" y="1768320"/>
-            <a:ext cx="9070920" cy="4988160"/>
-          </a:xfrm>
-          <a:prstGeom prst="rect">
-            <a:avLst/>
-          </a:prstGeom>
-        </p:spPr>
-        <p:txBody>
-          <a:bodyPr lIns="0" rIns="0" tIns="28080" bIns="0"/>
+            <a:off x="504000" y="1768680"/>
+            <a:ext cx="9072000" cy="4384080"/>
+          </a:xfrm>
+          <a:prstGeom prst="rect">
+            <a:avLst/>
+          </a:prstGeom>
+        </p:spPr>
+        <p:txBody>
+          <a:bodyPr lIns="0" rIns="0" tIns="0" bIns="0"/>
           <a:p>
             <a:endParaRPr/>
           </a:p>
@@ -3563,7 +3573,7 @@
       </p:sp>
       <p:pic>
         <p:nvPicPr>
-          <p:cNvPr id="106" name="" descr=""/>
+          <p:cNvPr id="107" name="" descr=""/>
           <p:cNvPicPr/>
           <p:nvPr/>
         </p:nvPicPr>
@@ -3573,8 +3583,8 @@
         </p:blipFill>
         <p:spPr>
           <a:xfrm>
-            <a:off x="1912320" y="1768320"/>
-            <a:ext cx="6251760" cy="4988160"/>
+            <a:off x="2292480" y="1768680"/>
+            <a:ext cx="5494680" cy="4384080"/>
           </a:xfrm>
           <a:prstGeom prst="rect">
             <a:avLst/>
@@ -3586,7 +3596,7 @@
       </p:pic>
       <p:pic>
         <p:nvPicPr>
-          <p:cNvPr id="107" name="" descr=""/>
+          <p:cNvPr id="108" name="" descr=""/>
           <p:cNvPicPr/>
           <p:nvPr/>
         </p:nvPicPr>
@@ -3596,8 +3606,8 @@
         </p:blipFill>
         <p:spPr>
           <a:xfrm>
-            <a:off x="1912320" y="1768320"/>
-            <a:ext cx="6251760" cy="4988160"/>
+            <a:off x="2292480" y="1768680"/>
+            <a:ext cx="5494680" cy="4384080"/>
           </a:xfrm>
           <a:prstGeom prst="rect">
             <a:avLst/>
@@ -3641,8 +3651,8 @@
         </p:nvSpPr>
         <p:spPr>
           <a:xfrm>
-            <a:off x="502920" y="301320"/>
-            <a:ext cx="9070920" cy="1260360"/>
+            <a:off x="504000" y="301320"/>
+            <a:ext cx="9072000" cy="1261800"/>
           </a:xfrm>
           <a:prstGeom prst="rect">
             <a:avLst/>
@@ -3668,15 +3678,15 @@
         </p:nvSpPr>
         <p:spPr>
           <a:xfrm>
-            <a:off x="502920" y="1768320"/>
-            <a:ext cx="4426560" cy="4988160"/>
-          </a:xfrm>
-          <a:prstGeom prst="rect">
-            <a:avLst/>
-          </a:prstGeom>
-        </p:spPr>
-        <p:txBody>
-          <a:bodyPr lIns="0" rIns="0" tIns="28080" bIns="0"/>
+            <a:off x="504000" y="1768680"/>
+            <a:ext cx="4426920" cy="4384080"/>
+          </a:xfrm>
+          <a:prstGeom prst="rect">
+            <a:avLst/>
+          </a:prstGeom>
+        </p:spPr>
+        <p:txBody>
+          <a:bodyPr lIns="0" rIns="0" tIns="0" bIns="0"/>
           <a:p>
             <a:endParaRPr/>
           </a:p>
@@ -3694,15 +3704,15 @@
         </p:nvSpPr>
         <p:spPr>
           <a:xfrm>
-            <a:off x="5151240" y="1768320"/>
-            <a:ext cx="4426560" cy="4988160"/>
-          </a:xfrm>
-          <a:prstGeom prst="rect">
-            <a:avLst/>
-          </a:prstGeom>
-        </p:spPr>
-        <p:txBody>
-          <a:bodyPr lIns="0" rIns="0" tIns="28080" bIns="0"/>
+            <a:off x="5152680" y="1768680"/>
+            <a:ext cx="4426920" cy="4384080"/>
+          </a:xfrm>
+          <a:prstGeom prst="rect">
+            <a:avLst/>
+          </a:prstGeom>
+        </p:spPr>
+        <p:txBody>
+          <a:bodyPr lIns="0" rIns="0" tIns="0" bIns="0"/>
           <a:p>
             <a:endParaRPr/>
           </a:p>
@@ -3742,8 +3752,8 @@
         </p:nvSpPr>
         <p:spPr>
           <a:xfrm>
-            <a:off x="502920" y="301320"/>
-            <a:ext cx="9070920" cy="1260360"/>
+            <a:off x="504000" y="301320"/>
+            <a:ext cx="9072000" cy="1261800"/>
           </a:xfrm>
           <a:prstGeom prst="rect">
             <a:avLst/>
@@ -3791,8 +3801,8 @@
         </p:nvSpPr>
         <p:spPr>
           <a:xfrm>
-            <a:off x="502920" y="301320"/>
-            <a:ext cx="9070920" cy="5843520"/>
+            <a:off x="504000" y="301320"/>
+            <a:ext cx="9072000" cy="5850360"/>
           </a:xfrm>
           <a:prstGeom prst="rect">
             <a:avLst/>
@@ -3840,8 +3850,8 @@
         </p:nvSpPr>
         <p:spPr>
           <a:xfrm>
-            <a:off x="502920" y="301320"/>
-            <a:ext cx="9070920" cy="1260360"/>
+            <a:off x="504000" y="301320"/>
+            <a:ext cx="9072000" cy="1261800"/>
           </a:xfrm>
           <a:prstGeom prst="rect">
             <a:avLst/>
@@ -3867,15 +3877,15 @@
         </p:nvSpPr>
         <p:spPr>
           <a:xfrm>
-            <a:off x="502920" y="1768320"/>
-            <a:ext cx="4426560" cy="2379240"/>
-          </a:xfrm>
-          <a:prstGeom prst="rect">
-            <a:avLst/>
-          </a:prstGeom>
-        </p:spPr>
-        <p:txBody>
-          <a:bodyPr lIns="0" rIns="0" tIns="28080" bIns="0"/>
+            <a:off x="504000" y="1768680"/>
+            <a:ext cx="4426920" cy="2090880"/>
+          </a:xfrm>
+          <a:prstGeom prst="rect">
+            <a:avLst/>
+          </a:prstGeom>
+        </p:spPr>
+        <p:txBody>
+          <a:bodyPr lIns="0" rIns="0" tIns="0" bIns="0"/>
           <a:p>
             <a:endParaRPr/>
           </a:p>
@@ -3893,15 +3903,15 @@
         </p:nvSpPr>
         <p:spPr>
           <a:xfrm>
-            <a:off x="502920" y="4374000"/>
-            <a:ext cx="4426560" cy="2379240"/>
-          </a:xfrm>
-          <a:prstGeom prst="rect">
-            <a:avLst/>
-          </a:prstGeom>
-        </p:spPr>
-        <p:txBody>
-          <a:bodyPr lIns="0" rIns="0" tIns="28080" bIns="0"/>
+            <a:off x="504000" y="4058640"/>
+            <a:ext cx="4426920" cy="2090880"/>
+          </a:xfrm>
+          <a:prstGeom prst="rect">
+            <a:avLst/>
+          </a:prstGeom>
+        </p:spPr>
+        <p:txBody>
+          <a:bodyPr lIns="0" rIns="0" tIns="0" bIns="0"/>
           <a:p>
             <a:endParaRPr/>
           </a:p>
@@ -3919,15 +3929,15 @@
         </p:nvSpPr>
         <p:spPr>
           <a:xfrm>
-            <a:off x="5151240" y="1768320"/>
-            <a:ext cx="4426560" cy="4988160"/>
-          </a:xfrm>
-          <a:prstGeom prst="rect">
-            <a:avLst/>
-          </a:prstGeom>
-        </p:spPr>
-        <p:txBody>
-          <a:bodyPr lIns="0" rIns="0" tIns="28080" bIns="0"/>
+            <a:off x="5152680" y="1768680"/>
+            <a:ext cx="4426920" cy="4384080"/>
+          </a:xfrm>
+          <a:prstGeom prst="rect">
+            <a:avLst/>
+          </a:prstGeom>
+        </p:spPr>
+        <p:txBody>
+          <a:bodyPr lIns="0" rIns="0" tIns="0" bIns="0"/>
           <a:p>
             <a:endParaRPr/>
           </a:p>
@@ -3967,8 +3977,8 @@
         </p:nvSpPr>
         <p:spPr>
           <a:xfrm>
-            <a:off x="502920" y="301320"/>
-            <a:ext cx="9070920" cy="1260360"/>
+            <a:off x="504000" y="301320"/>
+            <a:ext cx="9072000" cy="1261800"/>
           </a:xfrm>
           <a:prstGeom prst="rect">
             <a:avLst/>
@@ -3994,15 +4004,15 @@
         </p:nvSpPr>
         <p:spPr>
           <a:xfrm>
-            <a:off x="502920" y="1768320"/>
-            <a:ext cx="4426560" cy="4988160"/>
-          </a:xfrm>
-          <a:prstGeom prst="rect">
-            <a:avLst/>
-          </a:prstGeom>
-        </p:spPr>
-        <p:txBody>
-          <a:bodyPr lIns="0" rIns="0" tIns="28080" bIns="0"/>
+            <a:off x="504000" y="1768680"/>
+            <a:ext cx="4426920" cy="4384080"/>
+          </a:xfrm>
+          <a:prstGeom prst="rect">
+            <a:avLst/>
+          </a:prstGeom>
+        </p:spPr>
+        <p:txBody>
+          <a:bodyPr lIns="0" rIns="0" tIns="0" bIns="0"/>
           <a:p>
             <a:endParaRPr/>
           </a:p>
@@ -4020,15 +4030,15 @@
         </p:nvSpPr>
         <p:spPr>
           <a:xfrm>
-            <a:off x="5151240" y="1768320"/>
-            <a:ext cx="4426560" cy="2379240"/>
-          </a:xfrm>
-          <a:prstGeom prst="rect">
-            <a:avLst/>
-          </a:prstGeom>
-        </p:spPr>
-        <p:txBody>
-          <a:bodyPr lIns="0" rIns="0" tIns="28080" bIns="0"/>
+            <a:off x="5152680" y="1768680"/>
+            <a:ext cx="4426920" cy="2090880"/>
+          </a:xfrm>
+          <a:prstGeom prst="rect">
+            <a:avLst/>
+          </a:prstGeom>
+        </p:spPr>
+        <p:txBody>
+          <a:bodyPr lIns="0" rIns="0" tIns="0" bIns="0"/>
           <a:p>
             <a:endParaRPr/>
           </a:p>
@@ -4046,15 +4056,15 @@
         </p:nvSpPr>
         <p:spPr>
           <a:xfrm>
-            <a:off x="5151240" y="4374000"/>
-            <a:ext cx="4426560" cy="2379240"/>
-          </a:xfrm>
-          <a:prstGeom prst="rect">
-            <a:avLst/>
-          </a:prstGeom>
-        </p:spPr>
-        <p:txBody>
-          <a:bodyPr lIns="0" rIns="0" tIns="28080" bIns="0"/>
+            <a:off x="5152680" y="4058640"/>
+            <a:ext cx="4426920" cy="2090880"/>
+          </a:xfrm>
+          <a:prstGeom prst="rect">
+            <a:avLst/>
+          </a:prstGeom>
+        </p:spPr>
+        <p:txBody>
+          <a:bodyPr lIns="0" rIns="0" tIns="0" bIns="0"/>
           <a:p>
             <a:endParaRPr/>
           </a:p>
@@ -4094,8 +4104,8 @@
         </p:nvSpPr>
         <p:spPr>
           <a:xfrm>
-            <a:off x="502920" y="301320"/>
-            <a:ext cx="9070920" cy="1260360"/>
+            <a:off x="504000" y="301320"/>
+            <a:ext cx="9072000" cy="1261800"/>
           </a:xfrm>
           <a:prstGeom prst="rect">
             <a:avLst/>
@@ -4121,15 +4131,15 @@
         </p:nvSpPr>
         <p:spPr>
           <a:xfrm>
-            <a:off x="502920" y="1768320"/>
-            <a:ext cx="4426560" cy="2379240"/>
-          </a:xfrm>
-          <a:prstGeom prst="rect">
-            <a:avLst/>
-          </a:prstGeom>
-        </p:spPr>
-        <p:txBody>
-          <a:bodyPr lIns="0" rIns="0" tIns="28080" bIns="0"/>
+            <a:off x="504000" y="1768680"/>
+            <a:ext cx="4426920" cy="2090880"/>
+          </a:xfrm>
+          <a:prstGeom prst="rect">
+            <a:avLst/>
+          </a:prstGeom>
+        </p:spPr>
+        <p:txBody>
+          <a:bodyPr lIns="0" rIns="0" tIns="0" bIns="0"/>
           <a:p>
             <a:endParaRPr/>
           </a:p>
@@ -4147,15 +4157,15 @@
         </p:nvSpPr>
         <p:spPr>
           <a:xfrm>
-            <a:off x="5151240" y="1768320"/>
-            <a:ext cx="4426560" cy="2379240"/>
-          </a:xfrm>
-          <a:prstGeom prst="rect">
-            <a:avLst/>
-          </a:prstGeom>
-        </p:spPr>
-        <p:txBody>
-          <a:bodyPr lIns="0" rIns="0" tIns="28080" bIns="0"/>
+            <a:off x="5152680" y="1768680"/>
+            <a:ext cx="4426920" cy="2090880"/>
+          </a:xfrm>
+          <a:prstGeom prst="rect">
+            <a:avLst/>
+          </a:prstGeom>
+        </p:spPr>
+        <p:txBody>
+          <a:bodyPr lIns="0" rIns="0" tIns="0" bIns="0"/>
           <a:p>
             <a:endParaRPr/>
           </a:p>
@@ -4173,15 +4183,15 @@
         </p:nvSpPr>
         <p:spPr>
           <a:xfrm>
-            <a:off x="502920" y="4374000"/>
-            <a:ext cx="9070920" cy="2379240"/>
-          </a:xfrm>
-          <a:prstGeom prst="rect">
-            <a:avLst/>
-          </a:prstGeom>
-        </p:spPr>
-        <p:txBody>
-          <a:bodyPr lIns="0" rIns="0" tIns="28080" bIns="0"/>
+            <a:off x="504000" y="4058640"/>
+            <a:ext cx="9072000" cy="2090880"/>
+          </a:xfrm>
+          <a:prstGeom prst="rect">
+            <a:avLst/>
+          </a:prstGeom>
+        </p:spPr>
+        <p:txBody>
+          <a:bodyPr lIns="0" rIns="0" tIns="0" bIns="0"/>
           <a:p>
             <a:endParaRPr/>
           </a:p>
@@ -4228,8 +4238,8 @@
         </p:nvSpPr>
         <p:spPr>
           <a:xfrm>
-            <a:off x="502920" y="301320"/>
-            <a:ext cx="9069480" cy="1260360"/>
+            <a:off x="504000" y="301320"/>
+            <a:ext cx="9072000" cy="1261800"/>
           </a:xfrm>
           <a:prstGeom prst="rect">
             <a:avLst/>
@@ -4240,8 +4250,8 @@
           <a:p>
             <a:pPr algn="ctr"/>
             <a:r>
-              <a:rPr lang="en-US" sz="4400">
-                <a:latin typeface="Arial"/>
+              <a:rPr lang="en-US" sz="4400" spc="-1">
+                <a:latin typeface="arial"/>
               </a:rPr>
               <a:t>Click to edit the title text format</a:t>
             </a:r>
@@ -4261,8 +4271,8 @@
         </p:nvSpPr>
         <p:spPr>
           <a:xfrm>
-            <a:off x="502920" y="1767960"/>
-            <a:ext cx="9069480" cy="4381560"/>
+            <a:off x="504000" y="1768680"/>
+            <a:ext cx="9072000" cy="4384080"/>
           </a:xfrm>
           <a:prstGeom prst="rect">
             <a:avLst/>
@@ -4271,85 +4281,119 @@
         <p:txBody>
           <a:bodyPr lIns="0" rIns="0" tIns="0" bIns="0"/>
           <a:p>
-            <a:pPr/>
-            <a:r>
-              <a:rPr lang="en-US" sz="3200">
-                <a:latin typeface="Arial"/>
+            <a:pPr marL="432000" indent="-324000">
+              <a:buClr>
+                <a:srgbClr val="ffffff"/>
+              </a:buClr>
+              <a:buSzPct val="45000"/>
+              <a:buFont typeface="Wingdings" charset="2"/>
+              <a:buChar char=""/>
+            </a:pPr>
+            <a:r>
+              <a:rPr lang="en-US" sz="3200" spc="-1">
+                <a:latin typeface="arial"/>
               </a:rPr>
               <a:t>Click to edit the outline text format</a:t>
             </a:r>
             <a:endParaRPr/>
           </a:p>
           <a:p>
-            <a:pPr lvl="1"/>
-            <a:r>
-              <a:rPr lang="en-US" sz="2800">
-                <a:latin typeface="Arial"/>
+            <a:pPr lvl="1" marL="864000" indent="-324000">
+              <a:buClr>
+                <a:srgbClr val="ffffff"/>
+              </a:buClr>
+              <a:buSzPct val="75000"/>
+              <a:buFont typeface="Symbol" charset="2"/>
+              <a:buChar char=""/>
+            </a:pPr>
+            <a:r>
+              <a:rPr lang="en-US" sz="2800" spc="-1">
+                <a:latin typeface="arial"/>
               </a:rPr>
               <a:t>Second Outline Level</a:t>
             </a:r>
             <a:endParaRPr/>
           </a:p>
           <a:p>
-            <a:pPr lvl="2">
-              <a:buFont typeface="Times New Roman"/>
-              <a:buChar char="•"/>
-            </a:pPr>
-            <a:r>
-              <a:rPr lang="en-US" sz="2400">
-                <a:latin typeface="Arial"/>
+            <a:pPr lvl="2" marL="1296000" indent="-288000">
+              <a:buClr>
+                <a:srgbClr val="ffffff"/>
+              </a:buClr>
+              <a:buSzPct val="45000"/>
+              <a:buFont typeface="Wingdings" charset="2"/>
+              <a:buChar char=""/>
+            </a:pPr>
+            <a:r>
+              <a:rPr lang="en-US" sz="2400" spc="-1">
+                <a:latin typeface="arial"/>
               </a:rPr>
               <a:t>Third Outline Level</a:t>
             </a:r>
             <a:endParaRPr/>
           </a:p>
           <a:p>
-            <a:pPr lvl="3">
-              <a:buFont typeface="Times New Roman"/>
-              <a:buChar char="–"/>
-            </a:pPr>
-            <a:r>
-              <a:rPr lang="en-US" sz="2000">
-                <a:latin typeface="Arial"/>
+            <a:pPr lvl="3" marL="1728000" indent="-216000">
+              <a:buClr>
+                <a:srgbClr val="ffffff"/>
+              </a:buClr>
+              <a:buSzPct val="75000"/>
+              <a:buFont typeface="Symbol" charset="2"/>
+              <a:buChar char=""/>
+            </a:pPr>
+            <a:r>
+              <a:rPr lang="en-US" sz="2000" spc="-1">
+                <a:latin typeface="arial"/>
               </a:rPr>
               <a:t>Fourth Outline Level</a:t>
             </a:r>
             <a:endParaRPr/>
           </a:p>
           <a:p>
-            <a:pPr lvl="4">
-              <a:buFont typeface="Times New Roman"/>
-              <a:buChar char="»"/>
-            </a:pPr>
-            <a:r>
-              <a:rPr lang="en-US" sz="2000">
-                <a:latin typeface="Arial"/>
+            <a:pPr lvl="4" marL="2160000" indent="-216000">
+              <a:buClr>
+                <a:srgbClr val="ffffff"/>
+              </a:buClr>
+              <a:buSzPct val="45000"/>
+              <a:buFont typeface="Wingdings" charset="2"/>
+              <a:buChar char=""/>
+            </a:pPr>
+            <a:r>
+              <a:rPr lang="en-US" sz="2000" spc="-1">
+                <a:latin typeface="arial"/>
               </a:rPr>
               <a:t>Fifth Outline Level</a:t>
             </a:r>
             <a:endParaRPr/>
           </a:p>
           <a:p>
-            <a:pPr lvl="5">
-              <a:buFont typeface="Times New Roman"/>
-              <a:buChar char="»"/>
-            </a:pPr>
-            <a:r>
-              <a:rPr lang="en-US" sz="2000">
-                <a:latin typeface="Arial"/>
+            <a:pPr lvl="5" marL="2592000" indent="-216000">
+              <a:buClr>
+                <a:srgbClr val="ffffff"/>
+              </a:buClr>
+              <a:buSzPct val="45000"/>
+              <a:buFont typeface="Wingdings" charset="2"/>
+              <a:buChar char=""/>
+            </a:pPr>
+            <a:r>
+              <a:rPr lang="en-US" sz="2000" spc="-1">
+                <a:latin typeface="arial"/>
               </a:rPr>
               <a:t>Sixth Outline Level</a:t>
             </a:r>
             <a:endParaRPr/>
           </a:p>
           <a:p>
-            <a:pPr lvl="6">
-              <a:buFont typeface="Times New Roman"/>
-              <a:buChar char="»"/>
-            </a:pPr>
-            <a:r>
-              <a:rPr lang="en-US" sz="2000">
-                <a:latin typeface="Arial"/>
+            <a:pPr lvl="6" marL="3024000" indent="-216000">
+              <a:buClr>
+                <a:srgbClr val="ffffff"/>
+              </a:buClr>
+              <a:buSzPct val="45000"/>
+              <a:buFont typeface="Wingdings" charset="2"/>
+              <a:buChar char=""/>
+            </a:pPr>
+            <a:r>
+              <a:rPr lang="en-US" sz="2000" spc="-1">
+                <a:latin typeface="arial"/>
               </a:rPr>
               <a:t>Seventh Outline Level</a:t>
             </a:r>
@@ -4413,8 +4457,8 @@
         </p:nvSpPr>
         <p:spPr>
           <a:xfrm>
-            <a:off x="502920" y="301320"/>
-            <a:ext cx="9070920" cy="1260360"/>
+            <a:off x="504000" y="301320"/>
+            <a:ext cx="9072000" cy="1261800"/>
           </a:xfrm>
           <a:prstGeom prst="rect">
             <a:avLst/>
@@ -4425,8 +4469,8 @@
           <a:p>
             <a:pPr algn="ctr"/>
             <a:r>
-              <a:rPr lang="en-US" sz="4400">
-                <a:latin typeface="Arial"/>
+              <a:rPr lang="en-US" sz="4400" spc="-1">
+                <a:latin typeface="arial"/>
               </a:rPr>
               <a:t>Click to edit the title text format</a:t>
             </a:r>
@@ -4446,95 +4490,129 @@
         </p:nvSpPr>
         <p:spPr>
           <a:xfrm>
-            <a:off x="502920" y="1768320"/>
-            <a:ext cx="9070920" cy="4988160"/>
-          </a:xfrm>
-          <a:prstGeom prst="rect">
-            <a:avLst/>
-          </a:prstGeom>
-        </p:spPr>
-        <p:txBody>
-          <a:bodyPr lIns="0" rIns="0" tIns="28080" bIns="0"/>
-          <a:p>
-            <a:pPr/>
-            <a:r>
-              <a:rPr lang="en-US" sz="3200">
-                <a:latin typeface="Arial"/>
+            <a:off x="504000" y="1768680"/>
+            <a:ext cx="9072000" cy="4384080"/>
+          </a:xfrm>
+          <a:prstGeom prst="rect">
+            <a:avLst/>
+          </a:prstGeom>
+        </p:spPr>
+        <p:txBody>
+          <a:bodyPr lIns="0" rIns="0" tIns="0" bIns="0"/>
+          <a:p>
+            <a:pPr marL="432000" indent="-324000">
+              <a:buClr>
+                <a:srgbClr val="ffffff"/>
+              </a:buClr>
+              <a:buSzPct val="45000"/>
+              <a:buFont typeface="Wingdings" charset="2"/>
+              <a:buChar char=""/>
+            </a:pPr>
+            <a:r>
+              <a:rPr lang="en-US" sz="3200" spc="-1">
+                <a:latin typeface="arial"/>
               </a:rPr>
               <a:t>Click to edit the outline text format</a:t>
             </a:r>
             <a:endParaRPr/>
           </a:p>
           <a:p>
-            <a:pPr lvl="1"/>
-            <a:r>
-              <a:rPr lang="en-US" sz="2800">
-                <a:latin typeface="Arial"/>
+            <a:pPr lvl="1" marL="864000" indent="-324000">
+              <a:buClr>
+                <a:srgbClr val="ffffff"/>
+              </a:buClr>
+              <a:buSzPct val="75000"/>
+              <a:buFont typeface="Symbol" charset="2"/>
+              <a:buChar char=""/>
+            </a:pPr>
+            <a:r>
+              <a:rPr lang="en-US" sz="2800" spc="-1">
+                <a:latin typeface="arial"/>
               </a:rPr>
               <a:t>Second Outline Level</a:t>
             </a:r>
             <a:endParaRPr/>
           </a:p>
           <a:p>
-            <a:pPr lvl="2">
-              <a:buFont typeface="Times New Roman"/>
-              <a:buChar char="•"/>
-            </a:pPr>
-            <a:r>
-              <a:rPr lang="en-US" sz="2400">
-                <a:latin typeface="Arial"/>
+            <a:pPr lvl="2" marL="1296000" indent="-288000">
+              <a:buClr>
+                <a:srgbClr val="ffffff"/>
+              </a:buClr>
+              <a:buSzPct val="45000"/>
+              <a:buFont typeface="Wingdings" charset="2"/>
+              <a:buChar char=""/>
+            </a:pPr>
+            <a:r>
+              <a:rPr lang="en-US" sz="2400" spc="-1">
+                <a:latin typeface="arial"/>
               </a:rPr>
               <a:t>Third Outline Level</a:t>
             </a:r>
             <a:endParaRPr/>
           </a:p>
           <a:p>
-            <a:pPr lvl="3">
-              <a:buFont typeface="Times New Roman"/>
-              <a:buChar char="–"/>
-            </a:pPr>
-            <a:r>
-              <a:rPr lang="en-US" sz="2000">
-                <a:latin typeface="Arial"/>
+            <a:pPr lvl="3" marL="1728000" indent="-216000">
+              <a:buClr>
+                <a:srgbClr val="ffffff"/>
+              </a:buClr>
+              <a:buSzPct val="75000"/>
+              <a:buFont typeface="Symbol" charset="2"/>
+              <a:buChar char=""/>
+            </a:pPr>
+            <a:r>
+              <a:rPr lang="en-US" sz="2000" spc="-1">
+                <a:latin typeface="arial"/>
               </a:rPr>
               <a:t>Fourth Outline Level</a:t>
             </a:r>
             <a:endParaRPr/>
           </a:p>
           <a:p>
-            <a:pPr lvl="4">
-              <a:buFont typeface="Times New Roman"/>
-              <a:buChar char="»"/>
-            </a:pPr>
-            <a:r>
-              <a:rPr lang="en-US" sz="2000">
-                <a:latin typeface="Arial"/>
+            <a:pPr lvl="4" marL="2160000" indent="-216000">
+              <a:buClr>
+                <a:srgbClr val="ffffff"/>
+              </a:buClr>
+              <a:buSzPct val="45000"/>
+              <a:buFont typeface="Wingdings" charset="2"/>
+              <a:buChar char=""/>
+            </a:pPr>
+            <a:r>
+              <a:rPr lang="en-US" sz="2000" spc="-1">
+                <a:latin typeface="arial"/>
               </a:rPr>
               <a:t>Fifth Outline Level</a:t>
             </a:r>
             <a:endParaRPr/>
           </a:p>
           <a:p>
-            <a:pPr lvl="5">
-              <a:buFont typeface="Times New Roman"/>
-              <a:buChar char="»"/>
-            </a:pPr>
-            <a:r>
-              <a:rPr lang="en-US" sz="2000">
-                <a:latin typeface="Arial"/>
+            <a:pPr lvl="5" marL="2592000" indent="-216000">
+              <a:buClr>
+                <a:srgbClr val="ffffff"/>
+              </a:buClr>
+              <a:buSzPct val="45000"/>
+              <a:buFont typeface="Wingdings" charset="2"/>
+              <a:buChar char=""/>
+            </a:pPr>
+            <a:r>
+              <a:rPr lang="en-US" sz="2000" spc="-1">
+                <a:latin typeface="arial"/>
               </a:rPr>
               <a:t>Sixth Outline Level</a:t>
             </a:r>
             <a:endParaRPr/>
           </a:p>
           <a:p>
-            <a:pPr lvl="6">
-              <a:buFont typeface="Times New Roman"/>
-              <a:buChar char="»"/>
-            </a:pPr>
-            <a:r>
-              <a:rPr lang="en-US" sz="2000">
-                <a:latin typeface="Arial"/>
+            <a:pPr lvl="6" marL="3024000" indent="-216000">
+              <a:buClr>
+                <a:srgbClr val="ffffff"/>
+              </a:buClr>
+              <a:buSzPct val="45000"/>
+              <a:buFont typeface="Wingdings" charset="2"/>
+              <a:buChar char=""/>
+            </a:pPr>
+            <a:r>
+              <a:rPr lang="en-US" sz="2000" spc="-1">
+                <a:latin typeface="arial"/>
               </a:rPr>
               <a:t>Seventh Outline Level</a:t>
             </a:r>
@@ -4599,7 +4677,7 @@
         <p:spPr>
           <a:xfrm>
             <a:off x="502920" y="301320"/>
-            <a:ext cx="9069480" cy="1260360"/>
+            <a:ext cx="9070560" cy="1260000"/>
           </a:xfrm>
           <a:prstGeom prst="rect">
             <a:avLst/>
@@ -4609,12 +4687,6 @@
           <a:bodyPr lIns="0" rIns="0" tIns="0" bIns="0" anchor="ctr"/>
           <a:p>
             <a:pPr algn="ctr"/>
-            <a:r>
-              <a:rPr lang="en-US" sz="4400">
-                <a:latin typeface="Arial"/>
-              </a:rPr>
-              <a:t>Click to edit the title text format</a:t>
-            </a:r>
             <a:endParaRPr/>
           </a:p>
         </p:txBody>
@@ -4631,95 +4703,271 @@
         </p:nvSpPr>
         <p:spPr>
           <a:xfrm>
-            <a:off x="503280" y="1767960"/>
-            <a:ext cx="4424400" cy="4381560"/>
-          </a:xfrm>
-          <a:prstGeom prst="rect">
-            <a:avLst/>
-          </a:prstGeom>
-        </p:spPr>
-        <p:txBody>
-          <a:bodyPr lIns="0" rIns="0" tIns="0" bIns="0"/>
-          <a:p>
-            <a:pPr/>
-            <a:r>
-              <a:rPr lang="en-US" sz="3200">
-                <a:latin typeface="Arial"/>
+            <a:off x="502920" y="1768320"/>
+            <a:ext cx="4426200" cy="4987800"/>
+          </a:xfrm>
+          <a:prstGeom prst="rect">
+            <a:avLst/>
+          </a:prstGeom>
+        </p:spPr>
+        <p:txBody>
+          <a:bodyPr lIns="0" rIns="0" tIns="28080" bIns="0"/>
+          <a:p>
+            <a:pPr marL="432000" indent="-324000">
+              <a:buClr>
+                <a:srgbClr val="ffffff"/>
+              </a:buClr>
+              <a:buSzPct val="45000"/>
+              <a:buFont typeface="Wingdings" charset="2"/>
+              <a:buChar char=""/>
+            </a:pPr>
+            <a:r>
+              <a:rPr lang="en-US" sz="1800" spc="-1">
+                <a:latin typeface="arial"/>
               </a:rPr>
               <a:t>Click to edit the outline text format</a:t>
             </a:r>
             <a:endParaRPr/>
           </a:p>
           <a:p>
-            <a:pPr lvl="1"/>
-            <a:r>
-              <a:rPr lang="en-US" sz="2800">
-                <a:latin typeface="Arial"/>
+            <a:pPr lvl="1" marL="864000" indent="-324000">
+              <a:buClr>
+                <a:srgbClr val="ffffff"/>
+              </a:buClr>
+              <a:buSzPct val="75000"/>
+              <a:buFont typeface="Symbol" charset="2"/>
+              <a:buChar char=""/>
+            </a:pPr>
+            <a:r>
+              <a:rPr lang="en-US" sz="1800" spc="-1">
+                <a:latin typeface="arial"/>
               </a:rPr>
               <a:t>Second Outline Level</a:t>
             </a:r>
             <a:endParaRPr/>
           </a:p>
           <a:p>
-            <a:pPr lvl="2">
-              <a:buFont typeface="Times New Roman"/>
-              <a:buChar char="•"/>
-            </a:pPr>
-            <a:r>
-              <a:rPr lang="en-US" sz="2400">
-                <a:latin typeface="Arial"/>
+            <a:pPr lvl="2" marL="1296000" indent="-288000">
+              <a:buClr>
+                <a:srgbClr val="ffffff"/>
+              </a:buClr>
+              <a:buSzPct val="45000"/>
+              <a:buFont typeface="Wingdings" charset="2"/>
+              <a:buChar char=""/>
+            </a:pPr>
+            <a:r>
+              <a:rPr lang="en-US" sz="1800" spc="-1">
+                <a:latin typeface="arial"/>
               </a:rPr>
               <a:t>Third Outline Level</a:t>
             </a:r>
             <a:endParaRPr/>
           </a:p>
           <a:p>
-            <a:pPr lvl="3">
-              <a:buFont typeface="Times New Roman"/>
-              <a:buChar char="–"/>
-            </a:pPr>
-            <a:r>
-              <a:rPr lang="en-US" sz="2000">
-                <a:latin typeface="Arial"/>
+            <a:pPr lvl="3" marL="1728000" indent="-216000">
+              <a:buClr>
+                <a:srgbClr val="ffffff"/>
+              </a:buClr>
+              <a:buSzPct val="75000"/>
+              <a:buFont typeface="Symbol" charset="2"/>
+              <a:buChar char=""/>
+            </a:pPr>
+            <a:r>
+              <a:rPr lang="en-US" sz="1800" spc="-1">
+                <a:latin typeface="arial"/>
               </a:rPr>
               <a:t>Fourth Outline Level</a:t>
             </a:r>
             <a:endParaRPr/>
           </a:p>
           <a:p>
-            <a:pPr lvl="4">
-              <a:buFont typeface="Times New Roman"/>
-              <a:buChar char="»"/>
-            </a:pPr>
-            <a:r>
-              <a:rPr lang="en-US" sz="2000">
-                <a:latin typeface="Arial"/>
+            <a:pPr lvl="4" marL="2160000" indent="-216000">
+              <a:buClr>
+                <a:srgbClr val="ffffff"/>
+              </a:buClr>
+              <a:buSzPct val="45000"/>
+              <a:buFont typeface="Wingdings" charset="2"/>
+              <a:buChar char=""/>
+            </a:pPr>
+            <a:r>
+              <a:rPr lang="en-US" sz="1800" spc="-1">
+                <a:latin typeface="arial"/>
               </a:rPr>
               <a:t>Fifth Outline Level</a:t>
             </a:r>
             <a:endParaRPr/>
           </a:p>
           <a:p>
-            <a:pPr lvl="5">
-              <a:buFont typeface="Times New Roman"/>
-              <a:buChar char="»"/>
-            </a:pPr>
-            <a:r>
-              <a:rPr lang="en-US" sz="2000">
-                <a:latin typeface="Arial"/>
+            <a:pPr lvl="5" marL="2592000" indent="-216000">
+              <a:buClr>
+                <a:srgbClr val="ffffff"/>
+              </a:buClr>
+              <a:buSzPct val="45000"/>
+              <a:buFont typeface="Wingdings" charset="2"/>
+              <a:buChar char=""/>
+            </a:pPr>
+            <a:r>
+              <a:rPr lang="en-US" sz="1800" spc="-1">
+                <a:latin typeface="arial"/>
               </a:rPr>
               <a:t>Sixth Outline Level</a:t>
             </a:r>
             <a:endParaRPr/>
           </a:p>
           <a:p>
-            <a:pPr lvl="6">
-              <a:buFont typeface="Times New Roman"/>
-              <a:buChar char="»"/>
-            </a:pPr>
-            <a:r>
-              <a:rPr lang="en-US" sz="2000">
-                <a:latin typeface="Arial"/>
+            <a:pPr lvl="6" marL="3024000" indent="-216000">
+              <a:buClr>
+                <a:srgbClr val="ffffff"/>
+              </a:buClr>
+              <a:buSzPct val="45000"/>
+              <a:buFont typeface="Wingdings" charset="2"/>
+              <a:buChar char=""/>
+            </a:pPr>
+            <a:r>
+              <a:rPr lang="en-US" sz="1800" spc="-1">
+                <a:latin typeface="arial"/>
+              </a:rPr>
+              <a:t>Seventh Outline Level</a:t>
+            </a:r>
+            <a:endParaRPr/>
+          </a:p>
+        </p:txBody>
+      </p:sp>
+      <p:sp>
+        <p:nvSpPr>
+          <p:cNvPr id="74" name="PlaceHolder 3"/>
+          <p:cNvSpPr>
+            <a:spLocks noGrp="1"/>
+          </p:cNvSpPr>
+          <p:nvPr>
+            <p:ph type="body"/>
+          </p:nvPr>
+        </p:nvSpPr>
+        <p:spPr>
+          <a:xfrm>
+            <a:off x="5151240" y="1768320"/>
+            <a:ext cx="4426200" cy="4987800"/>
+          </a:xfrm>
+          <a:prstGeom prst="rect">
+            <a:avLst/>
+          </a:prstGeom>
+        </p:spPr>
+        <p:txBody>
+          <a:bodyPr lIns="0" rIns="0" tIns="28080" bIns="0"/>
+          <a:p>
+            <a:pPr marL="432000" indent="-324000">
+              <a:buClr>
+                <a:srgbClr val="ffffff"/>
+              </a:buClr>
+              <a:buSzPct val="45000"/>
+              <a:buFont typeface="Wingdings" charset="2"/>
+              <a:buChar char=""/>
+            </a:pPr>
+            <a:r>
+              <a:rPr lang="en-US" sz="1800" spc="-1">
+                <a:latin typeface="arial"/>
+              </a:rPr>
+              <a:t>Click to edit the outline text format</a:t>
+            </a:r>
+            <a:endParaRPr/>
+          </a:p>
+          <a:p>
+            <a:pPr lvl="1" marL="864000" indent="-324000">
+              <a:buClr>
+                <a:srgbClr val="ffffff"/>
+              </a:buClr>
+              <a:buSzPct val="75000"/>
+              <a:buFont typeface="Symbol" charset="2"/>
+              <a:buChar char=""/>
+            </a:pPr>
+            <a:r>
+              <a:rPr lang="en-US" sz="1800" spc="-1">
+                <a:latin typeface="arial"/>
+              </a:rPr>
+              <a:t>Second Outline Level</a:t>
+            </a:r>
+            <a:endParaRPr/>
+          </a:p>
+          <a:p>
+            <a:pPr lvl="2" marL="1296000" indent="-288000">
+              <a:buClr>
+                <a:srgbClr val="ffffff"/>
+              </a:buClr>
+              <a:buSzPct val="45000"/>
+              <a:buFont typeface="Wingdings" charset="2"/>
+              <a:buChar char=""/>
+            </a:pPr>
+            <a:r>
+              <a:rPr lang="en-US" sz="1800" spc="-1">
+                <a:latin typeface="arial"/>
+              </a:rPr>
+              <a:t>Third Outline Level</a:t>
+            </a:r>
+            <a:endParaRPr/>
+          </a:p>
+          <a:p>
+            <a:pPr lvl="3" marL="1728000" indent="-216000">
+              <a:buClr>
+                <a:srgbClr val="ffffff"/>
+              </a:buClr>
+              <a:buSzPct val="75000"/>
+              <a:buFont typeface="Symbol" charset="2"/>
+              <a:buChar char=""/>
+            </a:pPr>
+            <a:r>
+              <a:rPr lang="en-US" sz="1800" spc="-1">
+                <a:latin typeface="arial"/>
+              </a:rPr>
+              <a:t>Fourth Outline Level</a:t>
+            </a:r>
+            <a:endParaRPr/>
+          </a:p>
+          <a:p>
+            <a:pPr lvl="4" marL="2160000" indent="-216000">
+              <a:buClr>
+                <a:srgbClr val="ffffff"/>
+              </a:buClr>
+              <a:buSzPct val="45000"/>
+              <a:buFont typeface="Wingdings" charset="2"/>
+              <a:buChar char=""/>
+            </a:pPr>
+            <a:r>
+              <a:rPr lang="en-US" sz="1800" spc="-1">
+                <a:latin typeface="arial"/>
+              </a:rPr>
+              <a:t>Fifth Outline Level</a:t>
+            </a:r>
+            <a:endParaRPr/>
+          </a:p>
+          <a:p>
+            <a:pPr lvl="5" marL="2592000" indent="-216000">
+              <a:buClr>
+                <a:srgbClr val="ffffff"/>
+              </a:buClr>
+              <a:buSzPct val="45000"/>
+              <a:buFont typeface="Wingdings" charset="2"/>
+              <a:buChar char=""/>
+            </a:pPr>
+            <a:r>
+              <a:rPr lang="en-US" sz="1800" spc="-1">
+                <a:latin typeface="arial"/>
+              </a:rPr>
+              <a:t>Sixth Outline Level</a:t>
+            </a:r>
+            <a:endParaRPr/>
+          </a:p>
+          <a:p>
+            <a:pPr lvl="6" marL="3024000" indent="-216000">
+              <a:buClr>
+                <a:srgbClr val="ffffff"/>
+              </a:buClr>
+              <a:buSzPct val="45000"/>
+              <a:buFont typeface="Wingdings" charset="2"/>
+              <a:buChar char=""/>
+            </a:pPr>
+            <a:r>
+              <a:rPr lang="en-US" sz="1800" spc="-1">
+                <a:latin typeface="arial"/>
               </a:rPr>
               <a:t>Seventh Outline Level</a:t>
             </a:r>
@@ -4780,7 +5028,7 @@
         <p:spPr>
           <a:xfrm>
             <a:off x="503280" y="1189080"/>
-            <a:ext cx="9070920" cy="1262160"/>
+            <a:ext cx="9070560" cy="1261800"/>
           </a:xfrm>
           <a:prstGeom prst="rect">
             <a:avLst/>
@@ -4805,10 +5053,15 @@
               </a:lnSpc>
             </a:pPr>
             <a:r>
-              <a:rPr b="1" lang="en-US" sz="4400">
+              <a:rPr b="1" lang="en-US" sz="4400" spc="-1" strike="noStrike">
                 <a:solidFill>
                   <a:srgbClr val="000000"/>
                 </a:solidFill>
+                <a:uFill>
+                  <a:solidFill>
+                    <a:srgbClr val="ffffff"/>
+                  </a:solidFill>
+                </a:uFill>
                 <a:latin typeface="Arial"/>
                 <a:ea typeface="DejaVu Sans"/>
               </a:rPr>
@@ -4827,7 +5080,7 @@
         <p:spPr>
           <a:xfrm>
             <a:off x="503280" y="1768320"/>
-            <a:ext cx="9070920" cy="4383360"/>
+            <a:ext cx="9070560" cy="4383000"/>
           </a:xfrm>
           <a:prstGeom prst="rect">
             <a:avLst/>
@@ -4852,10 +5105,15 @@
               </a:lnSpc>
             </a:pPr>
             <a:r>
-              <a:rPr lang="en-US" sz="3200">
+              <a:rPr lang="en-US" sz="3200" spc="-1" strike="noStrike">
                 <a:solidFill>
                   <a:srgbClr val="000000"/>
                 </a:solidFill>
+                <a:uFill>
+                  <a:solidFill>
+                    <a:srgbClr val="ffffff"/>
+                  </a:solidFill>
+                </a:uFill>
                 <a:latin typeface="Arial"/>
                 <a:ea typeface="DejaVu Sans"/>
               </a:rPr>
@@ -4870,10 +5128,15 @@
               </a:lnSpc>
             </a:pPr>
             <a:r>
-              <a:rPr lang="en-US" sz="3200">
+              <a:rPr lang="en-US" sz="3200" spc="-1" strike="noStrike">
                 <a:solidFill>
                   <a:srgbClr val="000000"/>
                 </a:solidFill>
+                <a:uFill>
+                  <a:solidFill>
+                    <a:srgbClr val="ffffff"/>
+                  </a:solidFill>
+                </a:uFill>
                 <a:latin typeface="Arial"/>
                 <a:ea typeface="DejaVu Sans"/>
               </a:rPr>
@@ -4888,10 +5151,15 @@
               </a:lnSpc>
             </a:pPr>
             <a:r>
-              <a:rPr lang="en-US" sz="3200">
+              <a:rPr lang="en-US" sz="3200" spc="-1" strike="noStrike">
                 <a:solidFill>
                   <a:srgbClr val="000000"/>
                 </a:solidFill>
+                <a:uFill>
+                  <a:solidFill>
+                    <a:srgbClr val="ffffff"/>
+                  </a:solidFill>
+                </a:uFill>
                 <a:latin typeface="Arial"/>
                 <a:ea typeface="DejaVu Sans"/>
               </a:rPr>
@@ -4906,10 +5174,15 @@
               </a:lnSpc>
             </a:pPr>
             <a:r>
-              <a:rPr lang="en-US" sz="3200">
+              <a:rPr lang="en-US" sz="3200" spc="-1" strike="noStrike">
                 <a:solidFill>
                   <a:srgbClr val="000000"/>
                 </a:solidFill>
+                <a:uFill>
+                  <a:solidFill>
+                    <a:srgbClr val="ffffff"/>
+                  </a:solidFill>
+                </a:uFill>
                 <a:latin typeface="Arial"/>
                 <a:ea typeface="DejaVu Sans"/>
               </a:rPr>
@@ -4984,7 +5257,7 @@
         <p:spPr>
           <a:xfrm>
             <a:off x="503280" y="301680"/>
-            <a:ext cx="9070920" cy="1262160"/>
+            <a:ext cx="9070560" cy="1261800"/>
           </a:xfrm>
           <a:prstGeom prst="rect">
             <a:avLst/>
@@ -5009,10 +5282,15 @@
               </a:lnSpc>
             </a:pPr>
             <a:r>
-              <a:rPr lang="en-US" sz="4400" u="sng">
+              <a:rPr lang="en-US" sz="4400" spc="-1" strike="noStrike" u="sng">
                 <a:solidFill>
                   <a:srgbClr val="000000"/>
                 </a:solidFill>
+                <a:uFill>
+                  <a:solidFill>
+                    <a:srgbClr val="ffffff"/>
+                  </a:solidFill>
+                </a:uFill>
                 <a:latin typeface="Arial"/>
                 <a:ea typeface="DejaVu Sans"/>
               </a:rPr>
@@ -5031,7 +5309,7 @@
         <p:spPr>
           <a:xfrm>
             <a:off x="503280" y="1768320"/>
-            <a:ext cx="9070920" cy="4383360"/>
+            <a:ext cx="9070560" cy="4383000"/>
           </a:xfrm>
           <a:prstGeom prst="rect">
             <a:avLst/>
@@ -5050,7 +5328,7 @@
         <p:txBody>
           <a:bodyPr lIns="0" rIns="0" tIns="0" bIns="0"/>
           <a:p>
-            <a:pPr>
+            <a:pPr marL="216000" indent="-216000">
               <a:lnSpc>
                 <a:spcPct val="100000"/>
               </a:lnSpc>
@@ -5059,10 +5337,15 @@
               <a:buChar char="l"/>
             </a:pPr>
             <a:r>
-              <a:rPr lang="en-US" sz="3200">
+              <a:rPr lang="en-US" sz="3200" spc="-1" strike="noStrike">
                 <a:solidFill>
                   <a:srgbClr val="000000"/>
                 </a:solidFill>
+                <a:uFill>
+                  <a:solidFill>
+                    <a:srgbClr val="ffffff"/>
+                  </a:solidFill>
+                </a:uFill>
                 <a:latin typeface="Arial"/>
                 <a:ea typeface="DejaVu Sans"/>
               </a:rPr>
@@ -5071,7 +5354,7 @@
             <a:endParaRPr/>
           </a:p>
           <a:p>
-            <a:pPr>
+            <a:pPr marL="216000" indent="-216000">
               <a:lnSpc>
                 <a:spcPct val="100000"/>
               </a:lnSpc>
@@ -5080,10 +5363,15 @@
               <a:buChar char="l"/>
             </a:pPr>
             <a:r>
-              <a:rPr lang="en-US" sz="3200">
+              <a:rPr lang="en-US" sz="3200" spc="-1" strike="noStrike">
                 <a:solidFill>
                   <a:srgbClr val="000000"/>
                 </a:solidFill>
+                <a:uFill>
+                  <a:solidFill>
+                    <a:srgbClr val="ffffff"/>
+                  </a:solidFill>
+                </a:uFill>
                 <a:latin typeface="Arial"/>
                 <a:ea typeface="DejaVu Sans"/>
               </a:rPr>
@@ -5093,6 +5381,22 @@
           </a:p>
           <a:p>
             <a:pPr>
+              <a:lnSpc>
+                <a:spcPct val="100000"/>
+              </a:lnSpc>
+            </a:pPr>
+            <a:endParaRPr/>
+          </a:p>
+          <a:p>
+            <a:pPr>
+              <a:lnSpc>
+                <a:spcPct val="100000"/>
+              </a:lnSpc>
+            </a:pPr>
+            <a:endParaRPr/>
+          </a:p>
+          <a:p>
+            <a:pPr marL="216000" indent="-216000">
               <a:lnSpc>
                 <a:spcPct val="100000"/>
               </a:lnSpc>
@@ -5100,10 +5404,25 @@
               <a:buFont typeface="StarSymbol"/>
               <a:buChar char="l"/>
             </a:pPr>
-            <a:endParaRPr/>
-          </a:p>
-          <a:p>
-            <a:pPr>
+            <a:r>
+              <a:rPr lang="en-US" sz="3200" spc="-1" strike="noStrike">
+                <a:solidFill>
+                  <a:srgbClr val="000000"/>
+                </a:solidFill>
+                <a:uFill>
+                  <a:solidFill>
+                    <a:srgbClr val="ffffff"/>
+                  </a:solidFill>
+                </a:uFill>
+                <a:latin typeface="Arial"/>
+                <a:ea typeface="DejaVu Sans"/>
+              </a:rPr>
+              <a:t>A bad project for Rust would be to create a web application.</a:t>
+            </a:r>
+            <a:endParaRPr/>
+          </a:p>
+          <a:p>
+            <a:pPr marL="216000" indent="-216000">
               <a:lnSpc>
                 <a:spcPct val="100000"/>
               </a:lnSpc>
@@ -5111,10 +5430,25 @@
               <a:buFont typeface="StarSymbol"/>
               <a:buChar char="l"/>
             </a:pPr>
-            <a:endParaRPr/>
-          </a:p>
-          <a:p>
-            <a:pPr>
+            <a:r>
+              <a:rPr lang="en-US" sz="3200" spc="-1" strike="noStrike">
+                <a:solidFill>
+                  <a:srgbClr val="000000"/>
+                </a:solidFill>
+                <a:uFill>
+                  <a:solidFill>
+                    <a:srgbClr val="ffffff"/>
+                  </a:solidFill>
+                </a:uFill>
+                <a:latin typeface="Arial"/>
+                <a:ea typeface="DejaVu Sans"/>
+              </a:rPr>
+              <a:t>- No built-in Rust GUI library: need to use third party</a:t>
+            </a:r>
+            <a:endParaRPr/>
+          </a:p>
+          <a:p>
+            <a:pPr marL="216000" indent="-216000">
               <a:lnSpc>
                 <a:spcPct val="100000"/>
               </a:lnSpc>
@@ -5123,52 +5457,15 @@
               <a:buChar char="l"/>
             </a:pPr>
             <a:r>
-              <a:rPr lang="en-US" sz="3200">
+              <a:rPr lang="en-US" sz="3200" spc="-1" strike="noStrike">
                 <a:solidFill>
                   <a:srgbClr val="000000"/>
                 </a:solidFill>
-                <a:latin typeface="Arial"/>
-                <a:ea typeface="DejaVu Sans"/>
-              </a:rPr>
-              <a:t>A bad project for Rust would be to create a web application.</a:t>
-            </a:r>
-            <a:endParaRPr/>
-          </a:p>
-          <a:p>
-            <a:pPr>
-              <a:lnSpc>
-                <a:spcPct val="100000"/>
-              </a:lnSpc>
-              <a:buSzPct val="45000"/>
-              <a:buFont typeface="StarSymbol"/>
-              <a:buChar char="l"/>
-            </a:pPr>
-            <a:r>
-              <a:rPr lang="en-US" sz="3200">
-                <a:solidFill>
-                  <a:srgbClr val="000000"/>
-                </a:solidFill>
-                <a:latin typeface="Arial"/>
-                <a:ea typeface="DejaVu Sans"/>
-              </a:rPr>
-              <a:t>- No built-in Rust GUI library: need to use third party</a:t>
-            </a:r>
-            <a:endParaRPr/>
-          </a:p>
-          <a:p>
-            <a:pPr>
-              <a:lnSpc>
-                <a:spcPct val="100000"/>
-              </a:lnSpc>
-              <a:buSzPct val="45000"/>
-              <a:buFont typeface="StarSymbol"/>
-              <a:buChar char="l"/>
-            </a:pPr>
-            <a:r>
-              <a:rPr lang="en-US" sz="3200">
-                <a:solidFill>
-                  <a:srgbClr val="000000"/>
-                </a:solidFill>
+                <a:uFill>
+                  <a:solidFill>
+                    <a:srgbClr val="ffffff"/>
+                  </a:solidFill>
+                </a:uFill>
                 <a:latin typeface="Arial"/>
                 <a:ea typeface="DejaVu Sans"/>
               </a:rPr>
@@ -5243,7 +5540,7 @@
         <p:spPr>
           <a:xfrm>
             <a:off x="503280" y="301680"/>
-            <a:ext cx="9070920" cy="1262160"/>
+            <a:ext cx="9070560" cy="1261800"/>
           </a:xfrm>
           <a:prstGeom prst="rect">
             <a:avLst/>
@@ -5268,10 +5565,15 @@
               </a:lnSpc>
             </a:pPr>
             <a:r>
-              <a:rPr lang="en-US" sz="4400" u="sng">
+              <a:rPr lang="en-US" sz="4400" spc="-1" strike="noStrike" u="sng">
                 <a:solidFill>
                   <a:srgbClr val="000000"/>
                 </a:solidFill>
+                <a:uFill>
+                  <a:solidFill>
+                    <a:srgbClr val="ffffff"/>
+                  </a:solidFill>
+                </a:uFill>
                 <a:latin typeface="Arial"/>
                 <a:ea typeface="DejaVu Sans"/>
               </a:rPr>
@@ -5290,7 +5592,7 @@
         <p:spPr>
           <a:xfrm>
             <a:off x="503280" y="1768320"/>
-            <a:ext cx="9070920" cy="4383360"/>
+            <a:ext cx="9070560" cy="4383000"/>
           </a:xfrm>
           <a:prstGeom prst="rect">
             <a:avLst/>
@@ -5309,7 +5611,7 @@
         <p:txBody>
           <a:bodyPr lIns="0" rIns="0" tIns="0" bIns="0"/>
           <a:p>
-            <a:pPr>
+            <a:pPr marL="216000" indent="-216000">
               <a:lnSpc>
                 <a:spcPct val="100000"/>
               </a:lnSpc>
@@ -5318,19 +5620,24 @@
               <a:buChar char="l"/>
             </a:pPr>
             <a:r>
-              <a:rPr lang="en-US" sz="3200">
+              <a:rPr lang="en-US" sz="3200" spc="-1" strike="noStrike">
                 <a:solidFill>
                   <a:srgbClr val="000000"/>
                 </a:solidFill>
+                <a:uFill>
+                  <a:solidFill>
+                    <a:srgbClr val="ffffff"/>
+                  </a:solidFill>
+                </a:uFill>
                 <a:latin typeface="Arial"/>
                 <a:ea typeface="DejaVu Sans"/>
               </a:rPr>
-              <a:t>List</a:t>
-            </a:r>
-            <a:endParaRPr/>
-          </a:p>
-          <a:p>
-            <a:pPr>
+              <a:t>Rust-lang Documentation</a:t>
+            </a:r>
+            <a:endParaRPr/>
+          </a:p>
+          <a:p>
+            <a:pPr marL="216000" indent="-216000">
               <a:lnSpc>
                 <a:spcPct val="100000"/>
               </a:lnSpc>
@@ -5339,19 +5646,24 @@
               <a:buChar char="l"/>
             </a:pPr>
             <a:r>
-              <a:rPr lang="en-US" sz="3200">
+              <a:rPr lang="en-US" sz="3200" spc="-1" strike="noStrike">
                 <a:solidFill>
                   <a:srgbClr val="000000"/>
                 </a:solidFill>
+                <a:uFill>
+                  <a:solidFill>
+                    <a:srgbClr val="ffffff"/>
+                  </a:solidFill>
+                </a:uFill>
                 <a:latin typeface="Arial"/>
                 <a:ea typeface="DejaVu Sans"/>
               </a:rPr>
-              <a:t>Of </a:t>
-            </a:r>
-            <a:endParaRPr/>
-          </a:p>
-          <a:p>
-            <a:pPr>
+              <a:t>Cargo Website</a:t>
+            </a:r>
+            <a:endParaRPr/>
+          </a:p>
+          <a:p>
+            <a:pPr marL="216000" indent="-216000">
               <a:lnSpc>
                 <a:spcPct val="100000"/>
               </a:lnSpc>
@@ -5360,19 +5672,24 @@
               <a:buChar char="l"/>
             </a:pPr>
             <a:r>
-              <a:rPr lang="en-US" sz="3200">
+              <a:rPr lang="en-US" sz="3200" spc="-1" strike="noStrike">
                 <a:solidFill>
                   <a:srgbClr val="000000"/>
                 </a:solidFill>
+                <a:uFill>
+                  <a:solidFill>
+                    <a:srgbClr val="ffffff"/>
+                  </a:solidFill>
+                </a:uFill>
                 <a:latin typeface="Arial"/>
                 <a:ea typeface="DejaVu Sans"/>
               </a:rPr>
-              <a:t>Used</a:t>
-            </a:r>
-            <a:endParaRPr/>
-          </a:p>
-          <a:p>
-            <a:pPr>
+              <a:t>Piston</a:t>
+            </a:r>
+            <a:endParaRPr/>
+          </a:p>
+          <a:p>
+            <a:pPr marL="216000" indent="-216000">
               <a:lnSpc>
                 <a:spcPct val="100000"/>
               </a:lnSpc>
@@ -5381,14 +5698,19 @@
               <a:buChar char="l"/>
             </a:pPr>
             <a:r>
-              <a:rPr lang="en-US" sz="3200">
+              <a:rPr lang="en-US" sz="3200" spc="-1" strike="noStrike">
                 <a:solidFill>
                   <a:srgbClr val="000000"/>
                 </a:solidFill>
+                <a:uFill>
+                  <a:solidFill>
+                    <a:srgbClr val="ffffff"/>
+                  </a:solidFill>
+                </a:uFill>
                 <a:latin typeface="Arial"/>
                 <a:ea typeface="DejaVu Sans"/>
               </a:rPr>
-              <a:t>Referenences</a:t>
+              <a:t> </a:t>
             </a:r>
             <a:endParaRPr/>
           </a:p>
@@ -5459,7 +5781,7 @@
         <p:spPr>
           <a:xfrm>
             <a:off x="503280" y="301680"/>
-            <a:ext cx="9070920" cy="1262160"/>
+            <a:ext cx="9070560" cy="1261800"/>
           </a:xfrm>
           <a:prstGeom prst="rect">
             <a:avLst/>
@@ -5484,10 +5806,15 @@
               </a:lnSpc>
             </a:pPr>
             <a:r>
-              <a:rPr lang="en-US" sz="4400" u="sng">
+              <a:rPr lang="en-US" sz="4400" spc="-1" strike="noStrike" u="sng">
                 <a:solidFill>
                   <a:srgbClr val="000000"/>
                 </a:solidFill>
+                <a:uFill>
+                  <a:solidFill>
+                    <a:srgbClr val="ffffff"/>
+                  </a:solidFill>
+                </a:uFill>
                 <a:latin typeface="Arial"/>
                 <a:ea typeface="DejaVu Sans"/>
               </a:rPr>
@@ -5506,7 +5833,7 @@
         <p:spPr>
           <a:xfrm>
             <a:off x="503280" y="1768320"/>
-            <a:ext cx="9070920" cy="4383360"/>
+            <a:ext cx="9070560" cy="4383000"/>
           </a:xfrm>
           <a:prstGeom prst="rect">
             <a:avLst/>
@@ -5525,7 +5852,7 @@
         <p:txBody>
           <a:bodyPr lIns="0" rIns="0" tIns="0" bIns="0"/>
           <a:p>
-            <a:pPr>
+            <a:pPr marL="216000" indent="-216000">
               <a:lnSpc>
                 <a:spcPct val="100000"/>
               </a:lnSpc>
@@ -5534,20 +5861,30 @@
               <a:buChar char="l"/>
             </a:pPr>
             <a:r>
-              <a:rPr lang="en-US" sz="2800">
+              <a:rPr lang="en-US" sz="2800" spc="-1" strike="noStrike">
                 <a:solidFill>
                   <a:srgbClr val="000000"/>
                 </a:solidFill>
+                <a:uFill>
+                  <a:solidFill>
+                    <a:srgbClr val="ffffff"/>
+                  </a:solidFill>
+                </a:uFill>
                 <a:latin typeface="Arial"/>
                 <a:ea typeface="DejaVu Sans"/>
               </a:rPr>
               <a:t>Binaries: </a:t>
             </a:r>
             <a:r>
-              <a:rPr lang="en-US" sz="2800">
+              <a:rPr lang="en-US" sz="2800" spc="-1" strike="noStrike" u="sng">
                 <a:solidFill>
-                  <a:srgbClr val="ccccff"/>
+                  <a:srgbClr val="0000ff"/>
                 </a:solidFill>
+                <a:uFill>
+                  <a:solidFill>
+                    <a:srgbClr val="ffffff"/>
+                  </a:solidFill>
+                </a:uFill>
                 <a:latin typeface="Arial"/>
                 <a:ea typeface="DejaVu Sans"/>
                 <a:hlinkClick r:id="rId1"/>
@@ -5558,6 +5895,14 @@
           </a:p>
           <a:p>
             <a:pPr>
+              <a:lnSpc>
+                <a:spcPct val="100000"/>
+              </a:lnSpc>
+            </a:pPr>
+            <a:endParaRPr/>
+          </a:p>
+          <a:p>
+            <a:pPr marL="216000" indent="-216000">
               <a:lnSpc>
                 <a:spcPct val="100000"/>
               </a:lnSpc>
@@ -5565,10 +5910,56 @@
               <a:buFont typeface="StarSymbol"/>
               <a:buChar char="l"/>
             </a:pPr>
+            <a:r>
+              <a:rPr lang="en-US" sz="2800" spc="-1" strike="noStrike">
+                <a:solidFill>
+                  <a:srgbClr val="000000"/>
+                </a:solidFill>
+                <a:uFill>
+                  <a:solidFill>
+                    <a:srgbClr val="ffffff"/>
+                  </a:solidFill>
+                </a:uFill>
+                <a:latin typeface="Arial"/>
+                <a:ea typeface="DejaVu Sans"/>
+              </a:rPr>
+              <a:t>For Linux and Mac run the command </a:t>
+            </a:r>
             <a:endParaRPr/>
           </a:p>
           <a:p>
             <a:pPr>
+              <a:lnSpc>
+                <a:spcPct val="100000"/>
+              </a:lnSpc>
+            </a:pPr>
+            <a:r>
+              <a:rPr lang="en-US" sz="2800" spc="-1" strike="noStrike">
+                <a:solidFill>
+                  <a:srgbClr val="000000"/>
+                </a:solidFill>
+                <a:uFill>
+                  <a:solidFill>
+                    <a:srgbClr val="ffffff"/>
+                  </a:solidFill>
+                </a:uFill>
+                <a:latin typeface="Arial"/>
+                <a:ea typeface="DejaVu Sans"/>
+              </a:rPr>
+              <a:t>$ curl -sSf https://static.rust-lang.org/rustup.sh | sh</a:t>
+            </a:r>
+            <a:endParaRPr/>
+          </a:p>
+          <a:p>
+            <a:pPr>
+              <a:lnSpc>
+                <a:spcPct val="100000"/>
+              </a:lnSpc>
+            </a:pPr>
+            <a:endParaRPr/>
+          </a:p>
+          <a:p>
+            <a:pPr marL="216000" indent="-216000">
               <a:lnSpc>
                 <a:spcPct val="100000"/>
               </a:lnSpc>
@@ -5577,45 +5968,24 @@
               <a:buChar char="l"/>
             </a:pPr>
             <a:r>
-              <a:rPr lang="en-US" sz="2800">
+              <a:rPr lang="en-US" sz="2800" spc="-1" strike="noStrike">
                 <a:solidFill>
                   <a:srgbClr val="000000"/>
                 </a:solidFill>
+                <a:uFill>
+                  <a:solidFill>
+                    <a:srgbClr val="ffffff"/>
+                  </a:solidFill>
+                </a:uFill>
                 <a:latin typeface="Arial"/>
                 <a:ea typeface="DejaVu Sans"/>
               </a:rPr>
-              <a:t>For Linux and Mac run the command </a:t>
-            </a:r>
-            <a:endParaRPr/>
-          </a:p>
-          <a:p>
-            <a:pPr>
-              <a:lnSpc>
-                <a:spcPct val="100000"/>
-              </a:lnSpc>
-            </a:pPr>
-            <a:r>
-              <a:rPr lang="en-US" sz="2800">
-                <a:solidFill>
-                  <a:srgbClr val="000000"/>
-                </a:solidFill>
-                <a:latin typeface="Arial"/>
-                <a:ea typeface="DejaVu Sans"/>
-              </a:rPr>
-              <a:t>$ curl -sSf https://static.rust-lang.org/rustup.sh | sh</a:t>
-            </a:r>
-            <a:endParaRPr/>
-          </a:p>
-          <a:p>
-            <a:pPr>
-              <a:lnSpc>
-                <a:spcPct val="100000"/>
-              </a:lnSpc>
-            </a:pPr>
-            <a:endParaRPr/>
-          </a:p>
-          <a:p>
-            <a:pPr>
+              <a:t>For Windows install Linux then run the command.</a:t>
+            </a:r>
+            <a:endParaRPr/>
+          </a:p>
+          <a:p>
+            <a:pPr marL="216000" indent="-216000">
               <a:lnSpc>
                 <a:spcPct val="100000"/>
               </a:lnSpc>
@@ -5624,31 +5994,15 @@
               <a:buChar char="l"/>
             </a:pPr>
             <a:r>
-              <a:rPr lang="en-US" sz="2800">
+              <a:rPr lang="en-US" sz="2800" spc="-1" strike="noStrike">
                 <a:solidFill>
                   <a:srgbClr val="000000"/>
                 </a:solidFill>
-                <a:latin typeface="Arial"/>
-                <a:ea typeface="DejaVu Sans"/>
-              </a:rPr>
-              <a:t>For Windows install Linux then run the command.</a:t>
-            </a:r>
-            <a:endParaRPr/>
-          </a:p>
-          <a:p>
-            <a:pPr>
-              <a:lnSpc>
-                <a:spcPct val="100000"/>
-              </a:lnSpc>
-              <a:buSzPct val="45000"/>
-              <a:buFont typeface="StarSymbol"/>
-              <a:buChar char="l"/>
-            </a:pPr>
-            <a:r>
-              <a:rPr lang="en-US" sz="2800">
-                <a:solidFill>
-                  <a:srgbClr val="000000"/>
-                </a:solidFill>
+                <a:uFill>
+                  <a:solidFill>
+                    <a:srgbClr val="ffffff"/>
+                  </a:solidFill>
+                </a:uFill>
                 <a:latin typeface="Arial"/>
                 <a:ea typeface="DejaVu Sans"/>
               </a:rPr>
@@ -5723,7 +6077,7 @@
         <p:spPr>
           <a:xfrm>
             <a:off x="503280" y="301680"/>
-            <a:ext cx="9070920" cy="1262160"/>
+            <a:ext cx="9070560" cy="1261800"/>
           </a:xfrm>
           <a:prstGeom prst="rect">
             <a:avLst/>
@@ -5748,10 +6102,15 @@
               </a:lnSpc>
             </a:pPr>
             <a:r>
-              <a:rPr lang="en-US" sz="4400" u="sng">
+              <a:rPr lang="en-US" sz="4400" spc="-1" strike="noStrike" u="sng">
                 <a:solidFill>
                   <a:srgbClr val="000000"/>
                 </a:solidFill>
+                <a:uFill>
+                  <a:solidFill>
+                    <a:srgbClr val="ffffff"/>
+                  </a:solidFill>
+                </a:uFill>
                 <a:latin typeface="Arial"/>
                 <a:ea typeface="DejaVu Sans"/>
               </a:rPr>
@@ -5770,7 +6129,7 @@
         <p:spPr>
           <a:xfrm>
             <a:off x="503280" y="1768320"/>
-            <a:ext cx="9070920" cy="4383360"/>
+            <a:ext cx="9070560" cy="4383000"/>
           </a:xfrm>
           <a:prstGeom prst="rect">
             <a:avLst/>
@@ -5800,7 +6159,7 @@
         <p:spPr>
           <a:xfrm>
             <a:off x="640080" y="1562400"/>
-            <a:ext cx="8662320" cy="2826720"/>
+            <a:ext cx="8661960" cy="2826360"/>
           </a:xfrm>
           <a:prstGeom prst="rect">
             <a:avLst/>
@@ -5875,7 +6234,7 @@
         <p:spPr>
           <a:xfrm>
             <a:off x="503280" y="301680"/>
-            <a:ext cx="9070920" cy="1262160"/>
+            <a:ext cx="9070560" cy="1261800"/>
           </a:xfrm>
           <a:prstGeom prst="rect">
             <a:avLst/>
@@ -5900,10 +6259,15 @@
               </a:lnSpc>
             </a:pPr>
             <a:r>
-              <a:rPr lang="en-US" sz="4400" u="sng">
+              <a:rPr lang="en-US" sz="4400" spc="-1" strike="noStrike" u="sng">
                 <a:solidFill>
                   <a:srgbClr val="000000"/>
                 </a:solidFill>
+                <a:uFill>
+                  <a:solidFill>
+                    <a:srgbClr val="ffffff"/>
+                  </a:solidFill>
+                </a:uFill>
                 <a:latin typeface="Arial"/>
                 <a:ea typeface="DejaVu Sans"/>
               </a:rPr>
@@ -5922,7 +6286,7 @@
         <p:spPr>
           <a:xfrm>
             <a:off x="503280" y="1768320"/>
-            <a:ext cx="9070920" cy="4383360"/>
+            <a:ext cx="9070560" cy="4383000"/>
           </a:xfrm>
           <a:prstGeom prst="rect">
             <a:avLst/>
@@ -5941,7 +6305,7 @@
         <p:txBody>
           <a:bodyPr lIns="0" rIns="0" tIns="0" bIns="0"/>
           <a:p>
-            <a:pPr>
+            <a:pPr marL="216000" indent="-216000">
               <a:lnSpc>
                 <a:spcPct val="100000"/>
               </a:lnSpc>
@@ -5950,10 +6314,15 @@
               <a:buChar char="l"/>
             </a:pPr>
             <a:r>
-              <a:rPr lang="en-US" sz="2800">
+              <a:rPr lang="en-US" sz="2800" spc="-1" strike="noStrike">
                 <a:solidFill>
                   <a:srgbClr val="000000"/>
                 </a:solidFill>
+                <a:uFill>
+                  <a:solidFill>
+                    <a:srgbClr val="ffffff"/>
+                  </a:solidFill>
+                </a:uFill>
                 <a:latin typeface="Arial"/>
                 <a:ea typeface="DejaVu Sans"/>
               </a:rPr>
@@ -5962,7 +6331,7 @@
             <a:endParaRPr/>
           </a:p>
           <a:p>
-            <a:pPr>
+            <a:pPr marL="216000" indent="-216000">
               <a:lnSpc>
                 <a:spcPct val="100000"/>
               </a:lnSpc>
@@ -5971,10 +6340,15 @@
               <a:buChar char="l"/>
             </a:pPr>
             <a:r>
-              <a:rPr lang="en-US" sz="2800">
+              <a:rPr lang="en-US" sz="2800" spc="-1" strike="noStrike">
                 <a:solidFill>
                   <a:srgbClr val="000000"/>
                 </a:solidFill>
+                <a:uFill>
+                  <a:solidFill>
+                    <a:srgbClr val="ffffff"/>
+                  </a:solidFill>
+                </a:uFill>
                 <a:latin typeface="Arial"/>
                 <a:ea typeface="DejaVu Sans"/>
               </a:rPr>
@@ -5983,7 +6357,7 @@
             <a:endParaRPr/>
           </a:p>
           <a:p>
-            <a:pPr>
+            <a:pPr marL="216000" indent="-216000">
               <a:lnSpc>
                 <a:spcPct val="100000"/>
               </a:lnSpc>
@@ -5992,10 +6366,15 @@
               <a:buChar char="l"/>
             </a:pPr>
             <a:r>
-              <a:rPr lang="en-US" sz="2800">
+              <a:rPr lang="en-US" sz="2800" spc="-1" strike="noStrike">
                 <a:solidFill>
                   <a:srgbClr val="000000"/>
                 </a:solidFill>
+                <a:uFill>
+                  <a:solidFill>
+                    <a:srgbClr val="ffffff"/>
+                  </a:solidFill>
+                </a:uFill>
                 <a:latin typeface="Arial"/>
                 <a:ea typeface="DejaVu Sans"/>
               </a:rPr>
@@ -6004,7 +6383,7 @@
             <a:endParaRPr/>
           </a:p>
           <a:p>
-            <a:pPr>
+            <a:pPr marL="216000" indent="-216000">
               <a:lnSpc>
                 <a:spcPct val="100000"/>
               </a:lnSpc>
@@ -6013,10 +6392,15 @@
               <a:buChar char="l"/>
             </a:pPr>
             <a:r>
-              <a:rPr lang="en-US" sz="2800">
+              <a:rPr lang="en-US" sz="2800" spc="-1" strike="noStrike">
                 <a:solidFill>
                   <a:srgbClr val="000000"/>
                 </a:solidFill>
+                <a:uFill>
+                  <a:solidFill>
+                    <a:srgbClr val="ffffff"/>
+                  </a:solidFill>
+                </a:uFill>
                 <a:latin typeface="Arial"/>
                 <a:ea typeface="DejaVu Sans"/>
               </a:rPr>
@@ -6025,7 +6409,7 @@
             <a:endParaRPr/>
           </a:p>
           <a:p>
-            <a:pPr>
+            <a:pPr marL="216000" indent="-216000">
               <a:lnSpc>
                 <a:spcPct val="100000"/>
               </a:lnSpc>
@@ -6034,10 +6418,15 @@
               <a:buChar char="l"/>
             </a:pPr>
             <a:r>
-              <a:rPr lang="en-US" sz="2800">
+              <a:rPr lang="en-US" sz="2800" spc="-1" strike="noStrike">
                 <a:solidFill>
                   <a:srgbClr val="000000"/>
                 </a:solidFill>
+                <a:uFill>
+                  <a:solidFill>
+                    <a:srgbClr val="ffffff"/>
+                  </a:solidFill>
+                </a:uFill>
                 <a:latin typeface="Arial"/>
                 <a:ea typeface="DejaVu Sans"/>
               </a:rPr>
@@ -6046,7 +6435,7 @@
             <a:endParaRPr/>
           </a:p>
           <a:p>
-            <a:pPr>
+            <a:pPr marL="216000" indent="-216000">
               <a:lnSpc>
                 <a:spcPct val="100000"/>
               </a:lnSpc>
@@ -6055,10 +6444,15 @@
               <a:buChar char="l"/>
             </a:pPr>
             <a:r>
-              <a:rPr lang="en-US" sz="2800">
+              <a:rPr lang="en-US" sz="2800" spc="-1" strike="noStrike">
                 <a:solidFill>
                   <a:srgbClr val="000000"/>
                 </a:solidFill>
+                <a:uFill>
+                  <a:solidFill>
+                    <a:srgbClr val="ffffff"/>
+                  </a:solidFill>
+                </a:uFill>
                 <a:latin typeface="Arial"/>
                 <a:ea typeface="DejaVu Sans"/>
               </a:rPr>
@@ -6067,7 +6461,7 @@
             <a:endParaRPr/>
           </a:p>
           <a:p>
-            <a:pPr>
+            <a:pPr marL="216000" indent="-216000">
               <a:lnSpc>
                 <a:spcPct val="100000"/>
               </a:lnSpc>
@@ -6076,10 +6470,15 @@
               <a:buChar char="l"/>
             </a:pPr>
             <a:r>
-              <a:rPr lang="en-US" sz="2800">
+              <a:rPr lang="en-US" sz="2800" spc="-1" strike="noStrike">
                 <a:solidFill>
                   <a:srgbClr val="000000"/>
                 </a:solidFill>
+                <a:uFill>
+                  <a:solidFill>
+                    <a:srgbClr val="ffffff"/>
+                  </a:solidFill>
+                </a:uFill>
                 <a:latin typeface="Arial"/>
                 <a:ea typeface="DejaVu Sans"/>
               </a:rPr>
@@ -6088,7 +6487,7 @@
             <a:endParaRPr/>
           </a:p>
           <a:p>
-            <a:pPr>
+            <a:pPr marL="216000" indent="-216000">
               <a:lnSpc>
                 <a:spcPct val="100000"/>
               </a:lnSpc>
@@ -6097,10 +6496,15 @@
               <a:buChar char="l"/>
             </a:pPr>
             <a:r>
-              <a:rPr lang="en-US" sz="2800">
+              <a:rPr lang="en-US" sz="2800" spc="-1" strike="noStrike">
                 <a:solidFill>
                   <a:srgbClr val="000000"/>
                 </a:solidFill>
+                <a:uFill>
+                  <a:solidFill>
+                    <a:srgbClr val="ffffff"/>
+                  </a:solidFill>
+                </a:uFill>
                 <a:latin typeface="Arial"/>
                 <a:ea typeface="DejaVu Sans"/>
               </a:rPr>
@@ -6113,9 +6517,6 @@
               <a:lnSpc>
                 <a:spcPct val="100000"/>
               </a:lnSpc>
-              <a:buSzPct val="45000"/>
-              <a:buFont typeface="StarSymbol"/>
-              <a:buChar char="l"/>
             </a:pPr>
             <a:endParaRPr/>
           </a:p>
@@ -6186,7 +6587,7 @@
         <p:spPr>
           <a:xfrm>
             <a:off x="503280" y="301680"/>
-            <a:ext cx="9070920" cy="1262160"/>
+            <a:ext cx="9070560" cy="1261800"/>
           </a:xfrm>
           <a:prstGeom prst="rect">
             <a:avLst/>
@@ -6211,10 +6612,15 @@
               </a:lnSpc>
             </a:pPr>
             <a:r>
-              <a:rPr lang="en-US" sz="4400" u="sng">
+              <a:rPr lang="en-US" sz="4400" spc="-1" strike="noStrike" u="sng">
                 <a:solidFill>
                   <a:srgbClr val="000000"/>
                 </a:solidFill>
+                <a:uFill>
+                  <a:solidFill>
+                    <a:srgbClr val="ffffff"/>
+                  </a:solidFill>
+                </a:uFill>
                 <a:latin typeface="Arial"/>
                 <a:ea typeface="DejaVu Sans"/>
               </a:rPr>
@@ -6233,7 +6639,7 @@
         <p:spPr>
           <a:xfrm>
             <a:off x="503280" y="1768320"/>
-            <a:ext cx="4425840" cy="4383360"/>
+            <a:ext cx="4425480" cy="4383000"/>
           </a:xfrm>
           <a:prstGeom prst="rect">
             <a:avLst/>
@@ -6252,7 +6658,7 @@
         <p:txBody>
           <a:bodyPr lIns="0" rIns="0" tIns="0" bIns="0"/>
           <a:p>
-            <a:pPr>
+            <a:pPr marL="216000" indent="-216000">
               <a:lnSpc>
                 <a:spcPct val="100000"/>
               </a:lnSpc>
@@ -6261,10 +6667,15 @@
               <a:buChar char="l"/>
             </a:pPr>
             <a:r>
-              <a:rPr lang="en-US" sz="2800">
+              <a:rPr lang="en-US" sz="2800" spc="-1" strike="noStrike">
                 <a:solidFill>
                   <a:srgbClr val="000000"/>
                 </a:solidFill>
+                <a:uFill>
+                  <a:solidFill>
+                    <a:srgbClr val="ffffff"/>
+                  </a:solidFill>
+                </a:uFill>
                 <a:latin typeface="Arial"/>
                 <a:ea typeface="DejaVu Sans"/>
               </a:rPr>
@@ -6273,7 +6684,7 @@
             <a:endParaRPr/>
           </a:p>
           <a:p>
-            <a:pPr>
+            <a:pPr marL="216000" indent="-216000">
               <a:lnSpc>
                 <a:spcPct val="100000"/>
               </a:lnSpc>
@@ -6282,10 +6693,15 @@
               <a:buChar char="l"/>
             </a:pPr>
             <a:r>
-              <a:rPr lang="en-US" sz="2800">
+              <a:rPr lang="en-US" sz="2800" spc="-1" strike="noStrike">
                 <a:solidFill>
                   <a:srgbClr val="000000"/>
                 </a:solidFill>
+                <a:uFill>
+                  <a:solidFill>
+                    <a:srgbClr val="ffffff"/>
+                  </a:solidFill>
+                </a:uFill>
                 <a:latin typeface="Arial"/>
                 <a:ea typeface="DejaVu Sans"/>
               </a:rPr>
@@ -6294,7 +6710,7 @@
             <a:endParaRPr/>
           </a:p>
           <a:p>
-            <a:pPr>
+            <a:pPr marL="216000" indent="-216000">
               <a:lnSpc>
                 <a:spcPct val="100000"/>
               </a:lnSpc>
@@ -6303,10 +6719,15 @@
               <a:buChar char="l"/>
             </a:pPr>
             <a:r>
-              <a:rPr lang="en-US" sz="2800">
+              <a:rPr lang="en-US" sz="2800" spc="-1" strike="noStrike">
                 <a:solidFill>
                   <a:srgbClr val="000000"/>
                 </a:solidFill>
+                <a:uFill>
+                  <a:solidFill>
+                    <a:srgbClr val="ffffff"/>
+                  </a:solidFill>
+                </a:uFill>
                 <a:latin typeface="Arial"/>
                 <a:ea typeface="DejaVu Sans"/>
               </a:rPr>
@@ -6315,7 +6736,7 @@
             <a:endParaRPr/>
           </a:p>
           <a:p>
-            <a:pPr>
+            <a:pPr marL="216000" indent="-216000">
               <a:lnSpc>
                 <a:spcPct val="100000"/>
               </a:lnSpc>
@@ -6324,10 +6745,15 @@
               <a:buChar char="l"/>
             </a:pPr>
             <a:r>
-              <a:rPr lang="en-US" sz="2800">
+              <a:rPr lang="en-US" sz="2800" spc="-1" strike="noStrike">
                 <a:solidFill>
                   <a:srgbClr val="000000"/>
                 </a:solidFill>
+                <a:uFill>
+                  <a:solidFill>
+                    <a:srgbClr val="ffffff"/>
+                  </a:solidFill>
+                </a:uFill>
                 <a:latin typeface="Arial"/>
                 <a:ea typeface="DejaVu Sans"/>
               </a:rPr>
@@ -6336,7 +6762,7 @@
             <a:endParaRPr/>
           </a:p>
           <a:p>
-            <a:pPr>
+            <a:pPr marL="216000" indent="-216000">
               <a:lnSpc>
                 <a:spcPct val="100000"/>
               </a:lnSpc>
@@ -6345,10 +6771,15 @@
               <a:buChar char="l"/>
             </a:pPr>
             <a:r>
-              <a:rPr lang="en-US" sz="2800">
+              <a:rPr lang="en-US" sz="2800" spc="-1" strike="noStrike">
                 <a:solidFill>
                   <a:srgbClr val="000000"/>
                 </a:solidFill>
+                <a:uFill>
+                  <a:solidFill>
+                    <a:srgbClr val="ffffff"/>
+                  </a:solidFill>
+                </a:uFill>
                 <a:latin typeface="Arial"/>
                 <a:ea typeface="DejaVu Sans"/>
               </a:rPr>
@@ -6357,7 +6788,7 @@
             <a:endParaRPr/>
           </a:p>
           <a:p>
-            <a:pPr>
+            <a:pPr marL="216000" indent="-216000">
               <a:lnSpc>
                 <a:spcPct val="100000"/>
               </a:lnSpc>
@@ -6366,10 +6797,15 @@
               <a:buChar char="l"/>
             </a:pPr>
             <a:r>
-              <a:rPr lang="en-US" sz="2800">
+              <a:rPr lang="en-US" sz="2800" spc="-1" strike="noStrike">
                 <a:solidFill>
                   <a:srgbClr val="000000"/>
                 </a:solidFill>
+                <a:uFill>
+                  <a:solidFill>
+                    <a:srgbClr val="ffffff"/>
+                  </a:solidFill>
+                </a:uFill>
                 <a:latin typeface="Arial"/>
                 <a:ea typeface="DejaVu Sans"/>
               </a:rPr>
@@ -6388,7 +6824,7 @@
         <p:spPr>
           <a:xfrm>
             <a:off x="5153040" y="1768320"/>
-            <a:ext cx="4425840" cy="4383360"/>
+            <a:ext cx="4425480" cy="4383000"/>
           </a:xfrm>
           <a:prstGeom prst="rect">
             <a:avLst/>
@@ -6407,7 +6843,7 @@
         <p:txBody>
           <a:bodyPr lIns="0" rIns="0" tIns="0" bIns="0"/>
           <a:p>
-            <a:pPr>
+            <a:pPr marL="216000" indent="-216000">
               <a:lnSpc>
                 <a:spcPct val="100000"/>
               </a:lnSpc>
@@ -6416,10 +6852,15 @@
               <a:buChar char="l"/>
             </a:pPr>
             <a:r>
-              <a:rPr lang="en-US" sz="2800">
+              <a:rPr lang="en-US" sz="2800" spc="-1" strike="noStrike">
                 <a:solidFill>
                   <a:srgbClr val="000000"/>
                 </a:solidFill>
+                <a:uFill>
+                  <a:solidFill>
+                    <a:srgbClr val="ffffff"/>
+                  </a:solidFill>
+                </a:uFill>
                 <a:latin typeface="Arial"/>
                 <a:ea typeface="DejaVu Sans"/>
               </a:rPr>
@@ -6428,7 +6869,7 @@
             <a:endParaRPr/>
           </a:p>
           <a:p>
-            <a:pPr>
+            <a:pPr marL="216000" indent="-216000">
               <a:lnSpc>
                 <a:spcPct val="100000"/>
               </a:lnSpc>
@@ -6437,10 +6878,15 @@
               <a:buChar char="l"/>
             </a:pPr>
             <a:r>
-              <a:rPr lang="en-US" sz="2800">
+              <a:rPr lang="en-US" sz="2800" spc="-1" strike="noStrike">
                 <a:solidFill>
                   <a:srgbClr val="000000"/>
                 </a:solidFill>
+                <a:uFill>
+                  <a:solidFill>
+                    <a:srgbClr val="ffffff"/>
+                  </a:solidFill>
+                </a:uFill>
                 <a:latin typeface="Arial"/>
                 <a:ea typeface="DejaVu Sans"/>
               </a:rPr>
@@ -6449,7 +6895,7 @@
             <a:endParaRPr/>
           </a:p>
           <a:p>
-            <a:pPr>
+            <a:pPr marL="216000" indent="-216000">
               <a:lnSpc>
                 <a:spcPct val="100000"/>
               </a:lnSpc>
@@ -6458,10 +6904,15 @@
               <a:buChar char="l"/>
             </a:pPr>
             <a:r>
-              <a:rPr lang="en-US" sz="2800">
+              <a:rPr lang="en-US" sz="2800" spc="-1" strike="noStrike">
                 <a:solidFill>
                   <a:srgbClr val="000000"/>
                 </a:solidFill>
+                <a:uFill>
+                  <a:solidFill>
+                    <a:srgbClr val="ffffff"/>
+                  </a:solidFill>
+                </a:uFill>
                 <a:latin typeface="Arial"/>
                 <a:ea typeface="DejaVu Sans"/>
               </a:rPr>
@@ -6470,7 +6921,7 @@
             <a:endParaRPr/>
           </a:p>
           <a:p>
-            <a:pPr>
+            <a:pPr marL="216000" indent="-216000">
               <a:lnSpc>
                 <a:spcPct val="100000"/>
               </a:lnSpc>
@@ -6479,10 +6930,15 @@
               <a:buChar char="l"/>
             </a:pPr>
             <a:r>
-              <a:rPr lang="en-US" sz="2800">
+              <a:rPr lang="en-US" sz="2800" spc="-1" strike="noStrike">
                 <a:solidFill>
                   <a:srgbClr val="000000"/>
                 </a:solidFill>
+                <a:uFill>
+                  <a:solidFill>
+                    <a:srgbClr val="ffffff"/>
+                  </a:solidFill>
+                </a:uFill>
                 <a:latin typeface="Arial"/>
                 <a:ea typeface="DejaVu Sans"/>
               </a:rPr>
@@ -6491,7 +6947,7 @@
             <a:endParaRPr/>
           </a:p>
           <a:p>
-            <a:pPr>
+            <a:pPr marL="216000" indent="-216000">
               <a:lnSpc>
                 <a:spcPct val="100000"/>
               </a:lnSpc>
@@ -6500,10 +6956,15 @@
               <a:buChar char="l"/>
             </a:pPr>
             <a:r>
-              <a:rPr lang="en-US" sz="2800">
+              <a:rPr lang="en-US" sz="2800" spc="-1" strike="noStrike">
                 <a:solidFill>
                   <a:srgbClr val="000000"/>
                 </a:solidFill>
+                <a:uFill>
+                  <a:solidFill>
+                    <a:srgbClr val="ffffff"/>
+                  </a:solidFill>
+                </a:uFill>
                 <a:latin typeface="Arial"/>
                 <a:ea typeface="DejaVu Sans"/>
               </a:rPr>
@@ -6512,7 +6973,7 @@
             <a:endParaRPr/>
           </a:p>
           <a:p>
-            <a:pPr>
+            <a:pPr marL="216000" indent="-216000">
               <a:lnSpc>
                 <a:spcPct val="100000"/>
               </a:lnSpc>
@@ -6521,10 +6982,15 @@
               <a:buChar char="l"/>
             </a:pPr>
             <a:r>
-              <a:rPr lang="en-US" sz="2800">
+              <a:rPr lang="en-US" sz="2800" spc="-1" strike="noStrike">
                 <a:solidFill>
                   <a:srgbClr val="000000"/>
                 </a:solidFill>
+                <a:uFill>
+                  <a:solidFill>
+                    <a:srgbClr val="ffffff"/>
+                  </a:solidFill>
+                </a:uFill>
                 <a:latin typeface="Arial"/>
                 <a:ea typeface="DejaVu Sans"/>
               </a:rPr>
@@ -6599,7 +7065,7 @@
         <p:spPr>
           <a:xfrm>
             <a:off x="503280" y="301680"/>
-            <a:ext cx="9070920" cy="1262160"/>
+            <a:ext cx="9070560" cy="1261800"/>
           </a:xfrm>
           <a:prstGeom prst="rect">
             <a:avLst/>
@@ -6624,10 +7090,15 @@
               </a:lnSpc>
             </a:pPr>
             <a:r>
-              <a:rPr lang="en-US" sz="4400" u="sng">
+              <a:rPr lang="en-US" sz="4400" spc="-1" strike="noStrike" u="sng">
                 <a:solidFill>
                   <a:srgbClr val="000000"/>
                 </a:solidFill>
+                <a:uFill>
+                  <a:solidFill>
+                    <a:srgbClr val="ffffff"/>
+                  </a:solidFill>
+                </a:uFill>
                 <a:latin typeface="Arial"/>
                 <a:ea typeface="DejaVu Sans"/>
               </a:rPr>
@@ -6646,7 +7117,7 @@
         <p:spPr>
           <a:xfrm>
             <a:off x="503280" y="1768320"/>
-            <a:ext cx="9070920" cy="4383360"/>
+            <a:ext cx="9070560" cy="4383000"/>
           </a:xfrm>
           <a:prstGeom prst="rect">
             <a:avLst/>
@@ -6665,7 +7136,7 @@
         <p:txBody>
           <a:bodyPr lIns="0" rIns="0" tIns="0" bIns="0"/>
           <a:p>
-            <a:pPr>
+            <a:pPr marL="216000" indent="-216000">
               <a:lnSpc>
                 <a:spcPct val="100000"/>
               </a:lnSpc>
@@ -6674,10 +7145,15 @@
               <a:buChar char="l"/>
             </a:pPr>
             <a:r>
-              <a:rPr lang="en-US" sz="2800">
+              <a:rPr lang="en-US" sz="2800" spc="-1" strike="noStrike">
                 <a:solidFill>
                   <a:srgbClr val="000000"/>
                 </a:solidFill>
+                <a:uFill>
+                  <a:solidFill>
+                    <a:srgbClr val="ffffff"/>
+                  </a:solidFill>
+                </a:uFill>
                 <a:latin typeface="Arial"/>
                 <a:ea typeface="DejaVu Sans"/>
               </a:rPr>
@@ -6752,7 +7228,7 @@
         <p:spPr>
           <a:xfrm>
             <a:off x="503280" y="301680"/>
-            <a:ext cx="9070920" cy="1262160"/>
+            <a:ext cx="9070560" cy="1261800"/>
           </a:xfrm>
           <a:prstGeom prst="rect">
             <a:avLst/>
@@ -6777,14 +7253,19 @@
               </a:lnSpc>
             </a:pPr>
             <a:r>
-              <a:rPr lang="en-US" sz="4400" u="sng">
+              <a:rPr lang="en-US" sz="4400" spc="-1" strike="noStrike" u="sng">
                 <a:solidFill>
                   <a:srgbClr val="000000"/>
                 </a:solidFill>
+                <a:uFill>
+                  <a:solidFill>
+                    <a:srgbClr val="ffffff"/>
+                  </a:solidFill>
+                </a:uFill>
                 <a:latin typeface="Arial"/>
                 <a:ea typeface="DejaVu Sans"/>
               </a:rPr>
-              <a:t>Project Workflow</a:t>
+              <a:t>Project Workflow: Cargo</a:t>
             </a:r>
             <a:endParaRPr/>
           </a:p>
@@ -6799,7 +7280,7 @@
         <p:spPr>
           <a:xfrm>
             <a:off x="503280" y="1768320"/>
-            <a:ext cx="9070920" cy="4383360"/>
+            <a:ext cx="9070560" cy="4383000"/>
           </a:xfrm>
           <a:prstGeom prst="rect">
             <a:avLst/>
@@ -6818,7 +7299,7 @@
         <p:txBody>
           <a:bodyPr lIns="0" rIns="0" tIns="0" bIns="0"/>
           <a:p>
-            <a:pPr>
+            <a:pPr marL="216000" indent="-216000">
               <a:lnSpc>
                 <a:spcPct val="100000"/>
               </a:lnSpc>
@@ -6827,14 +7308,71 @@
               <a:buChar char="l"/>
             </a:pPr>
             <a:r>
-              <a:rPr lang="en-US" sz="2800">
+              <a:rPr lang="en-US" sz="2800" spc="-1" strike="noStrike">
                 <a:solidFill>
                   <a:srgbClr val="000000"/>
                 </a:solidFill>
+                <a:uFill>
+                  <a:solidFill>
+                    <a:srgbClr val="ffffff"/>
+                  </a:solidFill>
+                </a:uFill>
                 <a:latin typeface="Arial"/>
                 <a:ea typeface="DejaVu Sans"/>
               </a:rPr>
-              <a:t>Put something here?</a:t>
+              <a:t>The project tool used in Rust is known as Cargo.</a:t>
+            </a:r>
+            <a:endParaRPr/>
+          </a:p>
+          <a:p>
+            <a:pPr marL="216000" indent="-216000">
+              <a:lnSpc>
+                <a:spcPct val="100000"/>
+              </a:lnSpc>
+              <a:buSzPct val="45000"/>
+              <a:buFont typeface="StarSymbol"/>
+              <a:buChar char="l"/>
+            </a:pPr>
+            <a:r>
+              <a:rPr lang="en-US" sz="2800" spc="-1" strike="noStrike">
+                <a:solidFill>
+                  <a:srgbClr val="000000"/>
+                </a:solidFill>
+                <a:uFill>
+                  <a:solidFill>
+                    <a:srgbClr val="ffffff"/>
+                  </a:solidFill>
+                </a:uFill>
+                <a:latin typeface="Arial"/>
+                <a:ea typeface="DejaVu Sans"/>
+              </a:rPr>
+              <a:t>The main configuration file is always named Cargo.toml</a:t>
+            </a:r>
+            <a:endParaRPr/>
+          </a:p>
+          <a:p>
+            <a:pPr marL="216000" indent="-216000">
+              <a:lnSpc>
+                <a:spcPct val="100000"/>
+              </a:lnSpc>
+              <a:buSzPct val="45000"/>
+              <a:buFont typeface="StarSymbol"/>
+              <a:buChar char="l"/>
+            </a:pPr>
+            <a:r>
+              <a:rPr lang="en-US" sz="2800" spc="-1" strike="noStrike">
+                <a:solidFill>
+                  <a:srgbClr val="000000"/>
+                </a:solidFill>
+                <a:uFill>
+                  <a:solidFill>
+                    <a:srgbClr val="ffffff"/>
+                  </a:solidFill>
+                </a:uFill>
+                <a:latin typeface="Arial"/>
+                <a:ea typeface="DejaVu Sans"/>
+              </a:rPr>
+              <a:t>Link: https://crates.io/ </a:t>
             </a:r>
             <a:endParaRPr/>
           </a:p>
@@ -6905,7 +7443,7 @@
         <p:spPr>
           <a:xfrm>
             <a:off x="503280" y="301680"/>
-            <a:ext cx="9070920" cy="1262160"/>
+            <a:ext cx="9070560" cy="1261800"/>
           </a:xfrm>
           <a:prstGeom prst="rect">
             <a:avLst/>
@@ -6930,10 +7468,15 @@
               </a:lnSpc>
             </a:pPr>
             <a:r>
-              <a:rPr lang="en-US" sz="4400" u="sng">
+              <a:rPr lang="en-US" sz="4400" spc="-1" strike="noStrike" u="sng">
                 <a:solidFill>
                   <a:srgbClr val="000000"/>
                 </a:solidFill>
+                <a:uFill>
+                  <a:solidFill>
+                    <a:srgbClr val="ffffff"/>
+                  </a:solidFill>
+                </a:uFill>
                 <a:latin typeface="Arial"/>
                 <a:ea typeface="DejaVu Sans"/>
               </a:rPr>
@@ -6952,7 +7495,7 @@
         <p:spPr>
           <a:xfrm>
             <a:off x="503280" y="1768320"/>
-            <a:ext cx="9070920" cy="4383360"/>
+            <a:ext cx="9070560" cy="4383000"/>
           </a:xfrm>
           <a:prstGeom prst="rect">
             <a:avLst/>
@@ -6971,7 +7514,7 @@
         <p:txBody>
           <a:bodyPr lIns="0" rIns="0" tIns="0" bIns="0"/>
           <a:p>
-            <a:pPr>
+            <a:pPr marL="216000" indent="-216000">
               <a:lnSpc>
                 <a:spcPct val="100000"/>
               </a:lnSpc>
@@ -6980,19 +7523,24 @@
               <a:buChar char="l"/>
             </a:pPr>
             <a:r>
-              <a:rPr lang="en-US" sz="3200">
+              <a:rPr lang="en-US" sz="3200" spc="-1" strike="noStrike">
                 <a:solidFill>
                   <a:srgbClr val="000000"/>
                 </a:solidFill>
+                <a:uFill>
+                  <a:solidFill>
+                    <a:srgbClr val="ffffff"/>
+                  </a:solidFill>
+                </a:uFill>
                 <a:latin typeface="Arial"/>
                 <a:ea typeface="DejaVu Sans"/>
               </a:rPr>
-              <a:t>Picture of the functioning code</a:t>
-            </a:r>
-            <a:endParaRPr/>
-          </a:p>
-          <a:p>
-            <a:pPr>
+              <a:t>We implemented Lab 2 (Harry's Random Walk) in Rust using Piston, a game engine which uses OpenGL.</a:t>
+            </a:r>
+            <a:endParaRPr/>
+          </a:p>
+          <a:p>
+            <a:pPr marL="216000" indent="-216000">
               <a:lnSpc>
                 <a:spcPct val="100000"/>
               </a:lnSpc>
@@ -7001,14 +7549,61 @@
               <a:buChar char="l"/>
             </a:pPr>
             <a:r>
-              <a:rPr lang="en-US" sz="3200">
+              <a:rPr lang="en-US" sz="3200" spc="-1" strike="noStrike">
                 <a:solidFill>
                   <a:srgbClr val="000000"/>
                 </a:solidFill>
+                <a:uFill>
+                  <a:solidFill>
+                    <a:srgbClr val="ffffff"/>
+                  </a:solidFill>
+                </a:uFill>
                 <a:latin typeface="Arial"/>
                 <a:ea typeface="DejaVu Sans"/>
               </a:rPr>
-              <a:t>We can give a demo of our code here and pull it up on screen</a:t>
+              <a:t>All files needed are </a:t>
+            </a:r>
+            <a:r>
+              <a:rPr lang="en-US" sz="3200" spc="-1" strike="noStrike">
+                <a:solidFill>
+                  <a:srgbClr val="000000"/>
+                </a:solidFill>
+                <a:uFill>
+                  <a:solidFill>
+                    <a:srgbClr val="ffffff"/>
+                  </a:solidFill>
+                </a:uFill>
+                <a:latin typeface="Arial"/>
+                <a:ea typeface="DejaVu Sans"/>
+                <a:hlinkClick r:id="rId1"/>
+              </a:rPr>
+              <a:t>https://github.com/lannonbr/simplerustguide/</a:t>
+            </a:r>
+            <a:endParaRPr/>
+          </a:p>
+          <a:p>
+            <a:pPr marL="216000" indent="-216000">
+              <a:lnSpc>
+                <a:spcPct val="100000"/>
+              </a:lnSpc>
+              <a:buSzPct val="45000"/>
+              <a:buFont typeface="StarSymbol"/>
+              <a:buChar char="l"/>
+            </a:pPr>
+            <a:r>
+              <a:rPr lang="en-US" sz="3200" spc="-1" strike="noStrike">
+                <a:solidFill>
+                  <a:srgbClr val="000000"/>
+                </a:solidFill>
+                <a:uFill>
+                  <a:solidFill>
+                    <a:srgbClr val="ffffff"/>
+                  </a:solidFill>
+                </a:uFill>
+                <a:latin typeface="Arial"/>
+                <a:ea typeface="DejaVu Sans"/>
+              </a:rPr>
+              <a:t>Demo Time!</a:t>
             </a:r>
             <a:endParaRPr/>
           </a:p>
@@ -7079,7 +7674,7 @@
         <p:spPr>
           <a:xfrm>
             <a:off x="503280" y="301680"/>
-            <a:ext cx="9070920" cy="1262160"/>
+            <a:ext cx="9070560" cy="1261800"/>
           </a:xfrm>
           <a:prstGeom prst="rect">
             <a:avLst/>
@@ -7104,10 +7699,15 @@
               </a:lnSpc>
             </a:pPr>
             <a:r>
-              <a:rPr lang="en-US" sz="4400" u="sng">
+              <a:rPr lang="en-US" sz="4400" spc="-1" strike="noStrike" u="sng">
                 <a:solidFill>
                   <a:srgbClr val="000000"/>
                 </a:solidFill>
+                <a:uFill>
+                  <a:solidFill>
+                    <a:srgbClr val="ffffff"/>
+                  </a:solidFill>
+                </a:uFill>
                 <a:latin typeface="Arial"/>
                 <a:ea typeface="DejaVu Sans"/>
               </a:rPr>
@@ -7126,7 +7726,7 @@
         <p:spPr>
           <a:xfrm>
             <a:off x="503280" y="1768320"/>
-            <a:ext cx="9070920" cy="4383360"/>
+            <a:ext cx="9070560" cy="4383000"/>
           </a:xfrm>
           <a:prstGeom prst="rect">
             <a:avLst/>
@@ -7145,7 +7745,7 @@
         <p:txBody>
           <a:bodyPr lIns="0" rIns="0" tIns="0" bIns="0"/>
           <a:p>
-            <a:pPr>
+            <a:pPr marL="216000" indent="-216000">
               <a:lnSpc>
                 <a:spcPct val="100000"/>
               </a:lnSpc>
@@ -7154,10 +7754,15 @@
               <a:buChar char="l"/>
             </a:pPr>
             <a:r>
-              <a:rPr b="1" lang="en-US" sz="3200">
+              <a:rPr b="1" lang="en-US" sz="3200" spc="-1" strike="noStrike">
                 <a:solidFill>
                   <a:srgbClr val="000000"/>
                 </a:solidFill>
+                <a:uFill>
+                  <a:solidFill>
+                    <a:srgbClr val="ffffff"/>
+                  </a:solidFill>
+                </a:uFill>
                 <a:latin typeface="Arial"/>
                 <a:ea typeface="DejaVu Sans"/>
               </a:rPr>
@@ -7166,7 +7771,7 @@
             <a:endParaRPr/>
           </a:p>
           <a:p>
-            <a:pPr>
+            <a:pPr marL="216000" indent="-216000">
               <a:lnSpc>
                 <a:spcPct val="100000"/>
               </a:lnSpc>
@@ -7175,10 +7780,15 @@
               <a:buChar char="l"/>
             </a:pPr>
             <a:r>
-              <a:rPr lang="en-US" sz="3200">
+              <a:rPr lang="en-US" sz="3200" spc="-1" strike="noStrike">
                 <a:solidFill>
                   <a:srgbClr val="000000"/>
                 </a:solidFill>
+                <a:uFill>
+                  <a:solidFill>
+                    <a:srgbClr val="ffffff"/>
+                  </a:solidFill>
+                </a:uFill>
                 <a:latin typeface="Arial"/>
                 <a:ea typeface="DejaVu Sans"/>
               </a:rPr>
@@ -7187,7 +7797,7 @@
             <a:endParaRPr/>
           </a:p>
           <a:p>
-            <a:pPr>
+            <a:pPr marL="216000" indent="-216000">
               <a:lnSpc>
                 <a:spcPct val="100000"/>
               </a:lnSpc>
@@ -7196,10 +7806,15 @@
               <a:buChar char="l"/>
             </a:pPr>
             <a:r>
-              <a:rPr lang="en-US" sz="3200">
+              <a:rPr lang="en-US" sz="3200" spc="-1" strike="noStrike">
                 <a:solidFill>
                   <a:srgbClr val="000000"/>
                 </a:solidFill>
+                <a:uFill>
+                  <a:solidFill>
+                    <a:srgbClr val="ffffff"/>
+                  </a:solidFill>
+                </a:uFill>
                 <a:latin typeface="Arial"/>
                 <a:ea typeface="DejaVu Sans"/>
               </a:rPr>
@@ -7208,7 +7823,7 @@
             <a:endParaRPr/>
           </a:p>
           <a:p>
-            <a:pPr>
+            <a:pPr marL="216000" indent="-216000">
               <a:lnSpc>
                 <a:spcPct val="100000"/>
               </a:lnSpc>
@@ -7217,10 +7832,15 @@
               <a:buChar char="l"/>
             </a:pPr>
             <a:r>
-              <a:rPr lang="en-US" sz="3200">
+              <a:rPr lang="en-US" sz="3200" spc="-1" strike="noStrike">
                 <a:solidFill>
                   <a:srgbClr val="000000"/>
                 </a:solidFill>
+                <a:uFill>
+                  <a:solidFill>
+                    <a:srgbClr val="ffffff"/>
+                  </a:solidFill>
+                </a:uFill>
                 <a:latin typeface="Arial"/>
                 <a:ea typeface="DejaVu Sans"/>
               </a:rPr>
@@ -7229,7 +7849,7 @@
             <a:endParaRPr/>
           </a:p>
           <a:p>
-            <a:pPr>
+            <a:pPr marL="216000" indent="-216000">
               <a:lnSpc>
                 <a:spcPct val="100000"/>
               </a:lnSpc>
@@ -7238,10 +7858,15 @@
               <a:buChar char="l"/>
             </a:pPr>
             <a:r>
-              <a:rPr lang="en-US" sz="3200">
+              <a:rPr lang="en-US" sz="3200" spc="-1" strike="noStrike">
                 <a:solidFill>
                   <a:srgbClr val="000000"/>
                 </a:solidFill>
+                <a:uFill>
+                  <a:solidFill>
+                    <a:srgbClr val="ffffff"/>
+                  </a:solidFill>
+                </a:uFill>
                 <a:latin typeface="Arial"/>
                 <a:ea typeface="DejaVu Sans"/>
               </a:rPr>
@@ -7251,6 +7876,14 @@
           </a:p>
           <a:p>
             <a:pPr>
+              <a:lnSpc>
+                <a:spcPct val="100000"/>
+              </a:lnSpc>
+            </a:pPr>
+            <a:endParaRPr/>
+          </a:p>
+          <a:p>
+            <a:pPr marL="216000" indent="-216000">
               <a:lnSpc>
                 <a:spcPct val="100000"/>
               </a:lnSpc>
@@ -7258,22 +7891,16 @@
               <a:buFont typeface="StarSymbol"/>
               <a:buChar char="l"/>
             </a:pPr>
-            <a:endParaRPr/>
-          </a:p>
-          <a:p>
-            <a:pPr>
-              <a:lnSpc>
-                <a:spcPct val="100000"/>
-              </a:lnSpc>
-              <a:buSzPct val="45000"/>
-              <a:buFont typeface="StarSymbol"/>
-              <a:buChar char="l"/>
-            </a:pPr>
-            <a:r>
-              <a:rPr lang="en-US" sz="3200">
+            <a:r>
+              <a:rPr lang="en-US" sz="3200" spc="-1" strike="noStrike">
                 <a:solidFill>
                   <a:srgbClr val="000000"/>
                 </a:solidFill>
+                <a:uFill>
+                  <a:solidFill>
+                    <a:srgbClr val="ffffff"/>
+                  </a:solidFill>
+                </a:uFill>
                 <a:latin typeface="Arial"/>
                 <a:ea typeface="DejaVu Sans"/>
               </a:rPr>

--- a/Presentation.pptx
+++ b/Presentation.pptx
@@ -196,7 +196,7 @@
           <a:bodyPr lIns="0" rIns="0" tIns="0" bIns="0" anchor="b"/>
           <a:p>
             <a:pPr algn="r"/>
-            <a:fld id="{82E88C6F-A4A1-4E18-B92D-510944463146}" type="slidenum">
+            <a:fld id="{610090BC-2D32-4A6C-A602-527974C39102}" type="slidenum">
               <a:rPr lang="en-US" sz="1400" spc="-1">
                 <a:latin typeface="Tinos"/>
               </a:rPr>
@@ -238,7 +238,7 @@
         <p:spPr>
           <a:xfrm>
             <a:off x="777600" y="4776840"/>
-            <a:ext cx="6217920" cy="4525560"/>
+            <a:ext cx="6217560" cy="4525200"/>
           </a:xfrm>
           <a:prstGeom prst="rect">
             <a:avLst/>
@@ -286,7 +286,7 @@
         <p:spPr>
           <a:xfrm>
             <a:off x="777600" y="4776840"/>
-            <a:ext cx="6217920" cy="4525560"/>
+            <a:ext cx="6217560" cy="4525200"/>
           </a:xfrm>
           <a:prstGeom prst="rect">
             <a:avLst/>
@@ -334,7 +334,7 @@
         <p:spPr>
           <a:xfrm>
             <a:off x="777600" y="4776840"/>
-            <a:ext cx="6217920" cy="4525560"/>
+            <a:ext cx="6217560" cy="4525200"/>
           </a:xfrm>
           <a:prstGeom prst="rect">
             <a:avLst/>
@@ -382,7 +382,7 @@
         <p:spPr>
           <a:xfrm>
             <a:off x="777600" y="4776840"/>
-            <a:ext cx="6217920" cy="4525560"/>
+            <a:ext cx="6217560" cy="4525200"/>
           </a:xfrm>
           <a:prstGeom prst="rect">
             <a:avLst/>
@@ -430,7 +430,7 @@
         <p:spPr>
           <a:xfrm>
             <a:off x="777600" y="4776840"/>
-            <a:ext cx="6217920" cy="4525560"/>
+            <a:ext cx="6217560" cy="4525200"/>
           </a:xfrm>
           <a:prstGeom prst="rect">
             <a:avLst/>
@@ -478,7 +478,7 @@
         <p:spPr>
           <a:xfrm>
             <a:off x="777600" y="4776840"/>
-            <a:ext cx="6217920" cy="4525560"/>
+            <a:ext cx="6217560" cy="4525200"/>
           </a:xfrm>
           <a:prstGeom prst="rect">
             <a:avLst/>
@@ -526,7 +526,7 @@
         <p:spPr>
           <a:xfrm>
             <a:off x="777600" y="4776840"/>
-            <a:ext cx="6217920" cy="4525560"/>
+            <a:ext cx="6217560" cy="4525200"/>
           </a:xfrm>
           <a:prstGeom prst="rect">
             <a:avLst/>
@@ -574,7 +574,7 @@
         <p:spPr>
           <a:xfrm>
             <a:off x="777600" y="4776840"/>
-            <a:ext cx="6217920" cy="4525560"/>
+            <a:ext cx="6217560" cy="4525200"/>
           </a:xfrm>
           <a:prstGeom prst="rect">
             <a:avLst/>
@@ -622,7 +622,7 @@
         <p:spPr>
           <a:xfrm>
             <a:off x="777600" y="4776840"/>
-            <a:ext cx="6217920" cy="4525560"/>
+            <a:ext cx="6217560" cy="4525200"/>
           </a:xfrm>
           <a:prstGeom prst="rect">
             <a:avLst/>
@@ -670,7 +670,7 @@
         <p:spPr>
           <a:xfrm>
             <a:off x="777600" y="4776840"/>
-            <a:ext cx="6217920" cy="4525560"/>
+            <a:ext cx="6217560" cy="4525200"/>
           </a:xfrm>
           <a:prstGeom prst="rect">
             <a:avLst/>
@@ -718,7 +718,7 @@
         <p:spPr>
           <a:xfrm>
             <a:off x="777600" y="4776840"/>
-            <a:ext cx="6217920" cy="4525560"/>
+            <a:ext cx="6217560" cy="4525200"/>
           </a:xfrm>
           <a:prstGeom prst="rect">
             <a:avLst/>
@@ -4676,8 +4676,8 @@
         </p:nvSpPr>
         <p:spPr>
           <a:xfrm>
-            <a:off x="502920" y="301320"/>
-            <a:ext cx="9070560" cy="1260000"/>
+            <a:off x="504000" y="301320"/>
+            <a:ext cx="9071640" cy="1261440"/>
           </a:xfrm>
           <a:prstGeom prst="rect">
             <a:avLst/>
@@ -4703,15 +4703,15 @@
         </p:nvSpPr>
         <p:spPr>
           <a:xfrm>
-            <a:off x="502920" y="1768320"/>
-            <a:ext cx="4426200" cy="4987800"/>
-          </a:xfrm>
-          <a:prstGeom prst="rect">
-            <a:avLst/>
-          </a:prstGeom>
-        </p:spPr>
-        <p:txBody>
-          <a:bodyPr lIns="0" rIns="0" tIns="28080" bIns="0"/>
+            <a:off x="504000" y="1768680"/>
+            <a:ext cx="4426560" cy="4383720"/>
+          </a:xfrm>
+          <a:prstGeom prst="rect">
+            <a:avLst/>
+          </a:prstGeom>
+        </p:spPr>
+        <p:txBody>
+          <a:bodyPr lIns="0" rIns="0" tIns="0" bIns="0"/>
           <a:p>
             <a:pPr marL="432000" indent="-324000">
               <a:buClr>
@@ -4845,15 +4845,15 @@
         </p:nvSpPr>
         <p:spPr>
           <a:xfrm>
-            <a:off x="5151240" y="1768320"/>
-            <a:ext cx="4426200" cy="4987800"/>
-          </a:xfrm>
-          <a:prstGeom prst="rect">
-            <a:avLst/>
-          </a:prstGeom>
-        </p:spPr>
-        <p:txBody>
-          <a:bodyPr lIns="0" rIns="0" tIns="28080" bIns="0"/>
+            <a:off x="5152680" y="1768680"/>
+            <a:ext cx="4426560" cy="4383720"/>
+          </a:xfrm>
+          <a:prstGeom prst="rect">
+            <a:avLst/>
+          </a:prstGeom>
+        </p:spPr>
+        <p:txBody>
+          <a:bodyPr lIns="0" rIns="0" tIns="0" bIns="0"/>
           <a:p>
             <a:pPr marL="432000" indent="-324000">
               <a:buClr>
@@ -5028,7 +5028,7 @@
         <p:spPr>
           <a:xfrm>
             <a:off x="503280" y="1189080"/>
-            <a:ext cx="9070560" cy="1261800"/>
+            <a:ext cx="9070200" cy="1261440"/>
           </a:xfrm>
           <a:prstGeom prst="rect">
             <a:avLst/>
@@ -5080,7 +5080,7 @@
         <p:spPr>
           <a:xfrm>
             <a:off x="503280" y="1768320"/>
-            <a:ext cx="9070560" cy="4383000"/>
+            <a:ext cx="9070200" cy="4382640"/>
           </a:xfrm>
           <a:prstGeom prst="rect">
             <a:avLst/>
@@ -5257,7 +5257,7 @@
         <p:spPr>
           <a:xfrm>
             <a:off x="503280" y="301680"/>
-            <a:ext cx="9070560" cy="1261800"/>
+            <a:ext cx="9070200" cy="1261440"/>
           </a:xfrm>
           <a:prstGeom prst="rect">
             <a:avLst/>
@@ -5309,7 +5309,7 @@
         <p:spPr>
           <a:xfrm>
             <a:off x="503280" y="1768320"/>
-            <a:ext cx="9070560" cy="4383000"/>
+            <a:ext cx="9070200" cy="4382640"/>
           </a:xfrm>
           <a:prstGeom prst="rect">
             <a:avLst/>
@@ -5328,7 +5328,7 @@
         <p:txBody>
           <a:bodyPr lIns="0" rIns="0" tIns="0" bIns="0"/>
           <a:p>
-            <a:pPr marL="216000" indent="-216000">
+            <a:pPr marL="216000" indent="-215640">
               <a:lnSpc>
                 <a:spcPct val="100000"/>
               </a:lnSpc>
@@ -5354,7 +5354,7 @@
             <a:endParaRPr/>
           </a:p>
           <a:p>
-            <a:pPr marL="216000" indent="-216000">
+            <a:pPr marL="216000" indent="-215640">
               <a:lnSpc>
                 <a:spcPct val="100000"/>
               </a:lnSpc>
@@ -5396,7 +5396,7 @@
             <a:endParaRPr/>
           </a:p>
           <a:p>
-            <a:pPr marL="216000" indent="-216000">
+            <a:pPr marL="216000" indent="-215640">
               <a:lnSpc>
                 <a:spcPct val="100000"/>
               </a:lnSpc>
@@ -5422,7 +5422,7 @@
             <a:endParaRPr/>
           </a:p>
           <a:p>
-            <a:pPr marL="216000" indent="-216000">
+            <a:pPr marL="216000" indent="-215640">
               <a:lnSpc>
                 <a:spcPct val="100000"/>
               </a:lnSpc>
@@ -5448,7 +5448,7 @@
             <a:endParaRPr/>
           </a:p>
           <a:p>
-            <a:pPr marL="216000" indent="-216000">
+            <a:pPr marL="216000" indent="-215640">
               <a:lnSpc>
                 <a:spcPct val="100000"/>
               </a:lnSpc>
@@ -5540,7 +5540,7 @@
         <p:spPr>
           <a:xfrm>
             <a:off x="503280" y="301680"/>
-            <a:ext cx="9070560" cy="1261800"/>
+            <a:ext cx="9070200" cy="1261440"/>
           </a:xfrm>
           <a:prstGeom prst="rect">
             <a:avLst/>
@@ -5592,7 +5592,7 @@
         <p:spPr>
           <a:xfrm>
             <a:off x="503280" y="1768320"/>
-            <a:ext cx="9070560" cy="4383000"/>
+            <a:ext cx="9070200" cy="4382640"/>
           </a:xfrm>
           <a:prstGeom prst="rect">
             <a:avLst/>
@@ -5611,7 +5611,7 @@
         <p:txBody>
           <a:bodyPr lIns="0" rIns="0" tIns="0" bIns="0"/>
           <a:p>
-            <a:pPr marL="216000" indent="-216000">
+            <a:pPr marL="216000" indent="-215640">
               <a:lnSpc>
                 <a:spcPct val="100000"/>
               </a:lnSpc>
@@ -5637,7 +5637,7 @@
             <a:endParaRPr/>
           </a:p>
           <a:p>
-            <a:pPr marL="216000" indent="-216000">
+            <a:pPr marL="216000" indent="-215640">
               <a:lnSpc>
                 <a:spcPct val="100000"/>
               </a:lnSpc>
@@ -5663,7 +5663,7 @@
             <a:endParaRPr/>
           </a:p>
           <a:p>
-            <a:pPr marL="216000" indent="-216000">
+            <a:pPr marL="216000" indent="-215640">
               <a:lnSpc>
                 <a:spcPct val="100000"/>
               </a:lnSpc>
@@ -5685,32 +5685,6 @@
                 <a:ea typeface="DejaVu Sans"/>
               </a:rPr>
               <a:t>Piston</a:t>
-            </a:r>
-            <a:endParaRPr/>
-          </a:p>
-          <a:p>
-            <a:pPr marL="216000" indent="-216000">
-              <a:lnSpc>
-                <a:spcPct val="100000"/>
-              </a:lnSpc>
-              <a:buSzPct val="45000"/>
-              <a:buFont typeface="StarSymbol"/>
-              <a:buChar char="l"/>
-            </a:pPr>
-            <a:r>
-              <a:rPr lang="en-US" sz="3200" spc="-1" strike="noStrike">
-                <a:solidFill>
-                  <a:srgbClr val="000000"/>
-                </a:solidFill>
-                <a:uFill>
-                  <a:solidFill>
-                    <a:srgbClr val="ffffff"/>
-                  </a:solidFill>
-                </a:uFill>
-                <a:latin typeface="Arial"/>
-                <a:ea typeface="DejaVu Sans"/>
-              </a:rPr>
-              <a:t> </a:t>
             </a:r>
             <a:endParaRPr/>
           </a:p>
@@ -5781,7 +5755,7 @@
         <p:spPr>
           <a:xfrm>
             <a:off x="503280" y="301680"/>
-            <a:ext cx="9070560" cy="1261800"/>
+            <a:ext cx="9070200" cy="1261440"/>
           </a:xfrm>
           <a:prstGeom prst="rect">
             <a:avLst/>
@@ -5833,7 +5807,7 @@
         <p:spPr>
           <a:xfrm>
             <a:off x="503280" y="1768320"/>
-            <a:ext cx="9070560" cy="4383000"/>
+            <a:ext cx="9070200" cy="4382640"/>
           </a:xfrm>
           <a:prstGeom prst="rect">
             <a:avLst/>
@@ -5852,7 +5826,7 @@
         <p:txBody>
           <a:bodyPr lIns="0" rIns="0" tIns="0" bIns="0"/>
           <a:p>
-            <a:pPr marL="216000" indent="-216000">
+            <a:pPr marL="216000" indent="-215640">
               <a:lnSpc>
                 <a:spcPct val="100000"/>
               </a:lnSpc>
@@ -5902,7 +5876,7 @@
             <a:endParaRPr/>
           </a:p>
           <a:p>
-            <a:pPr marL="216000" indent="-216000">
+            <a:pPr marL="216000" indent="-215640">
               <a:lnSpc>
                 <a:spcPct val="100000"/>
               </a:lnSpc>
@@ -5959,7 +5933,7 @@
             <a:endParaRPr/>
           </a:p>
           <a:p>
-            <a:pPr marL="216000" indent="-216000">
+            <a:pPr marL="216000" indent="-215640">
               <a:lnSpc>
                 <a:spcPct val="100000"/>
               </a:lnSpc>
@@ -5985,7 +5959,7 @@
             <a:endParaRPr/>
           </a:p>
           <a:p>
-            <a:pPr marL="216000" indent="-216000">
+            <a:pPr marL="216000" indent="-215640">
               <a:lnSpc>
                 <a:spcPct val="100000"/>
               </a:lnSpc>
@@ -6077,7 +6051,7 @@
         <p:spPr>
           <a:xfrm>
             <a:off x="503280" y="301680"/>
-            <a:ext cx="9070560" cy="1261800"/>
+            <a:ext cx="9070200" cy="1261440"/>
           </a:xfrm>
           <a:prstGeom prst="rect">
             <a:avLst/>
@@ -6129,7 +6103,7 @@
         <p:spPr>
           <a:xfrm>
             <a:off x="503280" y="1768320"/>
-            <a:ext cx="9070560" cy="4383000"/>
+            <a:ext cx="9070200" cy="4382640"/>
           </a:xfrm>
           <a:prstGeom prst="rect">
             <a:avLst/>
@@ -6159,7 +6133,7 @@
         <p:spPr>
           <a:xfrm>
             <a:off x="640080" y="1562400"/>
-            <a:ext cx="8661960" cy="2826360"/>
+            <a:ext cx="8661600" cy="2826000"/>
           </a:xfrm>
           <a:prstGeom prst="rect">
             <a:avLst/>
@@ -6234,7 +6208,7 @@
         <p:spPr>
           <a:xfrm>
             <a:off x="503280" y="301680"/>
-            <a:ext cx="9070560" cy="1261800"/>
+            <a:ext cx="9070200" cy="1261440"/>
           </a:xfrm>
           <a:prstGeom prst="rect">
             <a:avLst/>
@@ -6286,7 +6260,7 @@
         <p:spPr>
           <a:xfrm>
             <a:off x="503280" y="1768320"/>
-            <a:ext cx="9070560" cy="4383000"/>
+            <a:ext cx="9070200" cy="4382640"/>
           </a:xfrm>
           <a:prstGeom prst="rect">
             <a:avLst/>
@@ -6305,7 +6279,7 @@
         <p:txBody>
           <a:bodyPr lIns="0" rIns="0" tIns="0" bIns="0"/>
           <a:p>
-            <a:pPr marL="216000" indent="-216000">
+            <a:pPr marL="216000" indent="-215640">
               <a:lnSpc>
                 <a:spcPct val="100000"/>
               </a:lnSpc>
@@ -6331,7 +6305,7 @@
             <a:endParaRPr/>
           </a:p>
           <a:p>
-            <a:pPr marL="216000" indent="-216000">
+            <a:pPr marL="216000" indent="-215640">
               <a:lnSpc>
                 <a:spcPct val="100000"/>
               </a:lnSpc>
@@ -6357,7 +6331,7 @@
             <a:endParaRPr/>
           </a:p>
           <a:p>
-            <a:pPr marL="216000" indent="-216000">
+            <a:pPr marL="216000" indent="-215640">
               <a:lnSpc>
                 <a:spcPct val="100000"/>
               </a:lnSpc>
@@ -6383,7 +6357,7 @@
             <a:endParaRPr/>
           </a:p>
           <a:p>
-            <a:pPr marL="216000" indent="-216000">
+            <a:pPr marL="216000" indent="-215640">
               <a:lnSpc>
                 <a:spcPct val="100000"/>
               </a:lnSpc>
@@ -6409,7 +6383,7 @@
             <a:endParaRPr/>
           </a:p>
           <a:p>
-            <a:pPr marL="216000" indent="-216000">
+            <a:pPr marL="216000" indent="-215640">
               <a:lnSpc>
                 <a:spcPct val="100000"/>
               </a:lnSpc>
@@ -6435,7 +6409,7 @@
             <a:endParaRPr/>
           </a:p>
           <a:p>
-            <a:pPr marL="216000" indent="-216000">
+            <a:pPr marL="216000" indent="-215640">
               <a:lnSpc>
                 <a:spcPct val="100000"/>
               </a:lnSpc>
@@ -6461,7 +6435,7 @@
             <a:endParaRPr/>
           </a:p>
           <a:p>
-            <a:pPr marL="216000" indent="-216000">
+            <a:pPr marL="216000" indent="-215640">
               <a:lnSpc>
                 <a:spcPct val="100000"/>
               </a:lnSpc>
@@ -6487,7 +6461,7 @@
             <a:endParaRPr/>
           </a:p>
           <a:p>
-            <a:pPr marL="216000" indent="-216000">
+            <a:pPr marL="216000" indent="-215640">
               <a:lnSpc>
                 <a:spcPct val="100000"/>
               </a:lnSpc>
@@ -6587,7 +6561,7 @@
         <p:spPr>
           <a:xfrm>
             <a:off x="503280" y="301680"/>
-            <a:ext cx="9070560" cy="1261800"/>
+            <a:ext cx="9070200" cy="1261440"/>
           </a:xfrm>
           <a:prstGeom prst="rect">
             <a:avLst/>
@@ -6639,7 +6613,7 @@
         <p:spPr>
           <a:xfrm>
             <a:off x="503280" y="1768320"/>
-            <a:ext cx="4425480" cy="4383000"/>
+            <a:ext cx="4425120" cy="4382640"/>
           </a:xfrm>
           <a:prstGeom prst="rect">
             <a:avLst/>
@@ -6658,7 +6632,7 @@
         <p:txBody>
           <a:bodyPr lIns="0" rIns="0" tIns="0" bIns="0"/>
           <a:p>
-            <a:pPr marL="216000" indent="-216000">
+            <a:pPr marL="216000" indent="-215640">
               <a:lnSpc>
                 <a:spcPct val="100000"/>
               </a:lnSpc>
@@ -6684,7 +6658,7 @@
             <a:endParaRPr/>
           </a:p>
           <a:p>
-            <a:pPr marL="216000" indent="-216000">
+            <a:pPr marL="216000" indent="-215640">
               <a:lnSpc>
                 <a:spcPct val="100000"/>
               </a:lnSpc>
@@ -6710,7 +6684,7 @@
             <a:endParaRPr/>
           </a:p>
           <a:p>
-            <a:pPr marL="216000" indent="-216000">
+            <a:pPr marL="216000" indent="-215640">
               <a:lnSpc>
                 <a:spcPct val="100000"/>
               </a:lnSpc>
@@ -6736,7 +6710,7 @@
             <a:endParaRPr/>
           </a:p>
           <a:p>
-            <a:pPr marL="216000" indent="-216000">
+            <a:pPr marL="216000" indent="-215640">
               <a:lnSpc>
                 <a:spcPct val="100000"/>
               </a:lnSpc>
@@ -6762,7 +6736,7 @@
             <a:endParaRPr/>
           </a:p>
           <a:p>
-            <a:pPr marL="216000" indent="-216000">
+            <a:pPr marL="216000" indent="-215640">
               <a:lnSpc>
                 <a:spcPct val="100000"/>
               </a:lnSpc>
@@ -6788,7 +6762,7 @@
             <a:endParaRPr/>
           </a:p>
           <a:p>
-            <a:pPr marL="216000" indent="-216000">
+            <a:pPr marL="216000" indent="-215640">
               <a:lnSpc>
                 <a:spcPct val="100000"/>
               </a:lnSpc>
@@ -6824,7 +6798,7 @@
         <p:spPr>
           <a:xfrm>
             <a:off x="5153040" y="1768320"/>
-            <a:ext cx="4425480" cy="4383000"/>
+            <a:ext cx="4425120" cy="4382640"/>
           </a:xfrm>
           <a:prstGeom prst="rect">
             <a:avLst/>
@@ -6843,7 +6817,7 @@
         <p:txBody>
           <a:bodyPr lIns="0" rIns="0" tIns="0" bIns="0"/>
           <a:p>
-            <a:pPr marL="216000" indent="-216000">
+            <a:pPr marL="216000" indent="-215640">
               <a:lnSpc>
                 <a:spcPct val="100000"/>
               </a:lnSpc>
@@ -6869,7 +6843,7 @@
             <a:endParaRPr/>
           </a:p>
           <a:p>
-            <a:pPr marL="216000" indent="-216000">
+            <a:pPr marL="216000" indent="-215640">
               <a:lnSpc>
                 <a:spcPct val="100000"/>
               </a:lnSpc>
@@ -6895,7 +6869,7 @@
             <a:endParaRPr/>
           </a:p>
           <a:p>
-            <a:pPr marL="216000" indent="-216000">
+            <a:pPr marL="216000" indent="-215640">
               <a:lnSpc>
                 <a:spcPct val="100000"/>
               </a:lnSpc>
@@ -6921,7 +6895,7 @@
             <a:endParaRPr/>
           </a:p>
           <a:p>
-            <a:pPr marL="216000" indent="-216000">
+            <a:pPr marL="216000" indent="-215640">
               <a:lnSpc>
                 <a:spcPct val="100000"/>
               </a:lnSpc>
@@ -6947,7 +6921,7 @@
             <a:endParaRPr/>
           </a:p>
           <a:p>
-            <a:pPr marL="216000" indent="-216000">
+            <a:pPr marL="216000" indent="-215640">
               <a:lnSpc>
                 <a:spcPct val="100000"/>
               </a:lnSpc>
@@ -6973,7 +6947,7 @@
             <a:endParaRPr/>
           </a:p>
           <a:p>
-            <a:pPr marL="216000" indent="-216000">
+            <a:pPr marL="216000" indent="-215640">
               <a:lnSpc>
                 <a:spcPct val="100000"/>
               </a:lnSpc>
@@ -7065,7 +7039,7 @@
         <p:spPr>
           <a:xfrm>
             <a:off x="503280" y="301680"/>
-            <a:ext cx="9070560" cy="1261800"/>
+            <a:ext cx="9070200" cy="1261440"/>
           </a:xfrm>
           <a:prstGeom prst="rect">
             <a:avLst/>
@@ -7117,7 +7091,7 @@
         <p:spPr>
           <a:xfrm>
             <a:off x="503280" y="1768320"/>
-            <a:ext cx="9070560" cy="4383000"/>
+            <a:ext cx="9070200" cy="4382640"/>
           </a:xfrm>
           <a:prstGeom prst="rect">
             <a:avLst/>
@@ -7136,7 +7110,7 @@
         <p:txBody>
           <a:bodyPr lIns="0" rIns="0" tIns="0" bIns="0"/>
           <a:p>
-            <a:pPr marL="216000" indent="-216000">
+            <a:pPr marL="216000" indent="-215640">
               <a:lnSpc>
                 <a:spcPct val="100000"/>
               </a:lnSpc>
@@ -7157,7 +7131,37 @@
                 <a:latin typeface="Arial"/>
                 <a:ea typeface="DejaVu Sans"/>
               </a:rPr>
-              <a:t>Cool Diagram to show the difference between this and C++/Java in terms of immutability (USE STRINGS)</a:t>
+              <a:t>Compared to other Systems programming languages, Rust sets all variables to be immutable by default unless a </a:t>
+            </a:r>
+            <a:r>
+              <a:rPr i="1" lang="en-US" sz="2800" spc="-1" strike="noStrike">
+                <a:solidFill>
+                  <a:srgbClr val="000000"/>
+                </a:solidFill>
+                <a:uFill>
+                  <a:solidFill>
+                    <a:srgbClr val="ffffff"/>
+                  </a:solidFill>
+                </a:uFill>
+                <a:latin typeface="Arial"/>
+                <a:ea typeface="DejaVu Sans"/>
+              </a:rPr>
+              <a:t>mut</a:t>
+            </a:r>
+            <a:r>
+              <a:rPr lang="en-US" sz="2800" spc="-1" strike="noStrike">
+                <a:solidFill>
+                  <a:srgbClr val="000000"/>
+                </a:solidFill>
+                <a:uFill>
+                  <a:solidFill>
+                    <a:srgbClr val="ffffff"/>
+                  </a:solidFill>
+                </a:uFill>
+                <a:latin typeface="Arial"/>
+                <a:ea typeface="DejaVu Sans"/>
+              </a:rPr>
+              <a:t> keyword is put in the variable definition.</a:t>
             </a:r>
             <a:endParaRPr/>
           </a:p>
@@ -7228,7 +7232,7 @@
         <p:spPr>
           <a:xfrm>
             <a:off x="503280" y="301680"/>
-            <a:ext cx="9070560" cy="1261800"/>
+            <a:ext cx="9070200" cy="1261440"/>
           </a:xfrm>
           <a:prstGeom prst="rect">
             <a:avLst/>
@@ -7280,7 +7284,7 @@
         <p:spPr>
           <a:xfrm>
             <a:off x="503280" y="1768320"/>
-            <a:ext cx="9070560" cy="4383000"/>
+            <a:ext cx="9070200" cy="4382640"/>
           </a:xfrm>
           <a:prstGeom prst="rect">
             <a:avLst/>
@@ -7299,7 +7303,7 @@
         <p:txBody>
           <a:bodyPr lIns="0" rIns="0" tIns="0" bIns="0"/>
           <a:p>
-            <a:pPr marL="216000" indent="-216000">
+            <a:pPr marL="216000" indent="-215640">
               <a:lnSpc>
                 <a:spcPct val="100000"/>
               </a:lnSpc>
@@ -7325,7 +7329,7 @@
             <a:endParaRPr/>
           </a:p>
           <a:p>
-            <a:pPr marL="216000" indent="-216000">
+            <a:pPr marL="216000" indent="-215640">
               <a:lnSpc>
                 <a:spcPct val="100000"/>
               </a:lnSpc>
@@ -7351,7 +7355,7 @@
             <a:endParaRPr/>
           </a:p>
           <a:p>
-            <a:pPr marL="216000" indent="-216000">
+            <a:pPr marL="216000" indent="-215640">
               <a:lnSpc>
                 <a:spcPct val="100000"/>
               </a:lnSpc>
@@ -7443,7 +7447,7 @@
         <p:spPr>
           <a:xfrm>
             <a:off x="503280" y="301680"/>
-            <a:ext cx="9070560" cy="1261800"/>
+            <a:ext cx="9070200" cy="1261440"/>
           </a:xfrm>
           <a:prstGeom prst="rect">
             <a:avLst/>
@@ -7495,7 +7499,7 @@
         <p:spPr>
           <a:xfrm>
             <a:off x="503280" y="1768320"/>
-            <a:ext cx="9070560" cy="4383000"/>
+            <a:ext cx="9070200" cy="4382640"/>
           </a:xfrm>
           <a:prstGeom prst="rect">
             <a:avLst/>
@@ -7514,7 +7518,7 @@
         <p:txBody>
           <a:bodyPr lIns="0" rIns="0" tIns="0" bIns="0"/>
           <a:p>
-            <a:pPr marL="216000" indent="-216000">
+            <a:pPr marL="216000" indent="-215640">
               <a:lnSpc>
                 <a:spcPct val="100000"/>
               </a:lnSpc>
@@ -7540,7 +7544,7 @@
             <a:endParaRPr/>
           </a:p>
           <a:p>
-            <a:pPr marL="216000" indent="-216000">
+            <a:pPr marL="216000" indent="-215640">
               <a:lnSpc>
                 <a:spcPct val="100000"/>
               </a:lnSpc>
@@ -7561,12 +7565,12 @@
                 <a:latin typeface="Arial"/>
                 <a:ea typeface="DejaVu Sans"/>
               </a:rPr>
-              <a:t>All files needed are </a:t>
-            </a:r>
-            <a:r>
-              <a:rPr lang="en-US" sz="3200" spc="-1" strike="noStrike">
+              <a:t>The repository for the program is</a:t>
+            </a:r>
+            <a:r>
+              <a:rPr lang="en-US" sz="3200" spc="-1" strike="noStrike" u="sng">
                 <a:solidFill>
-                  <a:srgbClr val="000000"/>
+                  <a:srgbClr val="0000ff"/>
                 </a:solidFill>
                 <a:uFill>
                   <a:solidFill>
@@ -7582,7 +7586,7 @@
             <a:endParaRPr/>
           </a:p>
           <a:p>
-            <a:pPr marL="216000" indent="-216000">
+            <a:pPr marL="216000" indent="-215640">
               <a:lnSpc>
                 <a:spcPct val="100000"/>
               </a:lnSpc>
@@ -7674,7 +7678,7 @@
         <p:spPr>
           <a:xfrm>
             <a:off x="503280" y="301680"/>
-            <a:ext cx="9070560" cy="1261800"/>
+            <a:ext cx="9070200" cy="1261440"/>
           </a:xfrm>
           <a:prstGeom prst="rect">
             <a:avLst/>
@@ -7726,7 +7730,7 @@
         <p:spPr>
           <a:xfrm>
             <a:off x="503280" y="1768320"/>
-            <a:ext cx="9070560" cy="4383000"/>
+            <a:ext cx="9070200" cy="4382640"/>
           </a:xfrm>
           <a:prstGeom prst="rect">
             <a:avLst/>
@@ -7745,7 +7749,7 @@
         <p:txBody>
           <a:bodyPr lIns="0" rIns="0" tIns="0" bIns="0"/>
           <a:p>
-            <a:pPr marL="216000" indent="-216000">
+            <a:pPr marL="216000" indent="-215640">
               <a:lnSpc>
                 <a:spcPct val="100000"/>
               </a:lnSpc>
@@ -7771,7 +7775,7 @@
             <a:endParaRPr/>
           </a:p>
           <a:p>
-            <a:pPr marL="216000" indent="-216000">
+            <a:pPr marL="216000" indent="-215640">
               <a:lnSpc>
                 <a:spcPct val="100000"/>
               </a:lnSpc>
@@ -7797,7 +7801,7 @@
             <a:endParaRPr/>
           </a:p>
           <a:p>
-            <a:pPr marL="216000" indent="-216000">
+            <a:pPr marL="216000" indent="-215640">
               <a:lnSpc>
                 <a:spcPct val="100000"/>
               </a:lnSpc>
@@ -7823,7 +7827,7 @@
             <a:endParaRPr/>
           </a:p>
           <a:p>
-            <a:pPr marL="216000" indent="-216000">
+            <a:pPr marL="216000" indent="-215640">
               <a:lnSpc>
                 <a:spcPct val="100000"/>
               </a:lnSpc>
@@ -7849,7 +7853,7 @@
             <a:endParaRPr/>
           </a:p>
           <a:p>
-            <a:pPr marL="216000" indent="-216000">
+            <a:pPr marL="216000" indent="-215640">
               <a:lnSpc>
                 <a:spcPct val="100000"/>
               </a:lnSpc>
@@ -7883,7 +7887,7 @@
             <a:endParaRPr/>
           </a:p>
           <a:p>
-            <a:pPr marL="216000" indent="-216000">
+            <a:pPr marL="216000" indent="-215640">
               <a:lnSpc>
                 <a:spcPct val="100000"/>
               </a:lnSpc>

--- a/Presentation.pptx
+++ b/Presentation.pptx
@@ -196,7 +196,7 @@
           <a:bodyPr lIns="0" rIns="0" tIns="0" bIns="0" anchor="b"/>
           <a:p>
             <a:pPr algn="r"/>
-            <a:fld id="{610090BC-2D32-4A6C-A602-527974C39102}" type="slidenum">
+            <a:fld id="{79926C61-04E0-4E24-BFE5-5F369C81E58F}" type="slidenum">
               <a:rPr lang="en-US" sz="1400" spc="-1">
                 <a:latin typeface="Tinos"/>
               </a:rPr>
